--- a/présentation/MCR_Presentation_Monteur.pptx
+++ b/présentation/MCR_Presentation_Monteur.pptx
@@ -5,13 +5,22 @@
     <p:sldMasterId id="2147483648" r:id="rId1"/>
   </p:sldMasterIdLst>
   <p:notesMasterIdLst>
-    <p:notesMasterId r:id="rId6"/>
+    <p:notesMasterId r:id="rId15"/>
   </p:notesMasterIdLst>
   <p:sldIdLst>
     <p:sldId id="256" r:id="rId2"/>
-    <p:sldId id="257" r:id="rId3"/>
-    <p:sldId id="258" r:id="rId4"/>
-    <p:sldId id="259" r:id="rId5"/>
+    <p:sldId id="261" r:id="rId3"/>
+    <p:sldId id="262" r:id="rId4"/>
+    <p:sldId id="263" r:id="rId5"/>
+    <p:sldId id="264" r:id="rId6"/>
+    <p:sldId id="265" r:id="rId7"/>
+    <p:sldId id="266" r:id="rId8"/>
+    <p:sldId id="272" r:id="rId9"/>
+    <p:sldId id="268" r:id="rId10"/>
+    <p:sldId id="270" r:id="rId11"/>
+    <p:sldId id="271" r:id="rId12"/>
+    <p:sldId id="275" r:id="rId13"/>
+    <p:sldId id="274" r:id="rId14"/>
   </p:sldIdLst>
   <p:sldSz cx="12192000" cy="6858000"/>
   <p:notesSz cx="6858000" cy="9144000"/>
@@ -200,7 +209,7 @@
           <a:p>
             <a:fld id="{19291ACF-E016-4B8D-B212-717AA6B87E32}" type="datetimeFigureOut">
               <a:rPr lang="fr-CH" smtClean="0"/>
-              <a:t>05.05.2018</a:t>
+              <a:t>09.05.2018</a:t>
             </a:fld>
             <a:endParaRPr lang="fr-CH"/>
           </a:p>
@@ -487,7 +496,7 @@
       </p:grpSpPr>
       <p:sp>
         <p:nvSpPr>
-          <p:cNvPr id="2" name="Espace réservé de l'image des diapositives 1"/>
+          <p:cNvPr id="2" name="Espace réservé de l’image des diapositives 1"/>
           <p:cNvSpPr>
             <a:spLocks noGrp="1" noRot="1" noChangeAspect="1"/>
           </p:cNvSpPr>
@@ -512,16 +521,120 @@
           <a:bodyPr/>
           <a:lstStyle/>
           <a:p>
-            <a:r>
-              <a:rPr lang="fr-CH" dirty="0"/>
-              <a:t>http://www.oodesign.com/builder-pattern.html</a:t>
-            </a:r>
-          </a:p>
-          <a:p>
-            <a:r>
-              <a:rPr lang="fr-CH" dirty="0"/>
-              <a:t>++ == important</a:t>
-            </a:r>
+            <a:pPr marL="0" marR="0" lvl="0" indent="0" algn="l" defTabSz="914400" rtl="0" eaLnBrk="1" fontAlgn="auto" latinLnBrk="0" hangingPunct="1">
+              <a:lnSpc>
+                <a:spcPct val="100000"/>
+              </a:lnSpc>
+              <a:spcBef>
+                <a:spcPts val="0"/>
+              </a:spcBef>
+              <a:spcAft>
+                <a:spcPts val="0"/>
+              </a:spcAft>
+              <a:buClrTx/>
+              <a:buSzTx/>
+              <a:buFontTx/>
+              <a:buNone/>
+              <a:tabLst/>
+              <a:defRPr/>
+            </a:pPr>
+            <a:r>
+              <a:rPr lang="fr-FR" sz="3200" dirty="0"/>
+              <a:t>Délégation de la création d’objets</a:t>
+            </a:r>
+            <a:endParaRPr lang="fr-FR" dirty="0"/>
+          </a:p>
+          <a:p>
+            <a:endParaRPr lang="fr-FR" dirty="0"/>
+          </a:p>
+          <a:p>
+            <a:r>
+              <a:rPr lang="fr-FR" dirty="0"/>
+              <a:t>Intention:</a:t>
+            </a:r>
+          </a:p>
+          <a:p>
+            <a:endParaRPr lang="fr-FR" dirty="0"/>
+          </a:p>
+          <a:p>
+            <a:r>
+              <a:rPr lang="fr-FR" dirty="0"/>
+              <a:t>Un </a:t>
+            </a:r>
+            <a:r>
+              <a:rPr lang="fr-FR" dirty="0" err="1"/>
+              <a:t>builder</a:t>
+            </a:r>
+            <a:r>
+              <a:rPr lang="fr-FR" dirty="0"/>
+              <a:t> peut permettre de créer plusieurs variantes d’un même objet.</a:t>
+            </a:r>
+          </a:p>
+          <a:p>
+            <a:endParaRPr lang="fr-FR" dirty="0"/>
+          </a:p>
+          <a:p>
+            <a:r>
+              <a:rPr lang="fr-FR" dirty="0"/>
+              <a:t>Motivation:</a:t>
+            </a:r>
+          </a:p>
+          <a:p>
+            <a:r>
+              <a:rPr lang="fr-FR" dirty="0"/>
+              <a:t>On peut utiliser le </a:t>
+            </a:r>
+            <a:r>
+              <a:rPr lang="fr-FR" dirty="0" err="1"/>
+              <a:t>builder</a:t>
+            </a:r>
+            <a:r>
+              <a:rPr lang="fr-FR" dirty="0"/>
+              <a:t> de plusieurs façons:</a:t>
+            </a:r>
+          </a:p>
+          <a:p>
+            <a:endParaRPr lang="fr-FR" dirty="0"/>
+          </a:p>
+          <a:p>
+            <a:pPr marL="228600" indent="-228600">
+              <a:buAutoNum type="arabicParenR"/>
+            </a:pPr>
+            <a:r>
+              <a:rPr lang="fr-FR" dirty="0"/>
+              <a:t>On lui dit:  Construit moi un objet du type X et il s’occupe de créer tout ce qu’il faut pour construire l’objet demander et nous le retourner</a:t>
+            </a:r>
+          </a:p>
+          <a:p>
+            <a:pPr marL="228600" indent="-228600">
+              <a:buAutoNum type="arabicParenR"/>
+            </a:pPr>
+            <a:r>
+              <a:rPr lang="fr-FR" dirty="0"/>
+              <a:t>On lui dit:  Je veux construire un objet du type X mais je vais te donner tout ce qu’il faut pour petit à petit. Il construit un </a:t>
+            </a:r>
+            <a:r>
+              <a:rPr lang="fr-FR" dirty="0" err="1"/>
+              <a:t>builder</a:t>
+            </a:r>
+            <a:r>
+              <a:rPr lang="fr-FR" dirty="0"/>
+              <a:t> du type X auquel on donne petit à petit tout les éléments requis.</a:t>
+            </a:r>
+            <a:br>
+              <a:rPr lang="fr-FR" dirty="0"/>
+            </a:br>
+            <a:r>
+              <a:rPr lang="fr-FR" dirty="0"/>
+              <a:t>Lorsqu’on a terminé, on lui demande de construire l’objet final. Il check qu’il a bien tout reçu puis retourne l’objet.</a:t>
+            </a:r>
+            <a:br>
+              <a:rPr lang="fr-FR" dirty="0"/>
+            </a:br>
+            <a:br>
+              <a:rPr lang="fr-FR" dirty="0"/>
+            </a:br>
+            <a:endParaRPr lang="fr-FR" dirty="0"/>
           </a:p>
         </p:txBody>
       </p:sp>
@@ -551,7 +664,857 @@
     </p:spTree>
     <p:extLst>
       <p:ext uri="{BB962C8B-B14F-4D97-AF65-F5344CB8AC3E}">
-        <p14:creationId xmlns:p14="http://schemas.microsoft.com/office/powerpoint/2010/main" val="3619561583"/>
+        <p14:creationId xmlns:p14="http://schemas.microsoft.com/office/powerpoint/2010/main" val="3702259655"/>
+      </p:ext>
+    </p:extLst>
+  </p:cSld>
+  <p:clrMapOvr>
+    <a:masterClrMapping/>
+  </p:clrMapOvr>
+</p:notes>
+</file>
+
+<file path=ppt/notesSlides/notesSlide2.xml><?xml version="1.0" encoding="utf-8"?>
+<p:notes xmlns:a="http://schemas.openxmlformats.org/drawingml/2006/main" xmlns:r="http://schemas.openxmlformats.org/officeDocument/2006/relationships" xmlns:p="http://schemas.openxmlformats.org/presentationml/2006/main">
+  <p:cSld>
+    <p:spTree>
+      <p:nvGrpSpPr>
+        <p:cNvPr id="1" name=""/>
+        <p:cNvGrpSpPr/>
+        <p:nvPr/>
+      </p:nvGrpSpPr>
+      <p:grpSpPr>
+        <a:xfrm>
+          <a:off x="0" y="0"/>
+          <a:ext cx="0" cy="0"/>
+          <a:chOff x="0" y="0"/>
+          <a:chExt cx="0" cy="0"/>
+        </a:xfrm>
+      </p:grpSpPr>
+      <p:sp>
+        <p:nvSpPr>
+          <p:cNvPr id="2" name="Espace réservé de l'image des diapositives 1"/>
+          <p:cNvSpPr>
+            <a:spLocks noGrp="1" noRot="1" noChangeAspect="1"/>
+          </p:cNvSpPr>
+          <p:nvPr>
+            <p:ph type="sldImg"/>
+          </p:nvPr>
+        </p:nvSpPr>
+        <p:spPr/>
+      </p:sp>
+      <p:sp>
+        <p:nvSpPr>
+          <p:cNvPr id="3" name="Espace réservé des notes 2"/>
+          <p:cNvSpPr>
+            <a:spLocks noGrp="1"/>
+          </p:cNvSpPr>
+          <p:nvPr>
+            <p:ph type="body" idx="1"/>
+          </p:nvPr>
+        </p:nvSpPr>
+        <p:spPr/>
+        <p:txBody>
+          <a:bodyPr/>
+          <a:lstStyle/>
+          <a:p>
+            <a:endParaRPr lang="en-GB" dirty="0"/>
+          </a:p>
+        </p:txBody>
+      </p:sp>
+      <p:sp>
+        <p:nvSpPr>
+          <p:cNvPr id="4" name="Espace réservé du numéro de diapositive 3"/>
+          <p:cNvSpPr>
+            <a:spLocks noGrp="1"/>
+          </p:cNvSpPr>
+          <p:nvPr>
+            <p:ph type="sldNum" sz="quarter" idx="10"/>
+          </p:nvPr>
+        </p:nvSpPr>
+        <p:spPr/>
+        <p:txBody>
+          <a:bodyPr/>
+          <a:lstStyle/>
+          <a:p>
+            <a:fld id="{B7128D5B-2FB0-470A-90AB-ECC7E0B98B7D}" type="slidenum">
+              <a:rPr lang="fr-CH" smtClean="0"/>
+              <a:t>3</a:t>
+            </a:fld>
+            <a:endParaRPr lang="fr-CH" dirty="0"/>
+          </a:p>
+        </p:txBody>
+      </p:sp>
+    </p:spTree>
+    <p:extLst>
+      <p:ext uri="{BB962C8B-B14F-4D97-AF65-F5344CB8AC3E}">
+        <p14:creationId xmlns:p14="http://schemas.microsoft.com/office/powerpoint/2010/main" val="3922621159"/>
+      </p:ext>
+    </p:extLst>
+  </p:cSld>
+  <p:clrMapOvr>
+    <a:masterClrMapping/>
+  </p:clrMapOvr>
+</p:notes>
+</file>
+
+<file path=ppt/notesSlides/notesSlide3.xml><?xml version="1.0" encoding="utf-8"?>
+<p:notes xmlns:a="http://schemas.openxmlformats.org/drawingml/2006/main" xmlns:r="http://schemas.openxmlformats.org/officeDocument/2006/relationships" xmlns:p="http://schemas.openxmlformats.org/presentationml/2006/main">
+  <p:cSld>
+    <p:spTree>
+      <p:nvGrpSpPr>
+        <p:cNvPr id="1" name=""/>
+        <p:cNvGrpSpPr/>
+        <p:nvPr/>
+      </p:nvGrpSpPr>
+      <p:grpSpPr>
+        <a:xfrm>
+          <a:off x="0" y="0"/>
+          <a:ext cx="0" cy="0"/>
+          <a:chOff x="0" y="0"/>
+          <a:chExt cx="0" cy="0"/>
+        </a:xfrm>
+      </p:grpSpPr>
+      <p:sp>
+        <p:nvSpPr>
+          <p:cNvPr id="2" name="Espace réservé de l'image des diapositives 1"/>
+          <p:cNvSpPr>
+            <a:spLocks noGrp="1" noRot="1" noChangeAspect="1"/>
+          </p:cNvSpPr>
+          <p:nvPr>
+            <p:ph type="sldImg"/>
+          </p:nvPr>
+        </p:nvSpPr>
+        <p:spPr/>
+      </p:sp>
+      <p:sp>
+        <p:nvSpPr>
+          <p:cNvPr id="3" name="Espace réservé des notes 2"/>
+          <p:cNvSpPr>
+            <a:spLocks noGrp="1"/>
+          </p:cNvSpPr>
+          <p:nvPr>
+            <p:ph type="body" idx="1"/>
+          </p:nvPr>
+        </p:nvSpPr>
+        <p:spPr/>
+        <p:txBody>
+          <a:bodyPr/>
+          <a:lstStyle/>
+          <a:p>
+            <a:pPr marL="0" marR="0" lvl="0" indent="0" algn="l" defTabSz="914400" rtl="0" eaLnBrk="1" fontAlgn="auto" latinLnBrk="0" hangingPunct="1">
+              <a:lnSpc>
+                <a:spcPct val="100000"/>
+              </a:lnSpc>
+              <a:spcBef>
+                <a:spcPts val="0"/>
+              </a:spcBef>
+              <a:spcAft>
+                <a:spcPts val="0"/>
+              </a:spcAft>
+              <a:buClrTx/>
+              <a:buSzTx/>
+              <a:buFontTx/>
+              <a:buNone/>
+              <a:tabLst/>
+              <a:defRPr/>
+            </a:pPr>
+            <a:r>
+              <a:rPr lang="en-GB" dirty="0"/>
+              <a:t>Structure </a:t>
+            </a:r>
+            <a:r>
+              <a:rPr lang="en-GB" dirty="0" err="1"/>
+              <a:t>telle</a:t>
+            </a:r>
+            <a:r>
+              <a:rPr lang="en-GB" dirty="0"/>
+              <a:t> que </a:t>
+            </a:r>
+            <a:r>
+              <a:rPr lang="en-GB" dirty="0" err="1"/>
+              <a:t>donnée</a:t>
+            </a:r>
+            <a:r>
+              <a:rPr lang="en-GB" dirty="0"/>
+              <a:t> par le </a:t>
+            </a:r>
+            <a:r>
+              <a:rPr lang="en-GB" dirty="0" err="1"/>
+              <a:t>GoF</a:t>
+            </a:r>
+            <a:endParaRPr lang="en-GB" dirty="0"/>
+          </a:p>
+          <a:p>
+            <a:endParaRPr lang="en-GB" dirty="0"/>
+          </a:p>
+          <a:p>
+            <a:r>
+              <a:rPr lang="en-GB" dirty="0"/>
+              <a:t>Le </a:t>
+            </a:r>
+            <a:r>
+              <a:rPr lang="en-GB" dirty="0" err="1"/>
+              <a:t>produit</a:t>
+            </a:r>
+            <a:r>
+              <a:rPr lang="en-GB" dirty="0"/>
+              <a:t> </a:t>
+            </a:r>
+            <a:r>
+              <a:rPr lang="en-GB" dirty="0" err="1"/>
+              <a:t>peut</a:t>
+            </a:r>
+            <a:r>
+              <a:rPr lang="en-GB" dirty="0"/>
+              <a:t> </a:t>
+            </a:r>
+            <a:r>
+              <a:rPr lang="en-GB" dirty="0" err="1"/>
+              <a:t>être</a:t>
+            </a:r>
+            <a:r>
+              <a:rPr lang="en-GB" dirty="0"/>
+              <a:t> </a:t>
+            </a:r>
+            <a:r>
+              <a:rPr lang="en-GB" dirty="0" err="1"/>
+              <a:t>formé</a:t>
+            </a:r>
+            <a:r>
+              <a:rPr lang="en-GB" dirty="0"/>
+              <a:t> de </a:t>
+            </a:r>
+            <a:r>
+              <a:rPr lang="en-GB" dirty="0" err="1"/>
+              <a:t>classe</a:t>
+            </a:r>
+            <a:r>
+              <a:rPr lang="en-GB" dirty="0"/>
+              <a:t> parent et de sous classes.(heritage)</a:t>
+            </a:r>
+          </a:p>
+          <a:p>
+            <a:endParaRPr lang="en-GB" dirty="0"/>
+          </a:p>
+          <a:p>
+            <a:r>
+              <a:rPr lang="en-GB" dirty="0"/>
+              <a:t>Le </a:t>
+            </a:r>
+            <a:r>
+              <a:rPr lang="en-GB" dirty="0" err="1"/>
+              <a:t>produit</a:t>
+            </a:r>
+            <a:r>
+              <a:rPr lang="en-GB" dirty="0"/>
+              <a:t> </a:t>
+            </a:r>
+            <a:r>
+              <a:rPr lang="en-GB" dirty="0" err="1"/>
+              <a:t>est</a:t>
+            </a:r>
+            <a:r>
+              <a:rPr lang="en-GB" dirty="0"/>
+              <a:t> </a:t>
+            </a:r>
+            <a:r>
+              <a:rPr lang="en-GB" dirty="0" err="1"/>
+              <a:t>lié</a:t>
+            </a:r>
+            <a:r>
+              <a:rPr lang="en-GB" dirty="0"/>
+              <a:t> au concrete builder </a:t>
+            </a:r>
+            <a:r>
+              <a:rPr lang="en-GB" dirty="0" err="1"/>
+              <a:t>mais</a:t>
+            </a:r>
+            <a:r>
+              <a:rPr lang="en-GB" dirty="0"/>
+              <a:t> </a:t>
+            </a:r>
+            <a:r>
+              <a:rPr lang="en-GB" dirty="0" err="1"/>
+              <a:t>peut</a:t>
+            </a:r>
+            <a:r>
+              <a:rPr lang="en-GB" dirty="0"/>
+              <a:t> </a:t>
+            </a:r>
+            <a:r>
+              <a:rPr lang="en-GB" dirty="0" err="1"/>
+              <a:t>être</a:t>
+            </a:r>
+            <a:r>
+              <a:rPr lang="en-GB" dirty="0"/>
+              <a:t> </a:t>
+            </a:r>
+            <a:r>
+              <a:rPr lang="en-GB" dirty="0" err="1"/>
+              <a:t>lié</a:t>
+            </a:r>
+            <a:r>
+              <a:rPr lang="en-GB" dirty="0"/>
+              <a:t> au builder</a:t>
+            </a:r>
+          </a:p>
+          <a:p>
+            <a:endParaRPr lang="en-GB" dirty="0"/>
+          </a:p>
+          <a:p>
+            <a:r>
+              <a:rPr lang="en-GB" dirty="0"/>
+              <a:t>La </a:t>
+            </a:r>
+            <a:r>
+              <a:rPr lang="en-GB" dirty="0" err="1"/>
+              <a:t>méthode</a:t>
+            </a:r>
+            <a:r>
+              <a:rPr lang="en-GB" dirty="0"/>
+              <a:t> </a:t>
+            </a:r>
+            <a:r>
+              <a:rPr lang="en-GB" dirty="0" err="1"/>
+              <a:t>GetResult</a:t>
+            </a:r>
+            <a:r>
+              <a:rPr lang="en-GB" dirty="0"/>
+              <a:t>() </a:t>
+            </a:r>
+            <a:r>
+              <a:rPr lang="en-GB" dirty="0" err="1"/>
+              <a:t>peut</a:t>
+            </a:r>
+            <a:r>
+              <a:rPr lang="en-GB" dirty="0"/>
+              <a:t> faire un control sur les parts </a:t>
+            </a:r>
+            <a:r>
+              <a:rPr lang="en-GB" dirty="0" err="1"/>
+              <a:t>assemblées</a:t>
+            </a:r>
+            <a:endParaRPr lang="en-GB" dirty="0"/>
+          </a:p>
+          <a:p>
+            <a:endParaRPr lang="en-GB" dirty="0"/>
+          </a:p>
+        </p:txBody>
+      </p:sp>
+      <p:sp>
+        <p:nvSpPr>
+          <p:cNvPr id="4" name="Espace réservé du numéro de diapositive 3"/>
+          <p:cNvSpPr>
+            <a:spLocks noGrp="1"/>
+          </p:cNvSpPr>
+          <p:nvPr>
+            <p:ph type="sldNum" sz="quarter" idx="10"/>
+          </p:nvPr>
+        </p:nvSpPr>
+        <p:spPr/>
+        <p:txBody>
+          <a:bodyPr/>
+          <a:lstStyle/>
+          <a:p>
+            <a:fld id="{B7128D5B-2FB0-470A-90AB-ECC7E0B98B7D}" type="slidenum">
+              <a:rPr lang="fr-CH" smtClean="0"/>
+              <a:t>4</a:t>
+            </a:fld>
+            <a:endParaRPr lang="fr-CH" dirty="0"/>
+          </a:p>
+        </p:txBody>
+      </p:sp>
+    </p:spTree>
+    <p:extLst>
+      <p:ext uri="{BB962C8B-B14F-4D97-AF65-F5344CB8AC3E}">
+        <p14:creationId xmlns:p14="http://schemas.microsoft.com/office/powerpoint/2010/main" val="2058821972"/>
+      </p:ext>
+    </p:extLst>
+  </p:cSld>
+  <p:clrMapOvr>
+    <a:masterClrMapping/>
+  </p:clrMapOvr>
+</p:notes>
+</file>
+
+<file path=ppt/notesSlides/notesSlide4.xml><?xml version="1.0" encoding="utf-8"?>
+<p:notes xmlns:a="http://schemas.openxmlformats.org/drawingml/2006/main" xmlns:r="http://schemas.openxmlformats.org/officeDocument/2006/relationships" xmlns:p="http://schemas.openxmlformats.org/presentationml/2006/main">
+  <p:cSld>
+    <p:spTree>
+      <p:nvGrpSpPr>
+        <p:cNvPr id="1" name=""/>
+        <p:cNvGrpSpPr/>
+        <p:nvPr/>
+      </p:nvGrpSpPr>
+      <p:grpSpPr>
+        <a:xfrm>
+          <a:off x="0" y="0"/>
+          <a:ext cx="0" cy="0"/>
+          <a:chOff x="0" y="0"/>
+          <a:chExt cx="0" cy="0"/>
+        </a:xfrm>
+      </p:grpSpPr>
+      <p:sp>
+        <p:nvSpPr>
+          <p:cNvPr id="2" name="Espace réservé de l'image des diapositives 1"/>
+          <p:cNvSpPr>
+            <a:spLocks noGrp="1" noRot="1" noChangeAspect="1"/>
+          </p:cNvSpPr>
+          <p:nvPr>
+            <p:ph type="sldImg"/>
+          </p:nvPr>
+        </p:nvSpPr>
+        <p:spPr/>
+      </p:sp>
+      <p:sp>
+        <p:nvSpPr>
+          <p:cNvPr id="3" name="Espace réservé des notes 2"/>
+          <p:cNvSpPr>
+            <a:spLocks noGrp="1"/>
+          </p:cNvSpPr>
+          <p:nvPr>
+            <p:ph type="body" idx="1"/>
+          </p:nvPr>
+        </p:nvSpPr>
+        <p:spPr/>
+        <p:txBody>
+          <a:bodyPr/>
+          <a:lstStyle/>
+          <a:p>
+            <a:r>
+              <a:rPr lang="fr-CH" sz="1200" b="0" i="0" u="none" strike="noStrike" kern="1200" dirty="0">
+                <a:solidFill>
+                  <a:schemeClr val="tx1"/>
+                </a:solidFill>
+                <a:effectLst/>
+                <a:latin typeface="+mn-lt"/>
+                <a:ea typeface="+mn-ea"/>
+                <a:cs typeface="+mn-cs"/>
+              </a:rPr>
+              <a:t>À dire :</a:t>
+            </a:r>
+          </a:p>
+          <a:p>
+            <a:r>
+              <a:rPr lang="fr-CH" sz="1200" b="0" i="0" u="none" strike="noStrike" kern="1200" dirty="0">
+                <a:solidFill>
+                  <a:schemeClr val="tx1"/>
+                </a:solidFill>
+                <a:effectLst/>
+                <a:latin typeface="+mn-lt"/>
+                <a:ea typeface="+mn-ea"/>
+                <a:cs typeface="+mn-cs"/>
+              </a:rPr>
+              <a:t>• Le client crée l'objet </a:t>
+            </a:r>
+            <a:r>
+              <a:rPr lang="fr-CH" sz="1200" b="0" i="0" u="none" strike="noStrike" kern="1200" dirty="0" err="1">
+                <a:solidFill>
+                  <a:schemeClr val="tx1"/>
+                </a:solidFill>
+                <a:effectLst/>
+                <a:latin typeface="+mn-lt"/>
+                <a:ea typeface="+mn-ea"/>
+                <a:cs typeface="+mn-cs"/>
+              </a:rPr>
+              <a:t>Director</a:t>
+            </a:r>
+            <a:r>
+              <a:rPr lang="fr-CH" sz="1200" b="0" i="0" u="none" strike="noStrike" kern="1200" dirty="0">
+                <a:solidFill>
+                  <a:schemeClr val="tx1"/>
+                </a:solidFill>
+                <a:effectLst/>
+                <a:latin typeface="+mn-lt"/>
+                <a:ea typeface="+mn-ea"/>
+                <a:cs typeface="+mn-cs"/>
+              </a:rPr>
+              <a:t> et le configure avec le Builder souhaité. </a:t>
+            </a:r>
+          </a:p>
+          <a:p>
+            <a:r>
+              <a:rPr lang="fr-CH" sz="1200" b="0" i="0" u="none" strike="noStrike" kern="1200" dirty="0">
+                <a:solidFill>
+                  <a:schemeClr val="tx1"/>
+                </a:solidFill>
+                <a:effectLst/>
+                <a:latin typeface="+mn-lt"/>
+                <a:ea typeface="+mn-ea"/>
+                <a:cs typeface="+mn-cs"/>
+              </a:rPr>
+              <a:t>• </a:t>
+            </a:r>
+            <a:r>
+              <a:rPr lang="fr-CH" sz="1200" b="0" i="0" u="none" strike="noStrike" kern="1200" dirty="0" err="1">
+                <a:solidFill>
+                  <a:schemeClr val="tx1"/>
+                </a:solidFill>
+                <a:effectLst/>
+                <a:latin typeface="+mn-lt"/>
+                <a:ea typeface="+mn-ea"/>
+                <a:cs typeface="+mn-cs"/>
+              </a:rPr>
+              <a:t>Director</a:t>
+            </a:r>
+            <a:r>
+              <a:rPr lang="fr-CH" sz="1200" b="0" i="0" u="none" strike="noStrike" kern="1200" dirty="0">
+                <a:solidFill>
+                  <a:schemeClr val="tx1"/>
+                </a:solidFill>
+                <a:effectLst/>
+                <a:latin typeface="+mn-lt"/>
+                <a:ea typeface="+mn-ea"/>
+                <a:cs typeface="+mn-cs"/>
+              </a:rPr>
+              <a:t> notifie le Builder chaque fois qu'une partie du produit doit être construite. </a:t>
+            </a:r>
+          </a:p>
+          <a:p>
+            <a:r>
+              <a:rPr lang="fr-CH" sz="1200" b="0" i="0" u="none" strike="noStrike" kern="1200" dirty="0">
+                <a:solidFill>
+                  <a:schemeClr val="tx1"/>
+                </a:solidFill>
+                <a:effectLst/>
+                <a:latin typeface="+mn-lt"/>
+                <a:ea typeface="+mn-ea"/>
+                <a:cs typeface="+mn-cs"/>
+              </a:rPr>
+              <a:t>• Builder gère les demandes du </a:t>
+            </a:r>
+            <a:r>
+              <a:rPr lang="fr-CH" sz="1200" b="0" i="0" u="none" strike="noStrike" kern="1200" dirty="0" err="1">
+                <a:solidFill>
+                  <a:schemeClr val="tx1"/>
+                </a:solidFill>
+                <a:effectLst/>
+                <a:latin typeface="+mn-lt"/>
+                <a:ea typeface="+mn-ea"/>
+                <a:cs typeface="+mn-cs"/>
+              </a:rPr>
+              <a:t>Director</a:t>
+            </a:r>
+            <a:r>
+              <a:rPr lang="fr-CH" sz="1200" b="0" i="0" u="none" strike="noStrike" kern="1200" dirty="0">
+                <a:solidFill>
+                  <a:schemeClr val="tx1"/>
+                </a:solidFill>
+                <a:effectLst/>
+                <a:latin typeface="+mn-lt"/>
+                <a:ea typeface="+mn-ea"/>
+                <a:cs typeface="+mn-cs"/>
+              </a:rPr>
+              <a:t> et ajoute des parties au produit. </a:t>
+            </a:r>
+          </a:p>
+          <a:p>
+            <a:r>
+              <a:rPr lang="fr-CH" sz="1200" b="0" i="0" u="none" strike="noStrike" kern="1200" dirty="0">
+                <a:solidFill>
+                  <a:schemeClr val="tx1"/>
+                </a:solidFill>
+                <a:effectLst/>
+                <a:latin typeface="+mn-lt"/>
+                <a:ea typeface="+mn-ea"/>
+                <a:cs typeface="+mn-cs"/>
+              </a:rPr>
+              <a:t>• Le client récupère le produit auprès du </a:t>
+            </a:r>
+            <a:r>
+              <a:rPr lang="fr-CH" sz="1200" b="0" i="0" u="none" strike="noStrike" kern="1200" dirty="0" err="1">
+                <a:solidFill>
+                  <a:schemeClr val="tx1"/>
+                </a:solidFill>
+                <a:effectLst/>
+                <a:latin typeface="+mn-lt"/>
+                <a:ea typeface="+mn-ea"/>
+                <a:cs typeface="+mn-cs"/>
+              </a:rPr>
+              <a:t>builder</a:t>
+            </a:r>
+            <a:r>
+              <a:rPr lang="fr-CH" sz="1200" b="0" i="0" u="none" strike="noStrike" kern="1200" dirty="0">
+                <a:solidFill>
+                  <a:schemeClr val="tx1"/>
+                </a:solidFill>
+                <a:effectLst/>
+                <a:latin typeface="+mn-lt"/>
+                <a:ea typeface="+mn-ea"/>
+                <a:cs typeface="+mn-cs"/>
+              </a:rPr>
+              <a:t>.</a:t>
+            </a:r>
+            <a:endParaRPr lang="en-GB" dirty="0"/>
+          </a:p>
+        </p:txBody>
+      </p:sp>
+      <p:sp>
+        <p:nvSpPr>
+          <p:cNvPr id="4" name="Espace réservé du numéro de diapositive 3"/>
+          <p:cNvSpPr>
+            <a:spLocks noGrp="1"/>
+          </p:cNvSpPr>
+          <p:nvPr>
+            <p:ph type="sldNum" sz="quarter" idx="10"/>
+          </p:nvPr>
+        </p:nvSpPr>
+        <p:spPr/>
+        <p:txBody>
+          <a:bodyPr/>
+          <a:lstStyle/>
+          <a:p>
+            <a:fld id="{B7128D5B-2FB0-470A-90AB-ECC7E0B98B7D}" type="slidenum">
+              <a:rPr lang="fr-CH" smtClean="0"/>
+              <a:t>5</a:t>
+            </a:fld>
+            <a:endParaRPr lang="fr-CH"/>
+          </a:p>
+        </p:txBody>
+      </p:sp>
+    </p:spTree>
+    <p:extLst>
+      <p:ext uri="{BB962C8B-B14F-4D97-AF65-F5344CB8AC3E}">
+        <p14:creationId xmlns:p14="http://schemas.microsoft.com/office/powerpoint/2010/main" val="1855682548"/>
+      </p:ext>
+    </p:extLst>
+  </p:cSld>
+  <p:clrMapOvr>
+    <a:masterClrMapping/>
+  </p:clrMapOvr>
+</p:notes>
+</file>
+
+<file path=ppt/notesSlides/notesSlide5.xml><?xml version="1.0" encoding="utf-8"?>
+<p:notes xmlns:a="http://schemas.openxmlformats.org/drawingml/2006/main" xmlns:r="http://schemas.openxmlformats.org/officeDocument/2006/relationships" xmlns:p="http://schemas.openxmlformats.org/presentationml/2006/main">
+  <p:cSld>
+    <p:spTree>
+      <p:nvGrpSpPr>
+        <p:cNvPr id="1" name=""/>
+        <p:cNvGrpSpPr/>
+        <p:nvPr/>
+      </p:nvGrpSpPr>
+      <p:grpSpPr>
+        <a:xfrm>
+          <a:off x="0" y="0"/>
+          <a:ext cx="0" cy="0"/>
+          <a:chOff x="0" y="0"/>
+          <a:chExt cx="0" cy="0"/>
+        </a:xfrm>
+      </p:grpSpPr>
+      <p:sp>
+        <p:nvSpPr>
+          <p:cNvPr id="2" name="Espace réservé de l’image des diapositives 1"/>
+          <p:cNvSpPr>
+            <a:spLocks noGrp="1" noRot="1" noChangeAspect="1"/>
+          </p:cNvSpPr>
+          <p:nvPr>
+            <p:ph type="sldImg"/>
+          </p:nvPr>
+        </p:nvSpPr>
+        <p:spPr/>
+      </p:sp>
+      <p:sp>
+        <p:nvSpPr>
+          <p:cNvPr id="3" name="Espace réservé des notes 2"/>
+          <p:cNvSpPr>
+            <a:spLocks noGrp="1"/>
+          </p:cNvSpPr>
+          <p:nvPr>
+            <p:ph type="body" idx="1"/>
+          </p:nvPr>
+        </p:nvSpPr>
+        <p:spPr/>
+        <p:txBody>
+          <a:bodyPr/>
+          <a:lstStyle/>
+          <a:p>
+            <a:endParaRPr lang="fr-FR" dirty="0"/>
+          </a:p>
+        </p:txBody>
+      </p:sp>
+      <p:sp>
+        <p:nvSpPr>
+          <p:cNvPr id="4" name="Espace réservé du numéro de diapositive 3"/>
+          <p:cNvSpPr>
+            <a:spLocks noGrp="1"/>
+          </p:cNvSpPr>
+          <p:nvPr>
+            <p:ph type="sldNum" sz="quarter" idx="10"/>
+          </p:nvPr>
+        </p:nvSpPr>
+        <p:spPr/>
+        <p:txBody>
+          <a:bodyPr/>
+          <a:lstStyle/>
+          <a:p>
+            <a:fld id="{B7128D5B-2FB0-470A-90AB-ECC7E0B98B7D}" type="slidenum">
+              <a:rPr lang="fr-CH" smtClean="0"/>
+              <a:t>6</a:t>
+            </a:fld>
+            <a:endParaRPr lang="fr-CH"/>
+          </a:p>
+        </p:txBody>
+      </p:sp>
+    </p:spTree>
+    <p:extLst>
+      <p:ext uri="{BB962C8B-B14F-4D97-AF65-F5344CB8AC3E}">
+        <p14:creationId xmlns:p14="http://schemas.microsoft.com/office/powerpoint/2010/main" val="1705036639"/>
+      </p:ext>
+    </p:extLst>
+  </p:cSld>
+  <p:clrMapOvr>
+    <a:masterClrMapping/>
+  </p:clrMapOvr>
+</p:notes>
+</file>
+
+<file path=ppt/notesSlides/notesSlide6.xml><?xml version="1.0" encoding="utf-8"?>
+<p:notes xmlns:a="http://schemas.openxmlformats.org/drawingml/2006/main" xmlns:r="http://schemas.openxmlformats.org/officeDocument/2006/relationships" xmlns:p="http://schemas.openxmlformats.org/presentationml/2006/main">
+  <p:cSld>
+    <p:spTree>
+      <p:nvGrpSpPr>
+        <p:cNvPr id="1" name=""/>
+        <p:cNvGrpSpPr/>
+        <p:nvPr/>
+      </p:nvGrpSpPr>
+      <p:grpSpPr>
+        <a:xfrm>
+          <a:off x="0" y="0"/>
+          <a:ext cx="0" cy="0"/>
+          <a:chOff x="0" y="0"/>
+          <a:chExt cx="0" cy="0"/>
+        </a:xfrm>
+      </p:grpSpPr>
+      <p:sp>
+        <p:nvSpPr>
+          <p:cNvPr id="2" name="Espace réservé de l'image des diapositives 1"/>
+          <p:cNvSpPr>
+            <a:spLocks noGrp="1" noRot="1" noChangeAspect="1"/>
+          </p:cNvSpPr>
+          <p:nvPr>
+            <p:ph type="sldImg"/>
+          </p:nvPr>
+        </p:nvSpPr>
+        <p:spPr/>
+      </p:sp>
+      <p:sp>
+        <p:nvSpPr>
+          <p:cNvPr id="3" name="Espace réservé des notes 2"/>
+          <p:cNvSpPr>
+            <a:spLocks noGrp="1"/>
+          </p:cNvSpPr>
+          <p:nvPr>
+            <p:ph type="body" idx="1"/>
+          </p:nvPr>
+        </p:nvSpPr>
+        <p:spPr/>
+        <p:txBody>
+          <a:bodyPr/>
+          <a:lstStyle/>
+          <a:p>
+            <a:r>
+              <a:rPr lang="fr-CH" dirty="0"/>
+              <a:t>À dire :</a:t>
+            </a:r>
+          </a:p>
+          <a:p>
+            <a:r>
+              <a:rPr lang="fr-CH" sz="1200" b="0" i="0" u="none" strike="noStrike" kern="1200" dirty="0">
+                <a:solidFill>
+                  <a:schemeClr val="tx1"/>
+                </a:solidFill>
+                <a:effectLst/>
+                <a:latin typeface="+mn-lt"/>
+                <a:ea typeface="+mn-ea"/>
+                <a:cs typeface="+mn-cs"/>
+              </a:rPr>
+              <a:t>• Généralement, il existe une classe Builder abstraite qui définit une opération pour chaque composant qu'un directeur peut lui demander de créer. </a:t>
+            </a:r>
+          </a:p>
+          <a:p>
+            <a:r>
+              <a:rPr lang="fr-CH" sz="1200" b="0" i="0" u="none" strike="noStrike" kern="1200" dirty="0">
+                <a:solidFill>
+                  <a:schemeClr val="tx1"/>
+                </a:solidFill>
+                <a:effectLst/>
+                <a:latin typeface="+mn-lt"/>
+                <a:ea typeface="+mn-ea"/>
+                <a:cs typeface="+mn-cs"/>
+              </a:rPr>
+              <a:t>• Les opérations ne font rien par défaut. </a:t>
+            </a:r>
+          </a:p>
+          <a:p>
+            <a:r>
+              <a:rPr lang="fr-CH" sz="1200" b="0" i="0" u="none" strike="noStrike" kern="1200" dirty="0">
+                <a:solidFill>
+                  <a:schemeClr val="tx1"/>
+                </a:solidFill>
+                <a:effectLst/>
+                <a:latin typeface="+mn-lt"/>
+                <a:ea typeface="+mn-ea"/>
+                <a:cs typeface="+mn-cs"/>
+              </a:rPr>
+              <a:t>• Une classe </a:t>
+            </a:r>
+            <a:r>
+              <a:rPr lang="fr-CH" sz="1200" b="0" i="0" u="none" strike="noStrike" kern="1200" dirty="0" err="1">
+                <a:solidFill>
+                  <a:schemeClr val="tx1"/>
+                </a:solidFill>
+                <a:effectLst/>
+                <a:latin typeface="+mn-lt"/>
+                <a:ea typeface="+mn-ea"/>
+                <a:cs typeface="+mn-cs"/>
+              </a:rPr>
+              <a:t>ConcreteBuilder</a:t>
+            </a:r>
+            <a:r>
+              <a:rPr lang="fr-CH" sz="1200" b="0" i="0" u="none" strike="noStrike" kern="1200" dirty="0">
+                <a:solidFill>
+                  <a:schemeClr val="tx1"/>
+                </a:solidFill>
+                <a:effectLst/>
+                <a:latin typeface="+mn-lt"/>
+                <a:ea typeface="+mn-ea"/>
+                <a:cs typeface="+mn-cs"/>
+              </a:rPr>
+              <a:t> remplace les opérations pour les composants qu'elle souhaite créer</a:t>
+            </a:r>
+            <a:endParaRPr lang="en-GB" dirty="0"/>
+          </a:p>
+        </p:txBody>
+      </p:sp>
+      <p:sp>
+        <p:nvSpPr>
+          <p:cNvPr id="4" name="Espace réservé du numéro de diapositive 3"/>
+          <p:cNvSpPr>
+            <a:spLocks noGrp="1"/>
+          </p:cNvSpPr>
+          <p:nvPr>
+            <p:ph type="sldNum" sz="quarter" idx="10"/>
+          </p:nvPr>
+        </p:nvSpPr>
+        <p:spPr/>
+        <p:txBody>
+          <a:bodyPr/>
+          <a:lstStyle/>
+          <a:p>
+            <a:fld id="{B7128D5B-2FB0-470A-90AB-ECC7E0B98B7D}" type="slidenum">
+              <a:rPr lang="fr-CH" smtClean="0"/>
+              <a:t>7</a:t>
+            </a:fld>
+            <a:endParaRPr lang="fr-CH"/>
+          </a:p>
+        </p:txBody>
+      </p:sp>
+    </p:spTree>
+    <p:extLst>
+      <p:ext uri="{BB962C8B-B14F-4D97-AF65-F5344CB8AC3E}">
+        <p14:creationId xmlns:p14="http://schemas.microsoft.com/office/powerpoint/2010/main" val="3338854615"/>
       </p:ext>
     </p:extLst>
   </p:cSld>
@@ -596,23 +1559,29 @@
         </p:nvSpPr>
         <p:spPr>
           <a:xfrm>
-            <a:off x="1524000" y="1122363"/>
-            <a:ext cx="9144000" cy="2387600"/>
+            <a:off x="1524000" y="455141"/>
+            <a:ext cx="9144000" cy="2000190"/>
           </a:xfrm>
         </p:spPr>
         <p:txBody>
           <a:bodyPr anchor="b"/>
           <a:lstStyle>
             <a:lvl1pPr algn="ctr">
-              <a:defRPr sz="6000"/>
+              <a:defRPr sz="6000" b="1">
+                <a:solidFill>
+                  <a:schemeClr val="accent1">
+                    <a:lumMod val="75000"/>
+                  </a:schemeClr>
+                </a:solidFill>
+              </a:defRPr>
             </a:lvl1pPr>
           </a:lstStyle>
           <a:p>
             <a:r>
-              <a:rPr lang="fr-FR"/>
+              <a:rPr lang="fr-FR" dirty="0"/>
               <a:t>Modifiez le style du titre</a:t>
             </a:r>
-            <a:endParaRPr lang="fr-CH"/>
+            <a:endParaRPr lang="fr-CH" dirty="0"/>
           </a:p>
         </p:txBody>
       </p:sp>
@@ -634,7 +1603,7 @@
         </p:nvSpPr>
         <p:spPr>
           <a:xfrm>
-            <a:off x="1524000" y="3602038"/>
+            <a:off x="1524000" y="3647434"/>
             <a:ext cx="9144000" cy="1655762"/>
           </a:xfrm>
         </p:spPr>
@@ -687,89 +1656,119 @@
           </a:p>
         </p:txBody>
       </p:sp>
-      <p:sp>
-        <p:nvSpPr>
-          <p:cNvPr id="4" name="Espace réservé de la date 3">
-            <a:extLst>
-              <a:ext uri="{FF2B5EF4-FFF2-40B4-BE49-F238E27FC236}">
-                <a16:creationId xmlns:a16="http://schemas.microsoft.com/office/drawing/2014/main" id="{416179BC-76D6-4A49-B402-F6A28900AB7F}"/>
-              </a:ext>
-            </a:extLst>
-          </p:cNvPr>
-          <p:cNvSpPr>
-            <a:spLocks noGrp="1"/>
-          </p:cNvSpPr>
-          <p:nvPr>
-            <p:ph type="dt" sz="half" idx="10"/>
-          </p:nvPr>
-        </p:nvSpPr>
-        <p:spPr/>
-        <p:txBody>
-          <a:bodyPr/>
-          <a:lstStyle/>
-          <a:p>
-            <a:fld id="{CB4F76BA-16A7-462D-8057-D22D636F4884}" type="datetimeFigureOut">
-              <a:rPr lang="fr-CH" smtClean="0"/>
-              <a:t>05.05.2018</a:t>
-            </a:fld>
-            <a:endParaRPr lang="fr-CH"/>
-          </a:p>
-        </p:txBody>
-      </p:sp>
-      <p:sp>
-        <p:nvSpPr>
-          <p:cNvPr id="5" name="Espace réservé du pied de page 4">
-            <a:extLst>
-              <a:ext uri="{FF2B5EF4-FFF2-40B4-BE49-F238E27FC236}">
-                <a16:creationId xmlns:a16="http://schemas.microsoft.com/office/drawing/2014/main" id="{8F2BBC61-5429-4E41-AE74-98B28593A099}"/>
-              </a:ext>
-            </a:extLst>
-          </p:cNvPr>
-          <p:cNvSpPr>
-            <a:spLocks noGrp="1"/>
-          </p:cNvSpPr>
-          <p:nvPr>
-            <p:ph type="ftr" sz="quarter" idx="11"/>
-          </p:nvPr>
-        </p:nvSpPr>
-        <p:spPr/>
-        <p:txBody>
-          <a:bodyPr/>
-          <a:lstStyle/>
-          <a:p>
-            <a:endParaRPr lang="fr-CH"/>
-          </a:p>
-        </p:txBody>
-      </p:sp>
-      <p:sp>
-        <p:nvSpPr>
-          <p:cNvPr id="6" name="Espace réservé du numéro de diapositive 5">
-            <a:extLst>
-              <a:ext uri="{FF2B5EF4-FFF2-40B4-BE49-F238E27FC236}">
-                <a16:creationId xmlns:a16="http://schemas.microsoft.com/office/drawing/2014/main" id="{06CC5267-2EBD-4521-ABDD-6C72419686A6}"/>
-              </a:ext>
-            </a:extLst>
-          </p:cNvPr>
-          <p:cNvSpPr>
-            <a:spLocks noGrp="1"/>
-          </p:cNvSpPr>
-          <p:nvPr>
-            <p:ph type="sldNum" sz="quarter" idx="12"/>
-          </p:nvPr>
-        </p:nvSpPr>
-        <p:spPr/>
-        <p:txBody>
-          <a:bodyPr/>
-          <a:lstStyle/>
-          <a:p>
-            <a:fld id="{B63C7C81-6BE5-43EB-AC44-9276CCEDB341}" type="slidenum">
-              <a:rPr lang="fr-CH" smtClean="0"/>
-              <a:t>‹N°›</a:t>
-            </a:fld>
-            <a:endParaRPr lang="fr-CH"/>
-          </a:p>
-        </p:txBody>
-      </p:sp>
+      <p:cxnSp>
+        <p:nvCxnSpPr>
+          <p:cNvPr id="8" name="Connecteur droit 7">
+            <a:extLst>
+              <a:ext uri="{FF2B5EF4-FFF2-40B4-BE49-F238E27FC236}">
+                <a16:creationId xmlns:a16="http://schemas.microsoft.com/office/drawing/2014/main" id="{A7E3EAA9-CFEA-4E34-AE87-66E3406EC239}"/>
+              </a:ext>
+            </a:extLst>
+          </p:cNvPr>
+          <p:cNvCxnSpPr/>
+          <p:nvPr userDrawn="1"/>
+        </p:nvCxnSpPr>
+        <p:spPr>
+          <a:xfrm>
+            <a:off x="1524000" y="2455331"/>
+            <a:ext cx="9144000" cy="0"/>
+          </a:xfrm>
+          <a:prstGeom prst="line">
+            <a:avLst/>
+          </a:prstGeom>
+          <a:ln w="57150">
+            <a:solidFill>
+              <a:srgbClr val="FC5F10"/>
+            </a:solidFill>
+          </a:ln>
+        </p:spPr>
+        <p:style>
+          <a:lnRef idx="1">
+            <a:schemeClr val="accent2"/>
+          </a:lnRef>
+          <a:fillRef idx="0">
+            <a:schemeClr val="accent2"/>
+          </a:fillRef>
+          <a:effectRef idx="0">
+            <a:schemeClr val="accent2"/>
+          </a:effectRef>
+          <a:fontRef idx="minor">
+            <a:schemeClr val="tx1"/>
+          </a:fontRef>
+        </p:style>
+      </p:cxnSp>
+      <p:pic>
+        <p:nvPicPr>
+          <p:cNvPr id="10" name="Image 9">
+            <a:extLst>
+              <a:ext uri="{FF2B5EF4-FFF2-40B4-BE49-F238E27FC236}">
+                <a16:creationId xmlns:a16="http://schemas.microsoft.com/office/drawing/2014/main" id="{A7DBA469-F6E3-4558-9B15-CFD225926260}"/>
+              </a:ext>
+            </a:extLst>
+          </p:cNvPr>
+          <p:cNvPicPr>
+            <a:picLocks noChangeAspect="1"/>
+          </p:cNvPicPr>
+          <p:nvPr userDrawn="1"/>
+        </p:nvPicPr>
+        <p:blipFill>
+          <a:blip r:embed="rId2">
+            <a:extLst>
+              <a:ext uri="{28A0092B-C50C-407E-A947-70E740481C1C}">
+                <a14:useLocalDpi xmlns:a14="http://schemas.microsoft.com/office/drawing/2010/main" val="0"/>
+              </a:ext>
+            </a:extLst>
+          </a:blip>
+          <a:stretch>
+            <a:fillRect/>
+          </a:stretch>
+        </p:blipFill>
+        <p:spPr>
+          <a:xfrm>
+            <a:off x="156250" y="5992689"/>
+            <a:ext cx="2395693" cy="751192"/>
+          </a:xfrm>
+          <a:prstGeom prst="rect">
+            <a:avLst/>
+          </a:prstGeom>
+        </p:spPr>
+      </p:pic>
+      <p:pic>
+        <p:nvPicPr>
+          <p:cNvPr id="12" name="Image 11">
+            <a:extLst>
+              <a:ext uri="{FF2B5EF4-FFF2-40B4-BE49-F238E27FC236}">
+                <a16:creationId xmlns:a16="http://schemas.microsoft.com/office/drawing/2014/main" id="{F647522E-9303-4055-9A88-62498EB7E06F}"/>
+              </a:ext>
+            </a:extLst>
+          </p:cNvPr>
+          <p:cNvPicPr>
+            <a:picLocks noChangeAspect="1"/>
+          </p:cNvPicPr>
+          <p:nvPr userDrawn="1"/>
+        </p:nvPicPr>
+        <p:blipFill>
+          <a:blip r:embed="rId3">
+            <a:extLst>
+              <a:ext uri="{28A0092B-C50C-407E-A947-70E740481C1C}">
+                <a14:useLocalDpi xmlns:a14="http://schemas.microsoft.com/office/drawing/2010/main" val="0"/>
+              </a:ext>
+            </a:extLst>
+          </a:blip>
+          <a:stretch>
+            <a:fillRect/>
+          </a:stretch>
+        </p:blipFill>
+        <p:spPr>
+          <a:xfrm>
+            <a:off x="10527957" y="5992689"/>
+            <a:ext cx="1507793" cy="768974"/>
+          </a:xfrm>
+          <a:prstGeom prst="rect">
+            <a:avLst/>
+          </a:prstGeom>
+        </p:spPr>
+      </p:pic>
     </p:spTree>
     <p:extLst>
       <p:ext uri="{BB962C8B-B14F-4D97-AF65-F5344CB8AC3E}">
@@ -908,10 +1907,10 @@
           <a:bodyPr/>
           <a:lstStyle/>
           <a:p>
-            <a:fld id="{CB4F76BA-16A7-462D-8057-D22D636F4884}" type="datetimeFigureOut">
-              <a:rPr lang="fr-CH" smtClean="0"/>
-              <a:t>05.05.2018</a:t>
-            </a:fld>
+            <a:r>
+              <a:rPr lang="en-US"/>
+              <a:t>MCR</a:t>
+            </a:r>
             <a:endParaRPr lang="fr-CH"/>
           </a:p>
         </p:txBody>
@@ -1118,10 +2117,10 @@
           <a:bodyPr/>
           <a:lstStyle/>
           <a:p>
-            <a:fld id="{CB4F76BA-16A7-462D-8057-D22D636F4884}" type="datetimeFigureOut">
-              <a:rPr lang="fr-CH" smtClean="0"/>
-              <a:t>05.05.2018</a:t>
-            </a:fld>
+            <a:r>
+              <a:rPr lang="en-US"/>
+              <a:t>MCR</a:t>
+            </a:r>
             <a:endParaRPr lang="fr-CH"/>
           </a:p>
         </p:txBody>
@@ -1226,16 +2225,32 @@
             <p:ph type="title"/>
           </p:nvPr>
         </p:nvSpPr>
-        <p:spPr/>
+        <p:spPr>
+          <a:xfrm>
+            <a:off x="461176" y="71402"/>
+            <a:ext cx="11269648" cy="1070483"/>
+          </a:xfrm>
+        </p:spPr>
         <p:txBody>
           <a:bodyPr/>
-          <a:lstStyle/>
-          <a:p>
-            <a:r>
-              <a:rPr lang="fr-FR"/>
+          <a:lstStyle>
+            <a:lvl1pPr algn="ctr">
+              <a:defRPr b="1">
+                <a:solidFill>
+                  <a:schemeClr val="accent1">
+                    <a:lumMod val="75000"/>
+                  </a:schemeClr>
+                </a:solidFill>
+                <a:latin typeface="+mn-lt"/>
+              </a:defRPr>
+            </a:lvl1pPr>
+          </a:lstStyle>
+          <a:p>
+            <a:r>
+              <a:rPr lang="fr-FR" dirty="0"/>
               <a:t>Modifiez le style du titre</a:t>
             </a:r>
-            <a:endParaRPr lang="fr-CH"/>
+            <a:endParaRPr lang="fr-CH" dirty="0"/>
           </a:p>
         </p:txBody>
       </p:sp>
@@ -1255,45 +2270,78 @@
             <p:ph idx="1"/>
           </p:nvPr>
         </p:nvSpPr>
-        <p:spPr/>
+        <p:spPr>
+          <a:xfrm>
+            <a:off x="461176" y="1439191"/>
+            <a:ext cx="11269648" cy="4737772"/>
+          </a:xfrm>
+        </p:spPr>
         <p:txBody>
           <a:bodyPr/>
-          <a:lstStyle/>
+          <a:lstStyle>
+            <a:lvl1pPr marL="228600" indent="-228600">
+              <a:buClr>
+                <a:schemeClr val="accent1">
+                  <a:lumMod val="75000"/>
+                </a:schemeClr>
+              </a:buClr>
+              <a:buFont typeface="Wingdings" panose="05000000000000000000" pitchFamily="2" charset="2"/>
+              <a:buChar char="§"/>
+              <a:defRPr sz="2400"/>
+            </a:lvl1pPr>
+            <a:lvl2pPr>
+              <a:buClr>
+                <a:schemeClr val="accent6">
+                  <a:lumMod val="75000"/>
+                </a:schemeClr>
+              </a:buClr>
+              <a:defRPr/>
+            </a:lvl2pPr>
+            <a:lvl3pPr marL="1143000" indent="-228600">
+              <a:buClr>
+                <a:srgbClr val="FC5F10"/>
+              </a:buClr>
+              <a:buSzPct val="50000"/>
+              <a:buFont typeface="Wingdings" panose="05000000000000000000" pitchFamily="2" charset="2"/>
+              <a:buChar char="Ø"/>
+              <a:defRPr sz="2400"/>
+            </a:lvl3pPr>
+          </a:lstStyle>
           <a:p>
             <a:pPr lvl="0"/>
             <a:r>
-              <a:rPr lang="fr-FR"/>
+              <a:rPr lang="fr-FR" dirty="0"/>
               <a:t>Modifier les styles du texte du masque</a:t>
             </a:r>
           </a:p>
           <a:p>
             <a:pPr lvl="1"/>
             <a:r>
-              <a:rPr lang="fr-FR"/>
+              <a:rPr lang="fr-FR" dirty="0"/>
               <a:t>Deuxième niveau</a:t>
             </a:r>
           </a:p>
           <a:p>
             <a:pPr lvl="2"/>
             <a:r>
-              <a:rPr lang="fr-FR"/>
+              <a:rPr lang="fr-FR" dirty="0"/>
               <a:t>Troisième niveau</a:t>
             </a:r>
           </a:p>
           <a:p>
             <a:pPr lvl="3"/>
             <a:r>
-              <a:rPr lang="fr-FR"/>
+              <a:rPr lang="fr-FR" dirty="0"/>
               <a:t>Quatrième niveau</a:t>
             </a:r>
           </a:p>
           <a:p>
             <a:pPr lvl="4"/>
             <a:r>
-              <a:rPr lang="fr-FR"/>
+              <a:rPr lang="fr-FR" dirty="0"/>
               <a:t>Cinquième niveau</a:t>
             </a:r>
-            <a:endParaRPr lang="fr-CH"/>
+            <a:endParaRPr lang="fr-CH" dirty="0"/>
           </a:p>
         </p:txBody>
       </p:sp>
@@ -1313,73 +2361,165 @@
             <p:ph type="dt" sz="half" idx="10"/>
           </p:nvPr>
         </p:nvSpPr>
-        <p:spPr/>
+        <p:spPr>
+          <a:xfrm>
+            <a:off x="461176" y="6339014"/>
+            <a:ext cx="2743200" cy="365125"/>
+          </a:xfrm>
+        </p:spPr>
         <p:txBody>
           <a:bodyPr/>
-          <a:lstStyle/>
-          <a:p>
-            <a:fld id="{CB4F76BA-16A7-462D-8057-D22D636F4884}" type="datetimeFigureOut">
-              <a:rPr lang="fr-CH" smtClean="0"/>
-              <a:t>05.05.2018</a:t>
-            </a:fld>
-            <a:endParaRPr lang="fr-CH"/>
-          </a:p>
-        </p:txBody>
-      </p:sp>
-      <p:sp>
-        <p:nvSpPr>
-          <p:cNvPr id="5" name="Espace réservé du pied de page 4">
-            <a:extLst>
-              <a:ext uri="{FF2B5EF4-FFF2-40B4-BE49-F238E27FC236}">
-                <a16:creationId xmlns:a16="http://schemas.microsoft.com/office/drawing/2014/main" id="{055DC9B6-1815-43C5-8945-8FB3F63A1DAF}"/>
-              </a:ext>
-            </a:extLst>
-          </p:cNvPr>
-          <p:cNvSpPr>
-            <a:spLocks noGrp="1"/>
-          </p:cNvSpPr>
-          <p:nvPr>
-            <p:ph type="ftr" sz="quarter" idx="11"/>
-          </p:nvPr>
-        </p:nvSpPr>
-        <p:spPr/>
+          <a:lstStyle>
+            <a:lvl1pPr>
+              <a:defRPr>
+                <a:solidFill>
+                  <a:schemeClr val="accent1">
+                    <a:lumMod val="75000"/>
+                  </a:schemeClr>
+                </a:solidFill>
+              </a:defRPr>
+            </a:lvl1pPr>
+          </a:lstStyle>
+          <a:p>
+            <a:r>
+              <a:rPr lang="en-US"/>
+              <a:t>MCR</a:t>
+            </a:r>
+            <a:endParaRPr lang="fr-CH" dirty="0"/>
+          </a:p>
+        </p:txBody>
+      </p:sp>
+      <p:sp>
+        <p:nvSpPr>
+          <p:cNvPr id="6" name="Espace réservé du numéro de diapositive 5">
+            <a:extLst>
+              <a:ext uri="{FF2B5EF4-FFF2-40B4-BE49-F238E27FC236}">
+                <a16:creationId xmlns:a16="http://schemas.microsoft.com/office/drawing/2014/main" id="{5E2648E5-31A6-4080-88E6-8BE881A0F5A8}"/>
+              </a:ext>
+            </a:extLst>
+          </p:cNvPr>
+          <p:cNvSpPr>
+            <a:spLocks noGrp="1"/>
+          </p:cNvSpPr>
+          <p:nvPr>
+            <p:ph type="sldNum" sz="quarter" idx="12"/>
+          </p:nvPr>
+        </p:nvSpPr>
+        <p:spPr>
+          <a:xfrm>
+            <a:off x="8987624" y="6356350"/>
+            <a:ext cx="2743200" cy="365125"/>
+          </a:xfrm>
+        </p:spPr>
         <p:txBody>
           <a:bodyPr/>
-          <a:lstStyle/>
-          <a:p>
-            <a:endParaRPr lang="fr-CH"/>
-          </a:p>
-        </p:txBody>
-      </p:sp>
-      <p:sp>
-        <p:nvSpPr>
-          <p:cNvPr id="6" name="Espace réservé du numéro de diapositive 5">
-            <a:extLst>
-              <a:ext uri="{FF2B5EF4-FFF2-40B4-BE49-F238E27FC236}">
-                <a16:creationId xmlns:a16="http://schemas.microsoft.com/office/drawing/2014/main" id="{5E2648E5-31A6-4080-88E6-8BE881A0F5A8}"/>
-              </a:ext>
-            </a:extLst>
-          </p:cNvPr>
-          <p:cNvSpPr>
-            <a:spLocks noGrp="1"/>
-          </p:cNvSpPr>
-          <p:nvPr>
-            <p:ph type="sldNum" sz="quarter" idx="12"/>
-          </p:nvPr>
-        </p:nvSpPr>
-        <p:spPr/>
-        <p:txBody>
-          <a:bodyPr/>
-          <a:lstStyle/>
+          <a:lstStyle>
+            <a:lvl1pPr>
+              <a:defRPr>
+                <a:solidFill>
+                  <a:schemeClr val="accent1">
+                    <a:lumMod val="75000"/>
+                  </a:schemeClr>
+                </a:solidFill>
+              </a:defRPr>
+            </a:lvl1pPr>
+          </a:lstStyle>
           <a:p>
             <a:fld id="{B63C7C81-6BE5-43EB-AC44-9276CCEDB341}" type="slidenum">
               <a:rPr lang="fr-CH" smtClean="0"/>
+              <a:pPr/>
               <a:t>‹N°›</a:t>
             </a:fld>
-            <a:endParaRPr lang="fr-CH"/>
-          </a:p>
-        </p:txBody>
-      </p:sp>
+            <a:endParaRPr lang="fr-CH" dirty="0"/>
+          </a:p>
+        </p:txBody>
+      </p:sp>
+      <p:cxnSp>
+        <p:nvCxnSpPr>
+          <p:cNvPr id="8" name="Connecteur droit 7">
+            <a:extLst>
+              <a:ext uri="{FF2B5EF4-FFF2-40B4-BE49-F238E27FC236}">
+                <a16:creationId xmlns:a16="http://schemas.microsoft.com/office/drawing/2014/main" id="{8978713D-98A2-48D2-82D6-AB80BDBB4F7C}"/>
+              </a:ext>
+            </a:extLst>
+          </p:cNvPr>
+          <p:cNvCxnSpPr>
+            <a:cxnSpLocks/>
+          </p:cNvCxnSpPr>
+          <p:nvPr userDrawn="1"/>
+        </p:nvCxnSpPr>
+        <p:spPr>
+          <a:xfrm>
+            <a:off x="461176" y="892931"/>
+            <a:ext cx="11269648" cy="0"/>
+          </a:xfrm>
+          <a:prstGeom prst="line">
+            <a:avLst/>
+          </a:prstGeom>
+          <a:ln w="57150">
+            <a:solidFill>
+              <a:srgbClr val="FC5F10"/>
+            </a:solidFill>
+          </a:ln>
+        </p:spPr>
+        <p:style>
+          <a:lnRef idx="1">
+            <a:schemeClr val="accent2"/>
+          </a:lnRef>
+          <a:fillRef idx="0">
+            <a:schemeClr val="accent2"/>
+          </a:fillRef>
+          <a:effectRef idx="0">
+            <a:schemeClr val="accent2"/>
+          </a:effectRef>
+          <a:fontRef idx="minor">
+            <a:schemeClr val="tx1"/>
+          </a:fontRef>
+        </p:style>
+      </p:cxnSp>
+      <p:cxnSp>
+        <p:nvCxnSpPr>
+          <p:cNvPr id="10" name="Connecteur droit 9">
+            <a:extLst>
+              <a:ext uri="{FF2B5EF4-FFF2-40B4-BE49-F238E27FC236}">
+                <a16:creationId xmlns:a16="http://schemas.microsoft.com/office/drawing/2014/main" id="{563FA201-FF14-42A1-B4BE-38B6F58CEAFD}"/>
+              </a:ext>
+            </a:extLst>
+          </p:cNvPr>
+          <p:cNvCxnSpPr>
+            <a:cxnSpLocks/>
+          </p:cNvCxnSpPr>
+          <p:nvPr userDrawn="1"/>
+        </p:nvCxnSpPr>
+        <p:spPr>
+          <a:xfrm>
+            <a:off x="461176" y="6363100"/>
+            <a:ext cx="11269648" cy="0"/>
+          </a:xfrm>
+          <a:prstGeom prst="line">
+            <a:avLst/>
+          </a:prstGeom>
+          <a:ln w="12700">
+            <a:solidFill>
+              <a:srgbClr val="FC5F10"/>
+            </a:solidFill>
+          </a:ln>
+        </p:spPr>
+        <p:style>
+          <a:lnRef idx="1">
+            <a:schemeClr val="accent1"/>
+          </a:lnRef>
+          <a:fillRef idx="0">
+            <a:schemeClr val="accent1"/>
+          </a:fillRef>
+          <a:effectRef idx="0">
+            <a:schemeClr val="accent1"/>
+          </a:effectRef>
+          <a:fontRef idx="minor">
+            <a:schemeClr val="tx1"/>
+          </a:fontRef>
+        </p:style>
+      </p:cxnSp>
     </p:spTree>
     <p:extLst>
       <p:ext uri="{BB962C8B-B14F-4D97-AF65-F5344CB8AC3E}">
@@ -1594,10 +2734,10 @@
           <a:bodyPr/>
           <a:lstStyle/>
           <a:p>
-            <a:fld id="{CB4F76BA-16A7-462D-8057-D22D636F4884}" type="datetimeFigureOut">
-              <a:rPr lang="fr-CH" smtClean="0"/>
-              <a:t>05.05.2018</a:t>
-            </a:fld>
+            <a:r>
+              <a:rPr lang="en-US"/>
+              <a:t>MCR</a:t>
+            </a:r>
             <a:endParaRPr lang="fr-CH"/>
           </a:p>
         </p:txBody>
@@ -1862,10 +3002,10 @@
           <a:bodyPr/>
           <a:lstStyle/>
           <a:p>
-            <a:fld id="{CB4F76BA-16A7-462D-8057-D22D636F4884}" type="datetimeFigureOut">
-              <a:rPr lang="fr-CH" smtClean="0"/>
-              <a:t>05.05.2018</a:t>
-            </a:fld>
+            <a:r>
+              <a:rPr lang="en-US"/>
+              <a:t>MCR</a:t>
+            </a:r>
             <a:endParaRPr lang="fr-CH"/>
           </a:p>
         </p:txBody>
@@ -2087,38 +3227,38 @@
           <a:p>
             <a:pPr lvl="0"/>
             <a:r>
-              <a:rPr lang="fr-FR"/>
+              <a:rPr lang="fr-FR" dirty="0"/>
               <a:t>Modifier les styles du texte du masque</a:t>
             </a:r>
           </a:p>
           <a:p>
             <a:pPr lvl="1"/>
             <a:r>
-              <a:rPr lang="fr-FR"/>
+              <a:rPr lang="fr-FR" dirty="0"/>
               <a:t>Deuxième niveau</a:t>
             </a:r>
           </a:p>
           <a:p>
             <a:pPr lvl="2"/>
             <a:r>
-              <a:rPr lang="fr-FR"/>
+              <a:rPr lang="fr-FR" dirty="0"/>
               <a:t>Troisième niveau</a:t>
             </a:r>
           </a:p>
           <a:p>
             <a:pPr lvl="3"/>
             <a:r>
-              <a:rPr lang="fr-FR"/>
+              <a:rPr lang="fr-FR" dirty="0"/>
               <a:t>Quatrième niveau</a:t>
             </a:r>
           </a:p>
           <a:p>
             <a:pPr lvl="4"/>
             <a:r>
-              <a:rPr lang="fr-FR"/>
+              <a:rPr lang="fr-FR" dirty="0"/>
               <a:t>Cinquième niveau</a:t>
             </a:r>
-            <a:endParaRPr lang="fr-CH"/>
+            <a:endParaRPr lang="fr-CH" dirty="0"/>
           </a:p>
         </p:txBody>
       </p:sp>
@@ -2277,10 +3417,10 @@
           <a:bodyPr/>
           <a:lstStyle/>
           <a:p>
-            <a:fld id="{CB4F76BA-16A7-462D-8057-D22D636F4884}" type="datetimeFigureOut">
-              <a:rPr lang="fr-CH" smtClean="0"/>
-              <a:t>05.05.2018</a:t>
-            </a:fld>
+            <a:r>
+              <a:rPr lang="en-US"/>
+              <a:t>MCR</a:t>
+            </a:r>
             <a:endParaRPr lang="fr-CH"/>
           </a:p>
         </p:txBody>
@@ -2419,10 +3559,10 @@
           <a:bodyPr/>
           <a:lstStyle/>
           <a:p>
-            <a:fld id="{CB4F76BA-16A7-462D-8057-D22D636F4884}" type="datetimeFigureOut">
-              <a:rPr lang="fr-CH" smtClean="0"/>
-              <a:t>05.05.2018</a:t>
-            </a:fld>
+            <a:r>
+              <a:rPr lang="en-US"/>
+              <a:t>MCR</a:t>
+            </a:r>
             <a:endParaRPr lang="fr-CH"/>
           </a:p>
         </p:txBody>
@@ -2532,10 +3672,10 @@
           <a:bodyPr/>
           <a:lstStyle/>
           <a:p>
-            <a:fld id="{CB4F76BA-16A7-462D-8057-D22D636F4884}" type="datetimeFigureOut">
-              <a:rPr lang="fr-CH" smtClean="0"/>
-              <a:t>05.05.2018</a:t>
-            </a:fld>
+            <a:r>
+              <a:rPr lang="en-US"/>
+              <a:t>MCR</a:t>
+            </a:r>
             <a:endParaRPr lang="fr-CH"/>
           </a:p>
         </p:txBody>
@@ -2845,10 +3985,10 @@
           <a:bodyPr/>
           <a:lstStyle/>
           <a:p>
-            <a:fld id="{CB4F76BA-16A7-462D-8057-D22D636F4884}" type="datetimeFigureOut">
-              <a:rPr lang="fr-CH" smtClean="0"/>
-              <a:t>05.05.2018</a:t>
-            </a:fld>
+            <a:r>
+              <a:rPr lang="en-US"/>
+              <a:t>MCR</a:t>
+            </a:r>
             <a:endParaRPr lang="fr-CH"/>
           </a:p>
         </p:txBody>
@@ -3134,10 +4274,10 @@
           <a:bodyPr/>
           <a:lstStyle/>
           <a:p>
-            <a:fld id="{CB4F76BA-16A7-462D-8057-D22D636F4884}" type="datetimeFigureOut">
-              <a:rPr lang="fr-CH" smtClean="0"/>
-              <a:t>05.05.2018</a:t>
-            </a:fld>
+            <a:r>
+              <a:rPr lang="en-US"/>
+              <a:t>MCR</a:t>
+            </a:r>
             <a:endParaRPr lang="fr-CH"/>
           </a:p>
         </p:txBody>
@@ -3377,10 +4517,10 @@
             </a:lvl1pPr>
           </a:lstStyle>
           <a:p>
-            <a:fld id="{CB4F76BA-16A7-462D-8057-D22D636F4884}" type="datetimeFigureOut">
-              <a:rPr lang="fr-CH" smtClean="0"/>
-              <a:t>05.05.2018</a:t>
-            </a:fld>
+            <a:r>
+              <a:rPr lang="en-US"/>
+              <a:t>MCR</a:t>
+            </a:r>
             <a:endParaRPr lang="fr-CH"/>
           </a:p>
         </p:txBody>
@@ -3496,6 +4636,7 @@
     <p:sldLayoutId id="2147483658" r:id="rId10"/>
     <p:sldLayoutId id="2147483659" r:id="rId11"/>
   </p:sldLayoutIdLst>
+  <p:hf hdr="0" ftr="0"/>
   <p:txStyles>
     <p:titleStyle>
       <a:lvl1pPr algn="l" defTabSz="914400" rtl="0" eaLnBrk="1" latinLnBrk="0" hangingPunct="1">
@@ -3812,14 +4953,27 @@
             <p:ph type="ctrTitle"/>
           </p:nvPr>
         </p:nvSpPr>
-        <p:spPr/>
+        <p:spPr>
+          <a:xfrm>
+            <a:off x="1524000" y="455141"/>
+            <a:ext cx="9144000" cy="2049520"/>
+          </a:xfrm>
+        </p:spPr>
         <p:txBody>
           <a:bodyPr/>
           <a:lstStyle/>
           <a:p>
             <a:r>
               <a:rPr lang="fr-CH" dirty="0"/>
-              <a:t>Builder (Monteur)</a:t>
+              <a:t>Monteur (</a:t>
+            </a:r>
+            <a:r>
+              <a:rPr lang="fr-CH" dirty="0" err="1"/>
+              <a:t>Builder</a:t>
+            </a:r>
+            <a:r>
+              <a:rPr lang="fr-CH" dirty="0"/>
+              <a:t>)</a:t>
             </a:r>
           </a:p>
         </p:txBody>
@@ -3840,40 +4994,100 @@
             <p:ph type="subTitle" idx="1"/>
           </p:nvPr>
         </p:nvSpPr>
-        <p:spPr/>
-        <p:txBody>
-          <a:bodyPr/>
+        <p:spPr>
+          <a:xfrm>
+            <a:off x="1524000" y="3069202"/>
+            <a:ext cx="9144000" cy="2233993"/>
+          </a:xfrm>
+        </p:spPr>
+        <p:txBody>
+          <a:bodyPr>
+            <a:normAutofit/>
+          </a:bodyPr>
           <a:lstStyle/>
           <a:p>
             <a:r>
+              <a:rPr lang="fr-CH" dirty="0"/>
+              <a:t>Jérémie Châtillon (</a:t>
+            </a:r>
+            <a:r>
+              <a:rPr lang="fr-CH" dirty="0">
+                <a:solidFill>
+                  <a:srgbClr val="FC5F10"/>
+                </a:solidFill>
+                <a:hlinkClick r:id="rId2"/>
+              </a:rPr>
+              <a:t>Jeremie.Chatillon@heig-vd.ch</a:t>
+            </a:r>
+            <a:r>
+              <a:rPr lang="fr-CH" dirty="0"/>
+              <a:t>)</a:t>
+            </a:r>
+          </a:p>
+          <a:p>
+            <a:r>
+              <a:rPr lang="fr-CH" dirty="0"/>
+              <a:t>Antoine Rochat (</a:t>
+            </a:r>
+            <a:r>
+              <a:rPr lang="fr-CH" dirty="0">
+                <a:solidFill>
+                  <a:srgbClr val="FC5F10"/>
+                </a:solidFill>
+                <a:hlinkClick r:id="rId3"/>
+              </a:rPr>
+              <a:t>Antoine.Rochat@heig-vd.ch</a:t>
+            </a:r>
+            <a:r>
+              <a:rPr lang="fr-CH" dirty="0"/>
+              <a:t>)</a:t>
+            </a:r>
+          </a:p>
+          <a:p>
+            <a:r>
+              <a:rPr lang="fr-CH" dirty="0"/>
+              <a:t>Benoît </a:t>
+            </a:r>
+            <a:r>
               <a:rPr lang="fr-CH" dirty="0" err="1"/>
-              <a:t>J.Châtillon</a:t>
+              <a:t>Schopfer</a:t>
             </a:r>
             <a:r>
               <a:rPr lang="fr-CH" dirty="0"/>
-              <a:t>, </a:t>
-            </a:r>
-            <a:r>
-              <a:rPr lang="fr-CH" dirty="0" err="1"/>
-              <a:t>A.Rochat</a:t>
+              <a:t> (</a:t>
+            </a:r>
+            <a:r>
+              <a:rPr lang="fr-CH" dirty="0">
+                <a:solidFill>
+                  <a:srgbClr val="FC5F10"/>
+                </a:solidFill>
+                <a:hlinkClick r:id="rId4"/>
+              </a:rPr>
+              <a:t>Benoit.Schopfer@heig-vd.ch</a:t>
             </a:r>
             <a:r>
               <a:rPr lang="fr-CH" dirty="0"/>
-              <a:t>, </a:t>
-            </a:r>
-            <a:r>
-              <a:rPr lang="fr-CH" dirty="0" err="1"/>
-              <a:t>B.Schopfer</a:t>
-            </a:r>
+              <a:t>)</a:t>
+            </a:r>
+          </a:p>
+          <a:p>
             <a:r>
               <a:rPr lang="fr-CH" dirty="0"/>
-              <a:t>, </a:t>
-            </a:r>
-            <a:r>
-              <a:rPr lang="fr-CH" dirty="0" err="1"/>
-              <a:t>S.Smith</a:t>
-            </a:r>
-            <a:endParaRPr lang="fr-CH" dirty="0"/>
+              <a:t>James Smith (</a:t>
+            </a:r>
+            <a:r>
+              <a:rPr lang="fr-CH" dirty="0">
+                <a:solidFill>
+                  <a:srgbClr val="FC5F10"/>
+                </a:solidFill>
+                <a:hlinkClick r:id="rId5"/>
+              </a:rPr>
+              <a:t>James.Smith@heig-vd.ch</a:t>
+            </a:r>
+            <a:r>
+              <a:rPr lang="fr-CH" dirty="0"/>
+              <a:t>)</a:t>
+            </a:r>
           </a:p>
         </p:txBody>
       </p:sp>
@@ -3881,6 +5095,2230 @@
     <p:extLst>
       <p:ext uri="{BB962C8B-B14F-4D97-AF65-F5344CB8AC3E}">
         <p14:creationId xmlns:p14="http://schemas.microsoft.com/office/powerpoint/2010/main" val="1180373168"/>
+      </p:ext>
+    </p:extLst>
+  </p:cSld>
+  <p:clrMapOvr>
+    <a:masterClrMapping/>
+  </p:clrMapOvr>
+</p:sld>
+</file>
+
+<file path=ppt/slides/slide10.xml><?xml version="1.0" encoding="utf-8"?>
+<p:sld xmlns:a="http://schemas.openxmlformats.org/drawingml/2006/main" xmlns:r="http://schemas.openxmlformats.org/officeDocument/2006/relationships" xmlns:p="http://schemas.openxmlformats.org/presentationml/2006/main">
+  <p:cSld>
+    <p:spTree>
+      <p:nvGrpSpPr>
+        <p:cNvPr id="1" name=""/>
+        <p:cNvGrpSpPr/>
+        <p:nvPr/>
+      </p:nvGrpSpPr>
+      <p:grpSpPr>
+        <a:xfrm>
+          <a:off x="0" y="0"/>
+          <a:ext cx="0" cy="0"/>
+          <a:chOff x="0" y="0"/>
+          <a:chExt cx="0" cy="0"/>
+        </a:xfrm>
+      </p:grpSpPr>
+      <p:sp>
+        <p:nvSpPr>
+          <p:cNvPr id="2" name="Titre 1">
+            <a:extLst>
+              <a:ext uri="{FF2B5EF4-FFF2-40B4-BE49-F238E27FC236}">
+                <a16:creationId xmlns:a16="http://schemas.microsoft.com/office/drawing/2014/main" id="{98D1BFD9-A5CF-4B4A-A1A2-D55D79AC9091}"/>
+              </a:ext>
+            </a:extLst>
+          </p:cNvPr>
+          <p:cNvSpPr>
+            <a:spLocks noGrp="1"/>
+          </p:cNvSpPr>
+          <p:nvPr>
+            <p:ph type="title"/>
+          </p:nvPr>
+        </p:nvSpPr>
+        <p:spPr/>
+        <p:txBody>
+          <a:bodyPr/>
+          <a:lstStyle/>
+          <a:p>
+            <a:r>
+              <a:rPr lang="fr-CH" dirty="0"/>
+              <a:t>Exemple (3)</a:t>
+            </a:r>
+            <a:endParaRPr lang="en-GB" dirty="0"/>
+          </a:p>
+        </p:txBody>
+      </p:sp>
+      <p:sp>
+        <p:nvSpPr>
+          <p:cNvPr id="4" name="Espace réservé de la date 3">
+            <a:extLst>
+              <a:ext uri="{FF2B5EF4-FFF2-40B4-BE49-F238E27FC236}">
+                <a16:creationId xmlns:a16="http://schemas.microsoft.com/office/drawing/2014/main" id="{F5E38FA1-C385-4533-9847-8AAAC847207E}"/>
+              </a:ext>
+            </a:extLst>
+          </p:cNvPr>
+          <p:cNvSpPr>
+            <a:spLocks noGrp="1"/>
+          </p:cNvSpPr>
+          <p:nvPr>
+            <p:ph type="dt" sz="half" idx="10"/>
+          </p:nvPr>
+        </p:nvSpPr>
+        <p:spPr/>
+        <p:txBody>
+          <a:bodyPr/>
+          <a:lstStyle/>
+          <a:p>
+            <a:r>
+              <a:rPr lang="en-US"/>
+              <a:t>MCR</a:t>
+            </a:r>
+            <a:endParaRPr lang="fr-CH" dirty="0"/>
+          </a:p>
+        </p:txBody>
+      </p:sp>
+      <p:sp>
+        <p:nvSpPr>
+          <p:cNvPr id="5" name="Espace réservé du numéro de diapositive 4">
+            <a:extLst>
+              <a:ext uri="{FF2B5EF4-FFF2-40B4-BE49-F238E27FC236}">
+                <a16:creationId xmlns:a16="http://schemas.microsoft.com/office/drawing/2014/main" id="{83BF157C-488A-4D60-81B1-028FF202FA4F}"/>
+              </a:ext>
+            </a:extLst>
+          </p:cNvPr>
+          <p:cNvSpPr>
+            <a:spLocks noGrp="1"/>
+          </p:cNvSpPr>
+          <p:nvPr>
+            <p:ph type="sldNum" sz="quarter" idx="12"/>
+          </p:nvPr>
+        </p:nvSpPr>
+        <p:spPr/>
+        <p:txBody>
+          <a:bodyPr/>
+          <a:lstStyle/>
+          <a:p>
+            <a:fld id="{B63C7C81-6BE5-43EB-AC44-9276CCEDB341}" type="slidenum">
+              <a:rPr lang="fr-CH" smtClean="0"/>
+              <a:pPr/>
+              <a:t>10</a:t>
+            </a:fld>
+            <a:endParaRPr lang="fr-CH" dirty="0"/>
+          </a:p>
+        </p:txBody>
+      </p:sp>
+      <p:sp>
+        <p:nvSpPr>
+          <p:cNvPr id="6" name="Espace réservé du contenu 7">
+            <a:extLst>
+              <a:ext uri="{FF2B5EF4-FFF2-40B4-BE49-F238E27FC236}">
+                <a16:creationId xmlns:a16="http://schemas.microsoft.com/office/drawing/2014/main" id="{1ADFE337-D235-45F3-959A-32E930E672D5}"/>
+              </a:ext>
+            </a:extLst>
+          </p:cNvPr>
+          <p:cNvSpPr>
+            <a:spLocks noGrp="1"/>
+          </p:cNvSpPr>
+          <p:nvPr>
+            <p:ph idx="1"/>
+          </p:nvPr>
+        </p:nvSpPr>
+        <p:spPr>
+          <a:xfrm>
+            <a:off x="461176" y="1236133"/>
+            <a:ext cx="11269648" cy="4940830"/>
+          </a:xfrm>
+        </p:spPr>
+        <p:txBody>
+          <a:bodyPr>
+            <a:noAutofit/>
+          </a:bodyPr>
+          <a:lstStyle/>
+          <a:p>
+            <a:pPr defTabSz="252000">
+              <a:spcBef>
+                <a:spcPts val="0"/>
+              </a:spcBef>
+            </a:pPr>
+            <a:r>
+              <a:rPr lang="en-GB" sz="1800" dirty="0">
+                <a:solidFill>
+                  <a:schemeClr val="accent1">
+                    <a:lumMod val="75000"/>
+                  </a:schemeClr>
+                </a:solidFill>
+                <a:latin typeface="Abadi" panose="020B0604020202020204" pitchFamily="34" charset="0"/>
+              </a:rPr>
+              <a:t>class </a:t>
+            </a:r>
+            <a:r>
+              <a:rPr lang="en-GB" sz="1800" dirty="0" err="1">
+                <a:solidFill>
+                  <a:schemeClr val="accent1">
+                    <a:lumMod val="75000"/>
+                  </a:schemeClr>
+                </a:solidFill>
+                <a:latin typeface="Abadi" panose="020B0604020202020204" pitchFamily="34" charset="0"/>
+              </a:rPr>
+              <a:t>VaisseauDeTransportBuilder</a:t>
+            </a:r>
+            <a:r>
+              <a:rPr lang="en-GB" sz="1800" dirty="0">
+                <a:solidFill>
+                  <a:schemeClr val="accent1">
+                    <a:lumMod val="75000"/>
+                  </a:schemeClr>
+                </a:solidFill>
+                <a:latin typeface="Abadi" panose="020B0604020202020204" pitchFamily="34" charset="0"/>
+              </a:rPr>
+              <a:t> extends </a:t>
+            </a:r>
+            <a:r>
+              <a:rPr lang="en-GB" sz="1800" dirty="0" err="1">
+                <a:solidFill>
+                  <a:schemeClr val="accent1">
+                    <a:lumMod val="75000"/>
+                  </a:schemeClr>
+                </a:solidFill>
+                <a:latin typeface="Abadi" panose="020B0604020202020204" pitchFamily="34" charset="0"/>
+              </a:rPr>
+              <a:t>VaisseauBuilder</a:t>
+            </a:r>
+            <a:r>
+              <a:rPr lang="en-GB" sz="1800" dirty="0">
+                <a:solidFill>
+                  <a:schemeClr val="accent1">
+                    <a:lumMod val="75000"/>
+                  </a:schemeClr>
+                </a:solidFill>
+                <a:latin typeface="Abadi" panose="020B0604020202020204" pitchFamily="34" charset="0"/>
+              </a:rPr>
+              <a:t> </a:t>
+            </a:r>
+          </a:p>
+          <a:p>
+            <a:pPr marL="0" indent="0" defTabSz="252000">
+              <a:spcBef>
+                <a:spcPts val="0"/>
+              </a:spcBef>
+              <a:buNone/>
+            </a:pPr>
+            <a:r>
+              <a:rPr lang="en-GB" sz="1800" dirty="0">
+                <a:solidFill>
+                  <a:schemeClr val="accent1">
+                    <a:lumMod val="75000"/>
+                  </a:schemeClr>
+                </a:solidFill>
+                <a:latin typeface="Abadi" panose="020B0604020202020204" pitchFamily="34" charset="0"/>
+              </a:rPr>
+              <a:t>	{</a:t>
+            </a:r>
+          </a:p>
+          <a:p>
+            <a:pPr marL="0" indent="0" defTabSz="252000">
+              <a:spcBef>
+                <a:spcPts val="0"/>
+              </a:spcBef>
+              <a:buNone/>
+            </a:pPr>
+            <a:r>
+              <a:rPr lang="en-GB" sz="1800" dirty="0">
+                <a:solidFill>
+                  <a:schemeClr val="accent1">
+                    <a:lumMod val="75000"/>
+                  </a:schemeClr>
+                </a:solidFill>
+                <a:latin typeface="Abadi" panose="020B0604020202020204" pitchFamily="34" charset="0"/>
+              </a:rPr>
+              <a:t>		public void </a:t>
+            </a:r>
+            <a:r>
+              <a:rPr lang="en-GB" sz="1800" dirty="0" err="1">
+                <a:solidFill>
+                  <a:schemeClr val="accent1">
+                    <a:lumMod val="75000"/>
+                  </a:schemeClr>
+                </a:solidFill>
+                <a:latin typeface="Abadi" panose="020B0604020202020204" pitchFamily="34" charset="0"/>
+              </a:rPr>
+              <a:t>buildPropulseurs</a:t>
+            </a:r>
+            <a:r>
+              <a:rPr lang="en-GB" sz="1800" dirty="0">
+                <a:solidFill>
+                  <a:schemeClr val="accent1">
+                    <a:lumMod val="75000"/>
+                  </a:schemeClr>
+                </a:solidFill>
+                <a:latin typeface="Abadi" panose="020B0604020202020204" pitchFamily="34" charset="0"/>
+              </a:rPr>
+              <a:t>() {</a:t>
+            </a:r>
+          </a:p>
+          <a:p>
+            <a:pPr marL="0" indent="0" defTabSz="252000">
+              <a:spcBef>
+                <a:spcPts val="0"/>
+              </a:spcBef>
+              <a:buNone/>
+            </a:pPr>
+            <a:r>
+              <a:rPr lang="en-GB" sz="1800" dirty="0">
+                <a:solidFill>
+                  <a:schemeClr val="accent1">
+                    <a:lumMod val="75000"/>
+                  </a:schemeClr>
+                </a:solidFill>
+                <a:latin typeface="Abadi" panose="020B0604020202020204" pitchFamily="34" charset="0"/>
+              </a:rPr>
+              <a:t>			</a:t>
+            </a:r>
+            <a:r>
+              <a:rPr lang="en-GB" sz="1800" dirty="0" err="1">
+                <a:solidFill>
+                  <a:schemeClr val="accent1">
+                    <a:lumMod val="75000"/>
+                  </a:schemeClr>
+                </a:solidFill>
+                <a:latin typeface="Abadi" panose="020B0604020202020204" pitchFamily="34" charset="0"/>
+              </a:rPr>
+              <a:t>vaisseauSpatial.addPropulseurs</a:t>
+            </a:r>
+            <a:r>
+              <a:rPr lang="en-GB" sz="1800" dirty="0">
+                <a:solidFill>
+                  <a:schemeClr val="accent1">
+                    <a:lumMod val="75000"/>
+                  </a:schemeClr>
+                </a:solidFill>
+                <a:latin typeface="Abadi" panose="020B0604020202020204" pitchFamily="34" charset="0"/>
+              </a:rPr>
+              <a:t>("Gros </a:t>
+            </a:r>
+            <a:r>
+              <a:rPr lang="en-GB" sz="1800" dirty="0" err="1">
+                <a:solidFill>
+                  <a:schemeClr val="accent1">
+                    <a:lumMod val="75000"/>
+                  </a:schemeClr>
+                </a:solidFill>
+                <a:latin typeface="Abadi" panose="020B0604020202020204" pitchFamily="34" charset="0"/>
+              </a:rPr>
+              <a:t>propulseur</a:t>
+            </a:r>
+            <a:r>
+              <a:rPr lang="en-GB" sz="1800" dirty="0">
+                <a:solidFill>
+                  <a:schemeClr val="accent1">
+                    <a:lumMod val="75000"/>
+                  </a:schemeClr>
+                </a:solidFill>
+                <a:latin typeface="Abadi" panose="020B0604020202020204" pitchFamily="34" charset="0"/>
+              </a:rPr>
+              <a:t>");</a:t>
+            </a:r>
+          </a:p>
+          <a:p>
+            <a:pPr marL="0" indent="0" defTabSz="252000">
+              <a:spcBef>
+                <a:spcPts val="0"/>
+              </a:spcBef>
+              <a:buNone/>
+            </a:pPr>
+            <a:r>
+              <a:rPr lang="en-GB" sz="1800" dirty="0">
+                <a:solidFill>
+                  <a:schemeClr val="accent1">
+                    <a:lumMod val="75000"/>
+                  </a:schemeClr>
+                </a:solidFill>
+                <a:latin typeface="Abadi" panose="020B0604020202020204" pitchFamily="34" charset="0"/>
+              </a:rPr>
+              <a:t>		}</a:t>
+            </a:r>
+          </a:p>
+          <a:p>
+            <a:pPr marL="0" indent="0" defTabSz="252000">
+              <a:spcBef>
+                <a:spcPts val="0"/>
+              </a:spcBef>
+              <a:buNone/>
+            </a:pPr>
+            <a:r>
+              <a:rPr lang="en-GB" sz="1800" dirty="0">
+                <a:solidFill>
+                  <a:schemeClr val="accent1">
+                    <a:lumMod val="75000"/>
+                  </a:schemeClr>
+                </a:solidFill>
+                <a:latin typeface="Abadi" panose="020B0604020202020204" pitchFamily="34" charset="0"/>
+              </a:rPr>
+              <a:t>	}</a:t>
+            </a:r>
+          </a:p>
+          <a:p>
+            <a:pPr marL="0" indent="0" defTabSz="252000">
+              <a:spcBef>
+                <a:spcPts val="0"/>
+              </a:spcBef>
+              <a:buNone/>
+            </a:pPr>
+            <a:endParaRPr lang="en-GB" sz="300" dirty="0">
+              <a:solidFill>
+                <a:schemeClr val="accent1">
+                  <a:lumMod val="75000"/>
+                </a:schemeClr>
+              </a:solidFill>
+              <a:latin typeface="Abadi" panose="020B0604020202020204" pitchFamily="34" charset="0"/>
+            </a:endParaRPr>
+          </a:p>
+          <a:p>
+            <a:pPr defTabSz="252000">
+              <a:spcBef>
+                <a:spcPts val="0"/>
+              </a:spcBef>
+            </a:pPr>
+            <a:endParaRPr lang="en-GB" sz="100" dirty="0">
+              <a:solidFill>
+                <a:schemeClr val="accent1">
+                  <a:lumMod val="75000"/>
+                </a:schemeClr>
+              </a:solidFill>
+              <a:latin typeface="Abadi" panose="020B0604020202020204" pitchFamily="34" charset="0"/>
+            </a:endParaRPr>
+          </a:p>
+          <a:p>
+            <a:pPr defTabSz="252000">
+              <a:spcBef>
+                <a:spcPts val="0"/>
+              </a:spcBef>
+            </a:pPr>
+            <a:r>
+              <a:rPr lang="en-GB" sz="1800" dirty="0">
+                <a:solidFill>
+                  <a:schemeClr val="accent1">
+                    <a:lumMod val="75000"/>
+                  </a:schemeClr>
+                </a:solidFill>
+                <a:latin typeface="Abadi" panose="020B0604020202020204" pitchFamily="34" charset="0"/>
+              </a:rPr>
+              <a:t>class </a:t>
+            </a:r>
+            <a:r>
+              <a:rPr lang="en-GB" sz="1800" dirty="0" err="1">
+                <a:solidFill>
+                  <a:schemeClr val="accent1">
+                    <a:lumMod val="75000"/>
+                  </a:schemeClr>
+                </a:solidFill>
+                <a:latin typeface="Abadi" panose="020B0604020202020204" pitchFamily="34" charset="0"/>
+              </a:rPr>
+              <a:t>VaisseauSpatial</a:t>
+            </a:r>
+            <a:r>
+              <a:rPr lang="en-GB" sz="1800" dirty="0">
+                <a:solidFill>
+                  <a:schemeClr val="accent1">
+                    <a:lumMod val="75000"/>
+                  </a:schemeClr>
+                </a:solidFill>
+                <a:latin typeface="Abadi" panose="020B0604020202020204" pitchFamily="34" charset="0"/>
+              </a:rPr>
+              <a:t> </a:t>
+            </a:r>
+          </a:p>
+          <a:p>
+            <a:pPr marL="0" indent="0" defTabSz="252000">
+              <a:spcBef>
+                <a:spcPts val="0"/>
+              </a:spcBef>
+              <a:buNone/>
+            </a:pPr>
+            <a:r>
+              <a:rPr lang="en-GB" sz="1800" dirty="0">
+                <a:solidFill>
+                  <a:schemeClr val="accent1">
+                    <a:lumMod val="75000"/>
+                  </a:schemeClr>
+                </a:solidFill>
+                <a:latin typeface="Abadi" panose="020B0604020202020204" pitchFamily="34" charset="0"/>
+              </a:rPr>
+              <a:t>	{</a:t>
+            </a:r>
+          </a:p>
+          <a:p>
+            <a:pPr marL="0" indent="0" defTabSz="252000">
+              <a:spcBef>
+                <a:spcPts val="0"/>
+              </a:spcBef>
+              <a:buNone/>
+            </a:pPr>
+            <a:r>
+              <a:rPr lang="en-GB" sz="1800" dirty="0">
+                <a:solidFill>
+                  <a:schemeClr val="accent1">
+                    <a:lumMod val="75000"/>
+                  </a:schemeClr>
+                </a:solidFill>
+                <a:latin typeface="Abadi" panose="020B0604020202020204" pitchFamily="34" charset="0"/>
+              </a:rPr>
+              <a:t>		private LinkedList&lt;String&gt; </a:t>
+            </a:r>
+            <a:r>
+              <a:rPr lang="en-GB" sz="1800" dirty="0" err="1">
+                <a:solidFill>
+                  <a:schemeClr val="accent1">
+                    <a:lumMod val="75000"/>
+                  </a:schemeClr>
+                </a:solidFill>
+                <a:latin typeface="Abadi" panose="020B0604020202020204" pitchFamily="34" charset="0"/>
+              </a:rPr>
+              <a:t>propulseurs</a:t>
+            </a:r>
+            <a:r>
+              <a:rPr lang="en-GB" sz="1800" dirty="0">
+                <a:solidFill>
+                  <a:schemeClr val="accent1">
+                    <a:lumMod val="75000"/>
+                  </a:schemeClr>
+                </a:solidFill>
+                <a:latin typeface="Abadi" panose="020B0604020202020204" pitchFamily="34" charset="0"/>
+              </a:rPr>
+              <a:t> = new LinkedList&lt;&gt;();</a:t>
+            </a:r>
+          </a:p>
+          <a:p>
+            <a:pPr marL="0" indent="0" defTabSz="252000">
+              <a:spcBef>
+                <a:spcPts val="0"/>
+              </a:spcBef>
+              <a:buNone/>
+            </a:pPr>
+            <a:r>
+              <a:rPr lang="en-GB" sz="1800" dirty="0">
+                <a:solidFill>
+                  <a:schemeClr val="accent1">
+                    <a:lumMod val="75000"/>
+                  </a:schemeClr>
+                </a:solidFill>
+                <a:latin typeface="Abadi" panose="020B0604020202020204" pitchFamily="34" charset="0"/>
+              </a:rPr>
+              <a:t>		private LinkedList&lt;String&gt; canons = new LinkedList&lt;&gt;();</a:t>
+            </a:r>
+          </a:p>
+          <a:p>
+            <a:pPr marL="0" indent="0" defTabSz="252000">
+              <a:spcBef>
+                <a:spcPts val="0"/>
+              </a:spcBef>
+              <a:buNone/>
+            </a:pPr>
+            <a:r>
+              <a:rPr lang="en-GB" sz="1800" dirty="0">
+                <a:solidFill>
+                  <a:schemeClr val="accent1">
+                    <a:lumMod val="75000"/>
+                  </a:schemeClr>
+                </a:solidFill>
+                <a:latin typeface="Abadi" panose="020B0604020202020204" pitchFamily="34" charset="0"/>
+              </a:rPr>
+              <a:t>		public void </a:t>
+            </a:r>
+            <a:r>
+              <a:rPr lang="en-GB" sz="1800" dirty="0" err="1">
+                <a:solidFill>
+                  <a:schemeClr val="accent1">
+                    <a:lumMod val="75000"/>
+                  </a:schemeClr>
+                </a:solidFill>
+                <a:latin typeface="Abadi" panose="020B0604020202020204" pitchFamily="34" charset="0"/>
+              </a:rPr>
+              <a:t>addPropulseurs</a:t>
+            </a:r>
+            <a:r>
+              <a:rPr lang="en-GB" sz="1800" dirty="0">
+                <a:solidFill>
+                  <a:schemeClr val="accent1">
+                    <a:lumMod val="75000"/>
+                  </a:schemeClr>
+                </a:solidFill>
+                <a:latin typeface="Abadi" panose="020B0604020202020204" pitchFamily="34" charset="0"/>
+              </a:rPr>
+              <a:t>(String... </a:t>
+            </a:r>
+            <a:r>
+              <a:rPr lang="en-GB" sz="1800" dirty="0" err="1">
+                <a:solidFill>
+                  <a:schemeClr val="accent1">
+                    <a:lumMod val="75000"/>
+                  </a:schemeClr>
+                </a:solidFill>
+                <a:latin typeface="Abadi" panose="020B0604020202020204" pitchFamily="34" charset="0"/>
+              </a:rPr>
+              <a:t>propulseurs</a:t>
+            </a:r>
+            <a:r>
+              <a:rPr lang="en-GB" sz="1800" dirty="0">
+                <a:solidFill>
+                  <a:schemeClr val="accent1">
+                    <a:lumMod val="75000"/>
+                  </a:schemeClr>
+                </a:solidFill>
+                <a:latin typeface="Abadi" panose="020B0604020202020204" pitchFamily="34" charset="0"/>
+              </a:rPr>
+              <a:t>) {</a:t>
+            </a:r>
+          </a:p>
+          <a:p>
+            <a:pPr marL="0" indent="0" defTabSz="252000">
+              <a:spcBef>
+                <a:spcPts val="0"/>
+              </a:spcBef>
+              <a:buNone/>
+            </a:pPr>
+            <a:r>
+              <a:rPr lang="en-GB" sz="1800" dirty="0">
+                <a:solidFill>
+                  <a:schemeClr val="accent1">
+                    <a:lumMod val="75000"/>
+                  </a:schemeClr>
+                </a:solidFill>
+                <a:latin typeface="Abadi" panose="020B0604020202020204" pitchFamily="34" charset="0"/>
+              </a:rPr>
+              <a:t>			</a:t>
+            </a:r>
+            <a:r>
+              <a:rPr lang="en-GB" sz="1800" dirty="0" err="1">
+                <a:solidFill>
+                  <a:schemeClr val="accent1">
+                    <a:lumMod val="75000"/>
+                  </a:schemeClr>
+                </a:solidFill>
+                <a:latin typeface="Abadi" panose="020B0604020202020204" pitchFamily="34" charset="0"/>
+              </a:rPr>
+              <a:t>Collections.addAll</a:t>
+            </a:r>
+            <a:r>
+              <a:rPr lang="en-GB" sz="1800" dirty="0">
+                <a:solidFill>
+                  <a:schemeClr val="accent1">
+                    <a:lumMod val="75000"/>
+                  </a:schemeClr>
+                </a:solidFill>
+                <a:latin typeface="Abadi" panose="020B0604020202020204" pitchFamily="34" charset="0"/>
+              </a:rPr>
+              <a:t>(</a:t>
+            </a:r>
+            <a:r>
+              <a:rPr lang="en-GB" sz="1800" dirty="0" err="1">
+                <a:solidFill>
+                  <a:schemeClr val="accent1">
+                    <a:lumMod val="75000"/>
+                  </a:schemeClr>
+                </a:solidFill>
+                <a:latin typeface="Abadi" panose="020B0604020202020204" pitchFamily="34" charset="0"/>
+              </a:rPr>
+              <a:t>this.propulseurs</a:t>
+            </a:r>
+            <a:r>
+              <a:rPr lang="en-GB" sz="1800" dirty="0">
+                <a:solidFill>
+                  <a:schemeClr val="accent1">
+                    <a:lumMod val="75000"/>
+                  </a:schemeClr>
+                </a:solidFill>
+                <a:latin typeface="Abadi" panose="020B0604020202020204" pitchFamily="34" charset="0"/>
+              </a:rPr>
+              <a:t>, </a:t>
+            </a:r>
+            <a:r>
+              <a:rPr lang="en-GB" sz="1800" dirty="0" err="1">
+                <a:solidFill>
+                  <a:schemeClr val="accent1">
+                    <a:lumMod val="75000"/>
+                  </a:schemeClr>
+                </a:solidFill>
+                <a:latin typeface="Abadi" panose="020B0604020202020204" pitchFamily="34" charset="0"/>
+              </a:rPr>
+              <a:t>propulseurs</a:t>
+            </a:r>
+            <a:r>
+              <a:rPr lang="en-GB" sz="1800" dirty="0">
+                <a:solidFill>
+                  <a:schemeClr val="accent1">
+                    <a:lumMod val="75000"/>
+                  </a:schemeClr>
+                </a:solidFill>
+                <a:latin typeface="Abadi" panose="020B0604020202020204" pitchFamily="34" charset="0"/>
+              </a:rPr>
+              <a:t>);</a:t>
+            </a:r>
+          </a:p>
+          <a:p>
+            <a:pPr marL="0" indent="0" defTabSz="252000">
+              <a:spcBef>
+                <a:spcPts val="0"/>
+              </a:spcBef>
+              <a:buNone/>
+            </a:pPr>
+            <a:r>
+              <a:rPr lang="en-GB" sz="1800" dirty="0">
+                <a:solidFill>
+                  <a:schemeClr val="accent1">
+                    <a:lumMod val="75000"/>
+                  </a:schemeClr>
+                </a:solidFill>
+                <a:latin typeface="Abadi" panose="020B0604020202020204" pitchFamily="34" charset="0"/>
+              </a:rPr>
+              <a:t>		}</a:t>
+            </a:r>
+          </a:p>
+          <a:p>
+            <a:pPr marL="0" indent="0" defTabSz="252000">
+              <a:spcBef>
+                <a:spcPts val="0"/>
+              </a:spcBef>
+              <a:buNone/>
+            </a:pPr>
+            <a:r>
+              <a:rPr lang="en-GB" sz="1800" dirty="0">
+                <a:solidFill>
+                  <a:schemeClr val="accent1">
+                    <a:lumMod val="75000"/>
+                  </a:schemeClr>
+                </a:solidFill>
+                <a:latin typeface="Abadi" panose="020B0604020202020204" pitchFamily="34" charset="0"/>
+              </a:rPr>
+              <a:t>		public void </a:t>
+            </a:r>
+            <a:r>
+              <a:rPr lang="en-GB" sz="1800" dirty="0" err="1">
+                <a:solidFill>
+                  <a:schemeClr val="accent1">
+                    <a:lumMod val="75000"/>
+                  </a:schemeClr>
+                </a:solidFill>
+                <a:latin typeface="Abadi" panose="020B0604020202020204" pitchFamily="34" charset="0"/>
+              </a:rPr>
+              <a:t>addCanons</a:t>
+            </a:r>
+            <a:r>
+              <a:rPr lang="en-GB" sz="1800" dirty="0">
+                <a:solidFill>
+                  <a:schemeClr val="accent1">
+                    <a:lumMod val="75000"/>
+                  </a:schemeClr>
+                </a:solidFill>
+                <a:latin typeface="Abadi" panose="020B0604020202020204" pitchFamily="34" charset="0"/>
+              </a:rPr>
+              <a:t>(String... canons) {</a:t>
+            </a:r>
+          </a:p>
+          <a:p>
+            <a:pPr marL="0" indent="0" defTabSz="252000">
+              <a:spcBef>
+                <a:spcPts val="0"/>
+              </a:spcBef>
+              <a:buNone/>
+            </a:pPr>
+            <a:r>
+              <a:rPr lang="en-GB" sz="1800" dirty="0">
+                <a:solidFill>
+                  <a:schemeClr val="accent1">
+                    <a:lumMod val="75000"/>
+                  </a:schemeClr>
+                </a:solidFill>
+                <a:latin typeface="Abadi" panose="020B0604020202020204" pitchFamily="34" charset="0"/>
+              </a:rPr>
+              <a:t>			</a:t>
+            </a:r>
+            <a:r>
+              <a:rPr lang="en-GB" sz="1800" dirty="0" err="1">
+                <a:solidFill>
+                  <a:schemeClr val="accent1">
+                    <a:lumMod val="75000"/>
+                  </a:schemeClr>
+                </a:solidFill>
+                <a:latin typeface="Abadi" panose="020B0604020202020204" pitchFamily="34" charset="0"/>
+              </a:rPr>
+              <a:t>Collections.addAll</a:t>
+            </a:r>
+            <a:r>
+              <a:rPr lang="en-GB" sz="1800" dirty="0">
+                <a:solidFill>
+                  <a:schemeClr val="accent1">
+                    <a:lumMod val="75000"/>
+                  </a:schemeClr>
+                </a:solidFill>
+                <a:latin typeface="Abadi" panose="020B0604020202020204" pitchFamily="34" charset="0"/>
+              </a:rPr>
+              <a:t>(</a:t>
+            </a:r>
+            <a:r>
+              <a:rPr lang="en-GB" sz="1800" dirty="0" err="1">
+                <a:solidFill>
+                  <a:schemeClr val="accent1">
+                    <a:lumMod val="75000"/>
+                  </a:schemeClr>
+                </a:solidFill>
+                <a:latin typeface="Abadi" panose="020B0604020202020204" pitchFamily="34" charset="0"/>
+              </a:rPr>
+              <a:t>this.canons</a:t>
+            </a:r>
+            <a:r>
+              <a:rPr lang="en-GB" sz="1800" dirty="0">
+                <a:solidFill>
+                  <a:schemeClr val="accent1">
+                    <a:lumMod val="75000"/>
+                  </a:schemeClr>
+                </a:solidFill>
+                <a:latin typeface="Abadi" panose="020B0604020202020204" pitchFamily="34" charset="0"/>
+              </a:rPr>
+              <a:t>, canons);</a:t>
+            </a:r>
+          </a:p>
+          <a:p>
+            <a:pPr marL="0" indent="0" defTabSz="252000">
+              <a:spcBef>
+                <a:spcPts val="0"/>
+              </a:spcBef>
+              <a:buNone/>
+            </a:pPr>
+            <a:r>
+              <a:rPr lang="en-GB" sz="1800" dirty="0">
+                <a:solidFill>
+                  <a:schemeClr val="accent1">
+                    <a:lumMod val="75000"/>
+                  </a:schemeClr>
+                </a:solidFill>
+                <a:latin typeface="Abadi" panose="020B0604020202020204" pitchFamily="34" charset="0"/>
+              </a:rPr>
+              <a:t>		}</a:t>
+            </a:r>
+          </a:p>
+          <a:p>
+            <a:pPr marL="0" indent="0" defTabSz="252000">
+              <a:spcBef>
+                <a:spcPts val="0"/>
+              </a:spcBef>
+              <a:buNone/>
+            </a:pPr>
+            <a:r>
+              <a:rPr lang="en-GB" sz="1800" dirty="0">
+                <a:solidFill>
+                  <a:schemeClr val="accent1">
+                    <a:lumMod val="75000"/>
+                  </a:schemeClr>
+                </a:solidFill>
+                <a:latin typeface="Abadi" panose="020B0604020202020204" pitchFamily="34" charset="0"/>
+              </a:rPr>
+              <a:t>		public String </a:t>
+            </a:r>
+            <a:r>
+              <a:rPr lang="en-GB" sz="1800" dirty="0" err="1">
+                <a:solidFill>
+                  <a:schemeClr val="accent1">
+                    <a:lumMod val="75000"/>
+                  </a:schemeClr>
+                </a:solidFill>
+                <a:latin typeface="Abadi" panose="020B0604020202020204" pitchFamily="34" charset="0"/>
+              </a:rPr>
+              <a:t>toString</a:t>
+            </a:r>
+            <a:r>
+              <a:rPr lang="en-GB" sz="1800" dirty="0">
+                <a:solidFill>
+                  <a:schemeClr val="accent1">
+                    <a:lumMod val="75000"/>
+                  </a:schemeClr>
+                </a:solidFill>
+                <a:latin typeface="Abadi" panose="020B0604020202020204" pitchFamily="34" charset="0"/>
+              </a:rPr>
+              <a:t>() {</a:t>
+            </a:r>
+          </a:p>
+          <a:p>
+            <a:pPr marL="0" indent="0" defTabSz="252000">
+              <a:spcBef>
+                <a:spcPts val="0"/>
+              </a:spcBef>
+              <a:buNone/>
+            </a:pPr>
+            <a:r>
+              <a:rPr lang="en-GB" sz="1800" dirty="0">
+                <a:solidFill>
+                  <a:schemeClr val="accent1">
+                    <a:lumMod val="75000"/>
+                  </a:schemeClr>
+                </a:solidFill>
+                <a:latin typeface="Abadi" panose="020B0604020202020204" pitchFamily="34" charset="0"/>
+              </a:rPr>
+              <a:t>			return "</a:t>
+            </a:r>
+            <a:r>
+              <a:rPr lang="en-GB" sz="1800" dirty="0" err="1">
+                <a:solidFill>
+                  <a:schemeClr val="accent1">
+                    <a:lumMod val="75000"/>
+                  </a:schemeClr>
+                </a:solidFill>
+                <a:latin typeface="Abadi" panose="020B0604020202020204" pitchFamily="34" charset="0"/>
+              </a:rPr>
+              <a:t>Propulseurs</a:t>
+            </a:r>
+            <a:r>
+              <a:rPr lang="en-GB" sz="1800" dirty="0">
+                <a:solidFill>
+                  <a:schemeClr val="accent1">
+                    <a:lumMod val="75000"/>
+                  </a:schemeClr>
+                </a:solidFill>
+                <a:latin typeface="Abadi" panose="020B0604020202020204" pitchFamily="34" charset="0"/>
+              </a:rPr>
+              <a:t> : " + </a:t>
+            </a:r>
+            <a:r>
+              <a:rPr lang="en-GB" sz="1800" dirty="0" err="1">
+                <a:solidFill>
+                  <a:schemeClr val="accent1">
+                    <a:lumMod val="75000"/>
+                  </a:schemeClr>
+                </a:solidFill>
+                <a:latin typeface="Abadi" panose="020B0604020202020204" pitchFamily="34" charset="0"/>
+              </a:rPr>
+              <a:t>propulseurs</a:t>
+            </a:r>
+            <a:r>
+              <a:rPr lang="en-GB" sz="1800" dirty="0">
+                <a:solidFill>
+                  <a:schemeClr val="accent1">
+                    <a:lumMod val="75000"/>
+                  </a:schemeClr>
+                </a:solidFill>
+                <a:latin typeface="Abadi" panose="020B0604020202020204" pitchFamily="34" charset="0"/>
+              </a:rPr>
+              <a:t> + "\</a:t>
+            </a:r>
+            <a:r>
+              <a:rPr lang="en-GB" sz="1800" dirty="0" err="1">
+                <a:solidFill>
+                  <a:schemeClr val="accent1">
+                    <a:lumMod val="75000"/>
+                  </a:schemeClr>
+                </a:solidFill>
+                <a:latin typeface="Abadi" panose="020B0604020202020204" pitchFamily="34" charset="0"/>
+              </a:rPr>
+              <a:t>nCanons</a:t>
+            </a:r>
+            <a:r>
+              <a:rPr lang="en-GB" sz="1800" dirty="0">
+                <a:solidFill>
+                  <a:schemeClr val="accent1">
+                    <a:lumMod val="75000"/>
+                  </a:schemeClr>
+                </a:solidFill>
+                <a:latin typeface="Abadi" panose="020B0604020202020204" pitchFamily="34" charset="0"/>
+              </a:rPr>
+              <a:t> : " + canons;</a:t>
+            </a:r>
+          </a:p>
+          <a:p>
+            <a:pPr marL="0" indent="0" defTabSz="252000">
+              <a:spcBef>
+                <a:spcPts val="0"/>
+              </a:spcBef>
+              <a:buNone/>
+            </a:pPr>
+            <a:r>
+              <a:rPr lang="en-GB" sz="1800" dirty="0">
+                <a:solidFill>
+                  <a:schemeClr val="accent1">
+                    <a:lumMod val="75000"/>
+                  </a:schemeClr>
+                </a:solidFill>
+                <a:latin typeface="Abadi" panose="020B0604020202020204" pitchFamily="34" charset="0"/>
+              </a:rPr>
+              <a:t>		}</a:t>
+            </a:r>
+          </a:p>
+          <a:p>
+            <a:pPr marL="0" indent="0" defTabSz="252000">
+              <a:spcBef>
+                <a:spcPts val="0"/>
+              </a:spcBef>
+              <a:buNone/>
+            </a:pPr>
+            <a:r>
+              <a:rPr lang="en-GB" sz="1800" dirty="0">
+                <a:solidFill>
+                  <a:schemeClr val="accent1">
+                    <a:lumMod val="75000"/>
+                  </a:schemeClr>
+                </a:solidFill>
+                <a:latin typeface="Abadi" panose="020B0604020202020204" pitchFamily="34" charset="0"/>
+              </a:rPr>
+              <a:t>	}</a:t>
+            </a:r>
+          </a:p>
+        </p:txBody>
+      </p:sp>
+    </p:spTree>
+    <p:extLst>
+      <p:ext uri="{BB962C8B-B14F-4D97-AF65-F5344CB8AC3E}">
+        <p14:creationId xmlns:p14="http://schemas.microsoft.com/office/powerpoint/2010/main" val="279911831"/>
+      </p:ext>
+    </p:extLst>
+  </p:cSld>
+  <p:clrMapOvr>
+    <a:masterClrMapping/>
+  </p:clrMapOvr>
+</p:sld>
+</file>
+
+<file path=ppt/slides/slide11.xml><?xml version="1.0" encoding="utf-8"?>
+<p:sld xmlns:a="http://schemas.openxmlformats.org/drawingml/2006/main" xmlns:r="http://schemas.openxmlformats.org/officeDocument/2006/relationships" xmlns:p="http://schemas.openxmlformats.org/presentationml/2006/main">
+  <p:cSld>
+    <p:spTree>
+      <p:nvGrpSpPr>
+        <p:cNvPr id="1" name=""/>
+        <p:cNvGrpSpPr/>
+        <p:nvPr/>
+      </p:nvGrpSpPr>
+      <p:grpSpPr>
+        <a:xfrm>
+          <a:off x="0" y="0"/>
+          <a:ext cx="0" cy="0"/>
+          <a:chOff x="0" y="0"/>
+          <a:chExt cx="0" cy="0"/>
+        </a:xfrm>
+      </p:grpSpPr>
+      <p:sp>
+        <p:nvSpPr>
+          <p:cNvPr id="2" name="Titre 1">
+            <a:extLst>
+              <a:ext uri="{FF2B5EF4-FFF2-40B4-BE49-F238E27FC236}">
+                <a16:creationId xmlns:a16="http://schemas.microsoft.com/office/drawing/2014/main" id="{292BF677-D26F-434D-A4A4-FC0CD88EB96E}"/>
+              </a:ext>
+            </a:extLst>
+          </p:cNvPr>
+          <p:cNvSpPr>
+            <a:spLocks noGrp="1"/>
+          </p:cNvSpPr>
+          <p:nvPr>
+            <p:ph type="title"/>
+          </p:nvPr>
+        </p:nvSpPr>
+        <p:spPr/>
+        <p:txBody>
+          <a:bodyPr/>
+          <a:lstStyle/>
+          <a:p>
+            <a:r>
+              <a:rPr lang="fr-CH" dirty="0"/>
+              <a:t>Exemple (4)</a:t>
+            </a:r>
+            <a:endParaRPr lang="en-GB" dirty="0"/>
+          </a:p>
+        </p:txBody>
+      </p:sp>
+      <p:sp>
+        <p:nvSpPr>
+          <p:cNvPr id="3" name="Espace réservé du contenu 2">
+            <a:extLst>
+              <a:ext uri="{FF2B5EF4-FFF2-40B4-BE49-F238E27FC236}">
+                <a16:creationId xmlns:a16="http://schemas.microsoft.com/office/drawing/2014/main" id="{DAE42610-10B3-47A8-9F1A-045D8B1B831E}"/>
+              </a:ext>
+            </a:extLst>
+          </p:cNvPr>
+          <p:cNvSpPr>
+            <a:spLocks noGrp="1"/>
+          </p:cNvSpPr>
+          <p:nvPr>
+            <p:ph idx="1"/>
+          </p:nvPr>
+        </p:nvSpPr>
+        <p:spPr/>
+        <p:txBody>
+          <a:bodyPr>
+            <a:normAutofit lnSpcReduction="10000"/>
+          </a:bodyPr>
+          <a:lstStyle/>
+          <a:p>
+            <a:r>
+              <a:rPr lang="fr-CH" dirty="0"/>
+              <a:t>Programme de test:</a:t>
+            </a:r>
+          </a:p>
+          <a:p>
+            <a:pPr marL="0" indent="0" defTabSz="252000">
+              <a:spcBef>
+                <a:spcPts val="0"/>
+              </a:spcBef>
+              <a:buNone/>
+            </a:pPr>
+            <a:r>
+              <a:rPr lang="en-GB" dirty="0">
+                <a:solidFill>
+                  <a:schemeClr val="accent1">
+                    <a:lumMod val="75000"/>
+                  </a:schemeClr>
+                </a:solidFill>
+                <a:latin typeface="Abadi" panose="020B0604020202020204" pitchFamily="34" charset="0"/>
+              </a:rPr>
+              <a:t>	</a:t>
+            </a:r>
+            <a:r>
+              <a:rPr lang="en-GB" sz="1800" dirty="0" err="1">
+                <a:solidFill>
+                  <a:schemeClr val="accent1">
+                    <a:lumMod val="75000"/>
+                  </a:schemeClr>
+                </a:solidFill>
+                <a:latin typeface="Abadi" panose="020B0604020202020204" pitchFamily="34" charset="0"/>
+              </a:rPr>
+              <a:t>VaisseauSpatialDirector</a:t>
+            </a:r>
+            <a:r>
+              <a:rPr lang="en-GB" sz="1800" dirty="0">
+                <a:solidFill>
+                  <a:schemeClr val="accent1">
+                    <a:lumMod val="75000"/>
+                  </a:schemeClr>
+                </a:solidFill>
+                <a:latin typeface="Abadi" panose="020B0604020202020204" pitchFamily="34" charset="0"/>
+              </a:rPr>
+              <a:t> director = new </a:t>
+            </a:r>
+            <a:r>
+              <a:rPr lang="en-GB" sz="1800" dirty="0" err="1">
+                <a:solidFill>
+                  <a:schemeClr val="accent1">
+                    <a:lumMod val="75000"/>
+                  </a:schemeClr>
+                </a:solidFill>
+                <a:latin typeface="Abadi" panose="020B0604020202020204" pitchFamily="34" charset="0"/>
+              </a:rPr>
+              <a:t>VaisseauSpatialDirector</a:t>
+            </a:r>
+            <a:r>
+              <a:rPr lang="en-GB" sz="1800" dirty="0">
+                <a:solidFill>
+                  <a:schemeClr val="accent1">
+                    <a:lumMod val="75000"/>
+                  </a:schemeClr>
+                </a:solidFill>
+                <a:latin typeface="Abadi" panose="020B0604020202020204" pitchFamily="34" charset="0"/>
+              </a:rPr>
+              <a:t>();</a:t>
+            </a:r>
+          </a:p>
+          <a:p>
+            <a:pPr marL="0" indent="0" defTabSz="252000">
+              <a:spcBef>
+                <a:spcPts val="0"/>
+              </a:spcBef>
+              <a:buNone/>
+            </a:pPr>
+            <a:r>
+              <a:rPr lang="en-GB" sz="1800" dirty="0">
+                <a:solidFill>
+                  <a:schemeClr val="accent1">
+                    <a:lumMod val="75000"/>
+                  </a:schemeClr>
+                </a:solidFill>
+                <a:latin typeface="Abadi" panose="020B0604020202020204" pitchFamily="34" charset="0"/>
+              </a:rPr>
+              <a:t>	</a:t>
+            </a:r>
+            <a:r>
+              <a:rPr lang="en-GB" sz="1800" dirty="0" err="1">
+                <a:solidFill>
+                  <a:schemeClr val="accent1">
+                    <a:lumMod val="75000"/>
+                  </a:schemeClr>
+                </a:solidFill>
+                <a:latin typeface="Abadi" panose="020B0604020202020204" pitchFamily="34" charset="0"/>
+              </a:rPr>
+              <a:t>VaisseauBuilder</a:t>
+            </a:r>
+            <a:r>
+              <a:rPr lang="en-GB" sz="1800" dirty="0">
+                <a:solidFill>
+                  <a:schemeClr val="accent1">
+                    <a:lumMod val="75000"/>
+                  </a:schemeClr>
+                </a:solidFill>
+                <a:latin typeface="Abadi" panose="020B0604020202020204" pitchFamily="34" charset="0"/>
+              </a:rPr>
+              <a:t> </a:t>
+            </a:r>
+            <a:r>
+              <a:rPr lang="en-GB" sz="1800" dirty="0" err="1">
+                <a:solidFill>
+                  <a:schemeClr val="accent1">
+                    <a:lumMod val="75000"/>
+                  </a:schemeClr>
+                </a:solidFill>
+                <a:latin typeface="Abadi" panose="020B0604020202020204" pitchFamily="34" charset="0"/>
+              </a:rPr>
+              <a:t>builderCombat</a:t>
+            </a:r>
+            <a:r>
+              <a:rPr lang="en-GB" sz="1800" dirty="0">
+                <a:solidFill>
+                  <a:schemeClr val="accent1">
+                    <a:lumMod val="75000"/>
+                  </a:schemeClr>
+                </a:solidFill>
+                <a:latin typeface="Abadi" panose="020B0604020202020204" pitchFamily="34" charset="0"/>
+              </a:rPr>
+              <a:t> = new </a:t>
+            </a:r>
+            <a:r>
+              <a:rPr lang="en-GB" sz="1800" dirty="0" err="1">
+                <a:solidFill>
+                  <a:schemeClr val="accent1">
+                    <a:lumMod val="75000"/>
+                  </a:schemeClr>
+                </a:solidFill>
+                <a:latin typeface="Abadi" panose="020B0604020202020204" pitchFamily="34" charset="0"/>
+              </a:rPr>
+              <a:t>VaisseauDeCombatBuilder</a:t>
+            </a:r>
+            <a:r>
+              <a:rPr lang="en-GB" sz="1800" dirty="0">
+                <a:solidFill>
+                  <a:schemeClr val="accent1">
+                    <a:lumMod val="75000"/>
+                  </a:schemeClr>
+                </a:solidFill>
+                <a:latin typeface="Abadi" panose="020B0604020202020204" pitchFamily="34" charset="0"/>
+              </a:rPr>
+              <a:t>();</a:t>
+            </a:r>
+          </a:p>
+          <a:p>
+            <a:pPr marL="0" indent="0" defTabSz="252000">
+              <a:spcBef>
+                <a:spcPts val="0"/>
+              </a:spcBef>
+              <a:buNone/>
+            </a:pPr>
+            <a:r>
+              <a:rPr lang="en-GB" sz="1800" dirty="0">
+                <a:solidFill>
+                  <a:schemeClr val="accent1">
+                    <a:lumMod val="75000"/>
+                  </a:schemeClr>
+                </a:solidFill>
+                <a:latin typeface="Abadi" panose="020B0604020202020204" pitchFamily="34" charset="0"/>
+              </a:rPr>
+              <a:t>	</a:t>
+            </a:r>
+            <a:r>
+              <a:rPr lang="en-GB" sz="1800" dirty="0" err="1">
+                <a:solidFill>
+                  <a:schemeClr val="accent1">
+                    <a:lumMod val="75000"/>
+                  </a:schemeClr>
+                </a:solidFill>
+                <a:latin typeface="Abadi" panose="020B0604020202020204" pitchFamily="34" charset="0"/>
+              </a:rPr>
+              <a:t>VaisseauBuilder</a:t>
+            </a:r>
+            <a:r>
+              <a:rPr lang="en-GB" sz="1800" dirty="0">
+                <a:solidFill>
+                  <a:schemeClr val="accent1">
+                    <a:lumMod val="75000"/>
+                  </a:schemeClr>
+                </a:solidFill>
+                <a:latin typeface="Abadi" panose="020B0604020202020204" pitchFamily="34" charset="0"/>
+              </a:rPr>
+              <a:t> </a:t>
+            </a:r>
+            <a:r>
+              <a:rPr lang="en-GB" sz="1800" dirty="0" err="1">
+                <a:solidFill>
+                  <a:schemeClr val="accent1">
+                    <a:lumMod val="75000"/>
+                  </a:schemeClr>
+                </a:solidFill>
+                <a:latin typeface="Abadi" panose="020B0604020202020204" pitchFamily="34" charset="0"/>
+              </a:rPr>
+              <a:t>builderTransport</a:t>
+            </a:r>
+            <a:r>
+              <a:rPr lang="en-GB" sz="1800" dirty="0">
+                <a:solidFill>
+                  <a:schemeClr val="accent1">
+                    <a:lumMod val="75000"/>
+                  </a:schemeClr>
+                </a:solidFill>
+                <a:latin typeface="Abadi" panose="020B0604020202020204" pitchFamily="34" charset="0"/>
+              </a:rPr>
+              <a:t> = new </a:t>
+            </a:r>
+            <a:r>
+              <a:rPr lang="en-GB" sz="1800" dirty="0" err="1">
+                <a:solidFill>
+                  <a:schemeClr val="accent1">
+                    <a:lumMod val="75000"/>
+                  </a:schemeClr>
+                </a:solidFill>
+                <a:latin typeface="Abadi" panose="020B0604020202020204" pitchFamily="34" charset="0"/>
+              </a:rPr>
+              <a:t>VaisseauDeTransportBuilder</a:t>
+            </a:r>
+            <a:r>
+              <a:rPr lang="en-GB" sz="1800" dirty="0">
+                <a:solidFill>
+                  <a:schemeClr val="accent1">
+                    <a:lumMod val="75000"/>
+                  </a:schemeClr>
+                </a:solidFill>
+                <a:latin typeface="Abadi" panose="020B0604020202020204" pitchFamily="34" charset="0"/>
+              </a:rPr>
+              <a:t>();</a:t>
+            </a:r>
+          </a:p>
+          <a:p>
+            <a:pPr marL="0" indent="0" defTabSz="252000">
+              <a:spcBef>
+                <a:spcPts val="0"/>
+              </a:spcBef>
+              <a:buNone/>
+            </a:pPr>
+            <a:r>
+              <a:rPr lang="en-GB" sz="1000" dirty="0">
+                <a:solidFill>
+                  <a:schemeClr val="accent1">
+                    <a:lumMod val="75000"/>
+                  </a:schemeClr>
+                </a:solidFill>
+                <a:latin typeface="Abadi" panose="020B0604020202020204" pitchFamily="34" charset="0"/>
+              </a:rPr>
+              <a:t>	</a:t>
+            </a:r>
+          </a:p>
+          <a:p>
+            <a:pPr marL="0" indent="0" defTabSz="252000">
+              <a:spcBef>
+                <a:spcPts val="0"/>
+              </a:spcBef>
+              <a:buNone/>
+            </a:pPr>
+            <a:r>
+              <a:rPr lang="en-GB" sz="1800" dirty="0">
+                <a:solidFill>
+                  <a:schemeClr val="accent1">
+                    <a:lumMod val="75000"/>
+                  </a:schemeClr>
+                </a:solidFill>
+                <a:latin typeface="Abadi" panose="020B0604020202020204" pitchFamily="34" charset="0"/>
+              </a:rPr>
+              <a:t>	</a:t>
+            </a:r>
+            <a:r>
+              <a:rPr lang="en-GB" sz="1800" dirty="0" err="1">
+                <a:solidFill>
+                  <a:schemeClr val="accent1">
+                    <a:lumMod val="75000"/>
+                  </a:schemeClr>
+                </a:solidFill>
+                <a:latin typeface="Abadi" panose="020B0604020202020204" pitchFamily="34" charset="0"/>
+              </a:rPr>
+              <a:t>director.setVaisseauBuilder</a:t>
+            </a:r>
+            <a:r>
+              <a:rPr lang="en-GB" sz="1800" dirty="0">
+                <a:solidFill>
+                  <a:schemeClr val="accent1">
+                    <a:lumMod val="75000"/>
+                  </a:schemeClr>
+                </a:solidFill>
+                <a:latin typeface="Abadi" panose="020B0604020202020204" pitchFamily="34" charset="0"/>
+              </a:rPr>
+              <a:t>(</a:t>
+            </a:r>
+            <a:r>
+              <a:rPr lang="en-GB" sz="1800" dirty="0" err="1">
+                <a:solidFill>
+                  <a:schemeClr val="accent1">
+                    <a:lumMod val="75000"/>
+                  </a:schemeClr>
+                </a:solidFill>
+                <a:latin typeface="Abadi" panose="020B0604020202020204" pitchFamily="34" charset="0"/>
+              </a:rPr>
+              <a:t>builderCombat</a:t>
+            </a:r>
+            <a:r>
+              <a:rPr lang="en-GB" sz="1800" dirty="0">
+                <a:solidFill>
+                  <a:schemeClr val="accent1">
+                    <a:lumMod val="75000"/>
+                  </a:schemeClr>
+                </a:solidFill>
+                <a:latin typeface="Abadi" panose="020B0604020202020204" pitchFamily="34" charset="0"/>
+              </a:rPr>
+              <a:t>);</a:t>
+            </a:r>
+          </a:p>
+          <a:p>
+            <a:pPr marL="0" indent="0" defTabSz="252000">
+              <a:spcBef>
+                <a:spcPts val="0"/>
+              </a:spcBef>
+              <a:buNone/>
+            </a:pPr>
+            <a:r>
+              <a:rPr lang="en-GB" sz="1800" dirty="0">
+                <a:solidFill>
+                  <a:schemeClr val="accent1">
+                    <a:lumMod val="75000"/>
+                  </a:schemeClr>
+                </a:solidFill>
+                <a:latin typeface="Abadi" panose="020B0604020202020204" pitchFamily="34" charset="0"/>
+              </a:rPr>
+              <a:t>	</a:t>
+            </a:r>
+            <a:r>
+              <a:rPr lang="en-GB" sz="1800" dirty="0" err="1">
+                <a:solidFill>
+                  <a:schemeClr val="accent1">
+                    <a:lumMod val="75000"/>
+                  </a:schemeClr>
+                </a:solidFill>
+                <a:latin typeface="Abadi" panose="020B0604020202020204" pitchFamily="34" charset="0"/>
+              </a:rPr>
+              <a:t>director.constructVaisseau</a:t>
+            </a:r>
+            <a:r>
+              <a:rPr lang="en-GB" sz="1800" dirty="0">
+                <a:solidFill>
+                  <a:schemeClr val="accent1">
+                    <a:lumMod val="75000"/>
+                  </a:schemeClr>
+                </a:solidFill>
+                <a:latin typeface="Abadi" panose="020B0604020202020204" pitchFamily="34" charset="0"/>
+              </a:rPr>
+              <a:t>();</a:t>
+            </a:r>
+          </a:p>
+          <a:p>
+            <a:pPr marL="0" indent="0" defTabSz="252000">
+              <a:spcBef>
+                <a:spcPts val="0"/>
+              </a:spcBef>
+              <a:buNone/>
+            </a:pPr>
+            <a:r>
+              <a:rPr lang="en-GB" sz="1800" dirty="0">
+                <a:solidFill>
+                  <a:schemeClr val="accent1">
+                    <a:lumMod val="75000"/>
+                  </a:schemeClr>
+                </a:solidFill>
+                <a:latin typeface="Abadi" panose="020B0604020202020204" pitchFamily="34" charset="0"/>
+              </a:rPr>
+              <a:t>	</a:t>
+            </a:r>
+            <a:r>
+              <a:rPr lang="en-GB" sz="1800" dirty="0" err="1">
+                <a:solidFill>
+                  <a:schemeClr val="accent1">
+                    <a:lumMod val="75000"/>
+                  </a:schemeClr>
+                </a:solidFill>
+                <a:latin typeface="Abadi" panose="020B0604020202020204" pitchFamily="34" charset="0"/>
+              </a:rPr>
+              <a:t>System.out.println</a:t>
+            </a:r>
+            <a:r>
+              <a:rPr lang="en-GB" sz="1800" dirty="0">
+                <a:solidFill>
+                  <a:schemeClr val="accent1">
+                    <a:lumMod val="75000"/>
+                  </a:schemeClr>
+                </a:solidFill>
+                <a:latin typeface="Abadi" panose="020B0604020202020204" pitchFamily="34" charset="0"/>
+              </a:rPr>
+              <a:t>("</a:t>
+            </a:r>
+            <a:r>
+              <a:rPr lang="en-GB" sz="1800" dirty="0" err="1">
+                <a:solidFill>
+                  <a:schemeClr val="accent1">
+                    <a:lumMod val="75000"/>
+                  </a:schemeClr>
+                </a:solidFill>
+                <a:latin typeface="Abadi" panose="020B0604020202020204" pitchFamily="34" charset="0"/>
+              </a:rPr>
+              <a:t>Vaisseau</a:t>
+            </a:r>
+            <a:r>
+              <a:rPr lang="en-GB" sz="1800" dirty="0">
+                <a:solidFill>
+                  <a:schemeClr val="accent1">
+                    <a:lumMod val="75000"/>
+                  </a:schemeClr>
+                </a:solidFill>
+                <a:latin typeface="Abadi" panose="020B0604020202020204" pitchFamily="34" charset="0"/>
+              </a:rPr>
+              <a:t> de combat : \n" + </a:t>
+            </a:r>
+            <a:r>
+              <a:rPr lang="en-GB" sz="1800" dirty="0" err="1">
+                <a:solidFill>
+                  <a:schemeClr val="accent1">
+                    <a:lumMod val="75000"/>
+                  </a:schemeClr>
+                </a:solidFill>
+                <a:latin typeface="Abadi" panose="020B0604020202020204" pitchFamily="34" charset="0"/>
+              </a:rPr>
+              <a:t>builderCombat.getVaisseauSpatial</a:t>
+            </a:r>
+            <a:r>
+              <a:rPr lang="en-GB" sz="1800" dirty="0">
+                <a:solidFill>
+                  <a:schemeClr val="accent1">
+                    <a:lumMod val="75000"/>
+                  </a:schemeClr>
+                </a:solidFill>
+                <a:latin typeface="Abadi" panose="020B0604020202020204" pitchFamily="34" charset="0"/>
+              </a:rPr>
+              <a:t>());</a:t>
+            </a:r>
+          </a:p>
+          <a:p>
+            <a:pPr marL="0" indent="0" defTabSz="252000">
+              <a:spcBef>
+                <a:spcPts val="0"/>
+              </a:spcBef>
+              <a:buNone/>
+            </a:pPr>
+            <a:r>
+              <a:rPr lang="en-GB" sz="1000" dirty="0">
+                <a:solidFill>
+                  <a:schemeClr val="accent1">
+                    <a:lumMod val="75000"/>
+                  </a:schemeClr>
+                </a:solidFill>
+                <a:latin typeface="Abadi" panose="020B0604020202020204" pitchFamily="34" charset="0"/>
+              </a:rPr>
+              <a:t>	</a:t>
+            </a:r>
+          </a:p>
+          <a:p>
+            <a:pPr marL="0" indent="0" defTabSz="252000">
+              <a:spcBef>
+                <a:spcPts val="0"/>
+              </a:spcBef>
+              <a:buNone/>
+            </a:pPr>
+            <a:r>
+              <a:rPr lang="en-GB" sz="1800" dirty="0">
+                <a:solidFill>
+                  <a:schemeClr val="accent1">
+                    <a:lumMod val="75000"/>
+                  </a:schemeClr>
+                </a:solidFill>
+                <a:latin typeface="Abadi" panose="020B0604020202020204" pitchFamily="34" charset="0"/>
+              </a:rPr>
+              <a:t>	</a:t>
+            </a:r>
+            <a:r>
+              <a:rPr lang="en-GB" sz="1800" dirty="0" err="1">
+                <a:solidFill>
+                  <a:schemeClr val="accent1">
+                    <a:lumMod val="75000"/>
+                  </a:schemeClr>
+                </a:solidFill>
+                <a:latin typeface="Abadi" panose="020B0604020202020204" pitchFamily="34" charset="0"/>
+              </a:rPr>
+              <a:t>director.setVaisseauBuilder</a:t>
+            </a:r>
+            <a:r>
+              <a:rPr lang="en-GB" sz="1800" dirty="0">
+                <a:solidFill>
+                  <a:schemeClr val="accent1">
+                    <a:lumMod val="75000"/>
+                  </a:schemeClr>
+                </a:solidFill>
+                <a:latin typeface="Abadi" panose="020B0604020202020204" pitchFamily="34" charset="0"/>
+              </a:rPr>
+              <a:t>(</a:t>
+            </a:r>
+            <a:r>
+              <a:rPr lang="en-GB" sz="1800" dirty="0" err="1">
+                <a:solidFill>
+                  <a:schemeClr val="accent1">
+                    <a:lumMod val="75000"/>
+                  </a:schemeClr>
+                </a:solidFill>
+                <a:latin typeface="Abadi" panose="020B0604020202020204" pitchFamily="34" charset="0"/>
+              </a:rPr>
+              <a:t>builderTransport</a:t>
+            </a:r>
+            <a:r>
+              <a:rPr lang="en-GB" sz="1800" dirty="0">
+                <a:solidFill>
+                  <a:schemeClr val="accent1">
+                    <a:lumMod val="75000"/>
+                  </a:schemeClr>
+                </a:solidFill>
+                <a:latin typeface="Abadi" panose="020B0604020202020204" pitchFamily="34" charset="0"/>
+              </a:rPr>
+              <a:t>);</a:t>
+            </a:r>
+          </a:p>
+          <a:p>
+            <a:pPr marL="0" indent="0" defTabSz="252000">
+              <a:spcBef>
+                <a:spcPts val="0"/>
+              </a:spcBef>
+              <a:buNone/>
+            </a:pPr>
+            <a:r>
+              <a:rPr lang="en-GB" sz="1800" dirty="0">
+                <a:solidFill>
+                  <a:schemeClr val="accent1">
+                    <a:lumMod val="75000"/>
+                  </a:schemeClr>
+                </a:solidFill>
+                <a:latin typeface="Abadi" panose="020B0604020202020204" pitchFamily="34" charset="0"/>
+              </a:rPr>
+              <a:t>	</a:t>
+            </a:r>
+            <a:r>
+              <a:rPr lang="en-GB" sz="1800" dirty="0" err="1">
+                <a:solidFill>
+                  <a:schemeClr val="accent1">
+                    <a:lumMod val="75000"/>
+                  </a:schemeClr>
+                </a:solidFill>
+                <a:latin typeface="Abadi" panose="020B0604020202020204" pitchFamily="34" charset="0"/>
+              </a:rPr>
+              <a:t>director.constructVaisseau</a:t>
+            </a:r>
+            <a:r>
+              <a:rPr lang="en-GB" sz="1800" dirty="0">
+                <a:solidFill>
+                  <a:schemeClr val="accent1">
+                    <a:lumMod val="75000"/>
+                  </a:schemeClr>
+                </a:solidFill>
+                <a:latin typeface="Abadi" panose="020B0604020202020204" pitchFamily="34" charset="0"/>
+              </a:rPr>
+              <a:t>();</a:t>
+            </a:r>
+          </a:p>
+          <a:p>
+            <a:pPr marL="0" indent="0" defTabSz="252000">
+              <a:spcBef>
+                <a:spcPts val="0"/>
+              </a:spcBef>
+              <a:buNone/>
+            </a:pPr>
+            <a:r>
+              <a:rPr lang="en-GB" sz="1800" dirty="0">
+                <a:solidFill>
+                  <a:schemeClr val="accent1">
+                    <a:lumMod val="75000"/>
+                  </a:schemeClr>
+                </a:solidFill>
+                <a:latin typeface="Abadi" panose="020B0604020202020204" pitchFamily="34" charset="0"/>
+              </a:rPr>
+              <a:t>	</a:t>
+            </a:r>
+            <a:r>
+              <a:rPr lang="en-GB" sz="1800" dirty="0" err="1">
+                <a:solidFill>
+                  <a:schemeClr val="accent1">
+                    <a:lumMod val="75000"/>
+                  </a:schemeClr>
+                </a:solidFill>
+                <a:latin typeface="Abadi" panose="020B0604020202020204" pitchFamily="34" charset="0"/>
+              </a:rPr>
+              <a:t>System.out.println</a:t>
+            </a:r>
+            <a:r>
+              <a:rPr lang="en-GB" sz="1800" dirty="0">
+                <a:solidFill>
+                  <a:schemeClr val="accent1">
+                    <a:lumMod val="75000"/>
+                  </a:schemeClr>
+                </a:solidFill>
+                <a:latin typeface="Abadi" panose="020B0604020202020204" pitchFamily="34" charset="0"/>
+              </a:rPr>
+              <a:t>("</a:t>
+            </a:r>
+            <a:r>
+              <a:rPr lang="en-GB" sz="1800" dirty="0" err="1">
+                <a:solidFill>
+                  <a:schemeClr val="accent1">
+                    <a:lumMod val="75000"/>
+                  </a:schemeClr>
+                </a:solidFill>
+                <a:latin typeface="Abadi" panose="020B0604020202020204" pitchFamily="34" charset="0"/>
+              </a:rPr>
+              <a:t>Vaisseau</a:t>
+            </a:r>
+            <a:r>
+              <a:rPr lang="en-GB" sz="1800" dirty="0">
+                <a:solidFill>
+                  <a:schemeClr val="accent1">
+                    <a:lumMod val="75000"/>
+                  </a:schemeClr>
+                </a:solidFill>
+                <a:latin typeface="Abadi" panose="020B0604020202020204" pitchFamily="34" charset="0"/>
+              </a:rPr>
+              <a:t> de transport : \n" + </a:t>
+            </a:r>
+            <a:r>
+              <a:rPr lang="en-GB" sz="1800" dirty="0" err="1">
+                <a:solidFill>
+                  <a:schemeClr val="accent1">
+                    <a:lumMod val="75000"/>
+                  </a:schemeClr>
+                </a:solidFill>
+                <a:latin typeface="Abadi" panose="020B0604020202020204" pitchFamily="34" charset="0"/>
+              </a:rPr>
+              <a:t>builderTransport.getVaisseauSpatial</a:t>
+            </a:r>
+            <a:r>
+              <a:rPr lang="en-GB" sz="1800" dirty="0">
+                <a:solidFill>
+                  <a:schemeClr val="accent1">
+                    <a:lumMod val="75000"/>
+                  </a:schemeClr>
+                </a:solidFill>
+                <a:latin typeface="Abadi" panose="020B0604020202020204" pitchFamily="34" charset="0"/>
+              </a:rPr>
+              <a:t>());</a:t>
+            </a:r>
+          </a:p>
+          <a:p>
+            <a:pPr marL="0" indent="0" defTabSz="252000">
+              <a:spcBef>
+                <a:spcPts val="0"/>
+              </a:spcBef>
+              <a:buNone/>
+            </a:pPr>
+            <a:r>
+              <a:rPr lang="en-GB" sz="1800" dirty="0">
+                <a:solidFill>
+                  <a:schemeClr val="accent1">
+                    <a:lumMod val="75000"/>
+                  </a:schemeClr>
+                </a:solidFill>
+                <a:latin typeface="Abadi" panose="020B0604020202020204" pitchFamily="34" charset="0"/>
+              </a:rPr>
+              <a:t> </a:t>
+            </a:r>
+          </a:p>
+          <a:p>
+            <a:pPr marL="0" indent="0" defTabSz="252000">
+              <a:spcBef>
+                <a:spcPts val="0"/>
+              </a:spcBef>
+              <a:buNone/>
+            </a:pPr>
+            <a:endParaRPr lang="en-GB" sz="1000" dirty="0">
+              <a:solidFill>
+                <a:schemeClr val="accent1">
+                  <a:lumMod val="75000"/>
+                </a:schemeClr>
+              </a:solidFill>
+              <a:latin typeface="Abadi" panose="020B0604020202020204" pitchFamily="34" charset="0"/>
+            </a:endParaRPr>
+          </a:p>
+          <a:p>
+            <a:pPr defTabSz="252000">
+              <a:spcBef>
+                <a:spcPts val="0"/>
+              </a:spcBef>
+            </a:pPr>
+            <a:r>
+              <a:rPr lang="fr-CH"/>
+              <a:t>Résultat:</a:t>
+            </a:r>
+            <a:endParaRPr lang="fr-CH" dirty="0"/>
+          </a:p>
+          <a:p>
+            <a:pPr marL="0" indent="0" defTabSz="252000">
+              <a:spcBef>
+                <a:spcPts val="0"/>
+              </a:spcBef>
+              <a:buNone/>
+            </a:pPr>
+            <a:r>
+              <a:rPr lang="en-GB" sz="1800" dirty="0">
+                <a:solidFill>
+                  <a:schemeClr val="accent1">
+                    <a:lumMod val="75000"/>
+                  </a:schemeClr>
+                </a:solidFill>
+                <a:latin typeface="Abadi" panose="020B0604020202020204" pitchFamily="34" charset="0"/>
+              </a:rPr>
+              <a:t>	</a:t>
+            </a:r>
+            <a:r>
+              <a:rPr lang="fr-CH" sz="1800" dirty="0">
+                <a:solidFill>
+                  <a:schemeClr val="accent1">
+                    <a:lumMod val="75000"/>
+                  </a:schemeClr>
+                </a:solidFill>
+                <a:latin typeface="Abadi" panose="020B0604020202020204" pitchFamily="34" charset="0"/>
+              </a:rPr>
+              <a:t>Vaisseau de combat : </a:t>
+            </a:r>
+          </a:p>
+          <a:p>
+            <a:pPr marL="0" indent="0" defTabSz="252000">
+              <a:spcBef>
+                <a:spcPts val="0"/>
+              </a:spcBef>
+              <a:buNone/>
+            </a:pPr>
+            <a:r>
+              <a:rPr lang="fr-CH" sz="1800" dirty="0">
+                <a:solidFill>
+                  <a:schemeClr val="accent1">
+                    <a:lumMod val="75000"/>
+                  </a:schemeClr>
+                </a:solidFill>
+                <a:latin typeface="Abadi" panose="020B0604020202020204" pitchFamily="34" charset="0"/>
+              </a:rPr>
+              <a:t>	Propulseurs : [Petit propulseur, Petit propulseur]</a:t>
+            </a:r>
+          </a:p>
+          <a:p>
+            <a:pPr marL="0" indent="0" defTabSz="252000">
+              <a:spcBef>
+                <a:spcPts val="0"/>
+              </a:spcBef>
+              <a:buNone/>
+            </a:pPr>
+            <a:r>
+              <a:rPr lang="fr-CH" sz="1800" dirty="0">
+                <a:solidFill>
+                  <a:schemeClr val="accent1">
+                    <a:lumMod val="75000"/>
+                  </a:schemeClr>
+                </a:solidFill>
+                <a:latin typeface="Abadi" panose="020B0604020202020204" pitchFamily="34" charset="0"/>
+              </a:rPr>
+              <a:t>	Canons : [Canon laser, Canon laser, Lance-torpilles à protons]</a:t>
+            </a:r>
+          </a:p>
+          <a:p>
+            <a:pPr marL="0" indent="0" defTabSz="252000">
+              <a:spcBef>
+                <a:spcPts val="0"/>
+              </a:spcBef>
+              <a:buNone/>
+            </a:pPr>
+            <a:r>
+              <a:rPr lang="fr-CH" sz="1800" dirty="0">
+                <a:solidFill>
+                  <a:schemeClr val="accent1">
+                    <a:lumMod val="75000"/>
+                  </a:schemeClr>
+                </a:solidFill>
+                <a:latin typeface="Abadi" panose="020B0604020202020204" pitchFamily="34" charset="0"/>
+              </a:rPr>
+              <a:t>	Vaisseau de transport : </a:t>
+            </a:r>
+          </a:p>
+          <a:p>
+            <a:pPr marL="0" indent="0" defTabSz="252000">
+              <a:spcBef>
+                <a:spcPts val="0"/>
+              </a:spcBef>
+              <a:buNone/>
+            </a:pPr>
+            <a:r>
+              <a:rPr lang="fr-CH" sz="1800" dirty="0">
+                <a:solidFill>
+                  <a:schemeClr val="accent1">
+                    <a:lumMod val="75000"/>
+                  </a:schemeClr>
+                </a:solidFill>
+                <a:latin typeface="Abadi" panose="020B0604020202020204" pitchFamily="34" charset="0"/>
+              </a:rPr>
+              <a:t>	Propulseurs : [Gros propulseur]</a:t>
+            </a:r>
+          </a:p>
+          <a:p>
+            <a:pPr marL="0" indent="0" defTabSz="252000">
+              <a:spcBef>
+                <a:spcPts val="0"/>
+              </a:spcBef>
+              <a:buNone/>
+            </a:pPr>
+            <a:r>
+              <a:rPr lang="fr-CH" sz="1800" dirty="0">
+                <a:solidFill>
+                  <a:schemeClr val="accent1">
+                    <a:lumMod val="75000"/>
+                  </a:schemeClr>
+                </a:solidFill>
+                <a:latin typeface="Abadi" panose="020B0604020202020204" pitchFamily="34" charset="0"/>
+              </a:rPr>
+              <a:t>	Canons : []</a:t>
+            </a:r>
+            <a:endParaRPr lang="en-GB" sz="1800" dirty="0"/>
+          </a:p>
+        </p:txBody>
+      </p:sp>
+      <p:sp>
+        <p:nvSpPr>
+          <p:cNvPr id="4" name="Espace réservé de la date 3">
+            <a:extLst>
+              <a:ext uri="{FF2B5EF4-FFF2-40B4-BE49-F238E27FC236}">
+                <a16:creationId xmlns:a16="http://schemas.microsoft.com/office/drawing/2014/main" id="{D657E587-FC87-40DC-87B0-F0495AF0002F}"/>
+              </a:ext>
+            </a:extLst>
+          </p:cNvPr>
+          <p:cNvSpPr>
+            <a:spLocks noGrp="1"/>
+          </p:cNvSpPr>
+          <p:nvPr>
+            <p:ph type="dt" sz="half" idx="10"/>
+          </p:nvPr>
+        </p:nvSpPr>
+        <p:spPr/>
+        <p:txBody>
+          <a:bodyPr/>
+          <a:lstStyle/>
+          <a:p>
+            <a:r>
+              <a:rPr lang="en-US"/>
+              <a:t>MCR</a:t>
+            </a:r>
+            <a:endParaRPr lang="fr-CH" dirty="0"/>
+          </a:p>
+        </p:txBody>
+      </p:sp>
+      <p:sp>
+        <p:nvSpPr>
+          <p:cNvPr id="5" name="Espace réservé du numéro de diapositive 4">
+            <a:extLst>
+              <a:ext uri="{FF2B5EF4-FFF2-40B4-BE49-F238E27FC236}">
+                <a16:creationId xmlns:a16="http://schemas.microsoft.com/office/drawing/2014/main" id="{77CC78E4-F705-4041-B0DD-0F3417769DAA}"/>
+              </a:ext>
+            </a:extLst>
+          </p:cNvPr>
+          <p:cNvSpPr>
+            <a:spLocks noGrp="1"/>
+          </p:cNvSpPr>
+          <p:nvPr>
+            <p:ph type="sldNum" sz="quarter" idx="12"/>
+          </p:nvPr>
+        </p:nvSpPr>
+        <p:spPr/>
+        <p:txBody>
+          <a:bodyPr/>
+          <a:lstStyle/>
+          <a:p>
+            <a:fld id="{B63C7C81-6BE5-43EB-AC44-9276CCEDB341}" type="slidenum">
+              <a:rPr lang="fr-CH" smtClean="0"/>
+              <a:pPr/>
+              <a:t>11</a:t>
+            </a:fld>
+            <a:endParaRPr lang="fr-CH" dirty="0"/>
+          </a:p>
+        </p:txBody>
+      </p:sp>
+    </p:spTree>
+    <p:extLst>
+      <p:ext uri="{BB962C8B-B14F-4D97-AF65-F5344CB8AC3E}">
+        <p14:creationId xmlns:p14="http://schemas.microsoft.com/office/powerpoint/2010/main" val="4105288342"/>
+      </p:ext>
+    </p:extLst>
+  </p:cSld>
+  <p:clrMapOvr>
+    <a:masterClrMapping/>
+  </p:clrMapOvr>
+</p:sld>
+</file>
+
+<file path=ppt/slides/slide12.xml><?xml version="1.0" encoding="utf-8"?>
+<p:sld xmlns:a="http://schemas.openxmlformats.org/drawingml/2006/main" xmlns:r="http://schemas.openxmlformats.org/officeDocument/2006/relationships" xmlns:p="http://schemas.openxmlformats.org/presentationml/2006/main">
+  <p:cSld>
+    <p:spTree>
+      <p:nvGrpSpPr>
+        <p:cNvPr id="1" name=""/>
+        <p:cNvGrpSpPr/>
+        <p:nvPr/>
+      </p:nvGrpSpPr>
+      <p:grpSpPr>
+        <a:xfrm>
+          <a:off x="0" y="0"/>
+          <a:ext cx="0" cy="0"/>
+          <a:chOff x="0" y="0"/>
+          <a:chExt cx="0" cy="0"/>
+        </a:xfrm>
+      </p:grpSpPr>
+      <p:sp>
+        <p:nvSpPr>
+          <p:cNvPr id="2" name="Titre 1">
+            <a:extLst>
+              <a:ext uri="{FF2B5EF4-FFF2-40B4-BE49-F238E27FC236}">
+                <a16:creationId xmlns:a16="http://schemas.microsoft.com/office/drawing/2014/main" id="{716DFB25-9897-4886-A69F-FE480C87A3E6}"/>
+              </a:ext>
+            </a:extLst>
+          </p:cNvPr>
+          <p:cNvSpPr>
+            <a:spLocks noGrp="1"/>
+          </p:cNvSpPr>
+          <p:nvPr>
+            <p:ph type="ctrTitle"/>
+          </p:nvPr>
+        </p:nvSpPr>
+        <p:spPr>
+          <a:xfrm>
+            <a:off x="1524000" y="554709"/>
+            <a:ext cx="9144000" cy="2000190"/>
+          </a:xfrm>
+        </p:spPr>
+        <p:txBody>
+          <a:bodyPr/>
+          <a:lstStyle/>
+          <a:p>
+            <a:r>
+              <a:rPr lang="fr-CH" dirty="0"/>
+              <a:t>Conclusion</a:t>
+            </a:r>
+          </a:p>
+        </p:txBody>
+      </p:sp>
+      <p:sp>
+        <p:nvSpPr>
+          <p:cNvPr id="3" name="Sous-titre 2">
+            <a:extLst>
+              <a:ext uri="{FF2B5EF4-FFF2-40B4-BE49-F238E27FC236}">
+                <a16:creationId xmlns:a16="http://schemas.microsoft.com/office/drawing/2014/main" id="{E60EC507-9C18-4346-82CF-91B2AE18647C}"/>
+              </a:ext>
+            </a:extLst>
+          </p:cNvPr>
+          <p:cNvSpPr>
+            <a:spLocks noGrp="1"/>
+          </p:cNvSpPr>
+          <p:nvPr>
+            <p:ph type="subTitle" idx="1"/>
+          </p:nvPr>
+        </p:nvSpPr>
+        <p:spPr/>
+        <p:txBody>
+          <a:bodyPr/>
+          <a:lstStyle/>
+          <a:p>
+            <a:endParaRPr lang="fr-CH"/>
+          </a:p>
+        </p:txBody>
+      </p:sp>
+    </p:spTree>
+    <p:extLst>
+      <p:ext uri="{BB962C8B-B14F-4D97-AF65-F5344CB8AC3E}">
+        <p14:creationId xmlns:p14="http://schemas.microsoft.com/office/powerpoint/2010/main" val="3733636677"/>
+      </p:ext>
+    </p:extLst>
+  </p:cSld>
+  <p:clrMapOvr>
+    <a:masterClrMapping/>
+  </p:clrMapOvr>
+</p:sld>
+</file>
+
+<file path=ppt/slides/slide13.xml><?xml version="1.0" encoding="utf-8"?>
+<p:sld xmlns:a="http://schemas.openxmlformats.org/drawingml/2006/main" xmlns:r="http://schemas.openxmlformats.org/officeDocument/2006/relationships" xmlns:p="http://schemas.openxmlformats.org/presentationml/2006/main">
+  <p:cSld>
+    <p:spTree>
+      <p:nvGrpSpPr>
+        <p:cNvPr id="1" name=""/>
+        <p:cNvGrpSpPr/>
+        <p:nvPr/>
+      </p:nvGrpSpPr>
+      <p:grpSpPr>
+        <a:xfrm>
+          <a:off x="0" y="0"/>
+          <a:ext cx="0" cy="0"/>
+          <a:chOff x="0" y="0"/>
+          <a:chExt cx="0" cy="0"/>
+        </a:xfrm>
+      </p:grpSpPr>
+      <p:sp>
+        <p:nvSpPr>
+          <p:cNvPr id="2" name="Titre 1">
+            <a:extLst>
+              <a:ext uri="{FF2B5EF4-FFF2-40B4-BE49-F238E27FC236}">
+                <a16:creationId xmlns:a16="http://schemas.microsoft.com/office/drawing/2014/main" id="{83E62587-397F-4550-97AB-939D095005B4}"/>
+              </a:ext>
+            </a:extLst>
+          </p:cNvPr>
+          <p:cNvSpPr>
+            <a:spLocks noGrp="1"/>
+          </p:cNvSpPr>
+          <p:nvPr>
+            <p:ph type="title"/>
+          </p:nvPr>
+        </p:nvSpPr>
+        <p:spPr/>
+        <p:txBody>
+          <a:bodyPr/>
+          <a:lstStyle/>
+          <a:p>
+            <a:r>
+              <a:rPr lang="fr-CH" dirty="0"/>
+              <a:t>Sources</a:t>
+            </a:r>
+          </a:p>
+        </p:txBody>
+      </p:sp>
+      <p:sp>
+        <p:nvSpPr>
+          <p:cNvPr id="3" name="Espace réservé du contenu 2">
+            <a:extLst>
+              <a:ext uri="{FF2B5EF4-FFF2-40B4-BE49-F238E27FC236}">
+                <a16:creationId xmlns:a16="http://schemas.microsoft.com/office/drawing/2014/main" id="{0538A004-E640-413F-B847-CAEC36FB7CDB}"/>
+              </a:ext>
+            </a:extLst>
+          </p:cNvPr>
+          <p:cNvSpPr>
+            <a:spLocks noGrp="1"/>
+          </p:cNvSpPr>
+          <p:nvPr>
+            <p:ph idx="1"/>
+          </p:nvPr>
+        </p:nvSpPr>
+        <p:spPr/>
+        <p:txBody>
+          <a:bodyPr/>
+          <a:lstStyle/>
+          <a:p>
+            <a:r>
+              <a:rPr lang="en-GB" b="1" i="1" dirty="0"/>
+              <a:t>Design Patterns: Elements of Reusable Object-Oriented Software.</a:t>
+            </a:r>
+            <a:r>
+              <a:rPr lang="en-GB" i="1" dirty="0"/>
+              <a:t> </a:t>
+            </a:r>
+            <a:br>
+              <a:rPr lang="en-GB" dirty="0"/>
+            </a:br>
+            <a:r>
+              <a:rPr lang="en-GB" i="1" dirty="0"/>
+              <a:t>    Erich Gamma, Richard Helm, Ralph Johnson, John </a:t>
+            </a:r>
+            <a:r>
+              <a:rPr lang="en-GB" i="1" dirty="0" err="1"/>
+              <a:t>Vlissides</a:t>
+            </a:r>
+            <a:r>
+              <a:rPr lang="en-GB" i="1" dirty="0"/>
+              <a:t>. </a:t>
+            </a:r>
+            <a:br>
+              <a:rPr lang="en-GB" dirty="0"/>
+            </a:br>
+            <a:r>
+              <a:rPr lang="en-GB" i="1" dirty="0"/>
+              <a:t>    Published October 1994.</a:t>
+            </a:r>
+            <a:endParaRPr lang="fr-CH" dirty="0">
+              <a:hlinkClick r:id="rId2"/>
+            </a:endParaRPr>
+          </a:p>
+          <a:p>
+            <a:r>
+              <a:rPr lang="fr-CH" dirty="0">
+                <a:hlinkClick r:id="rId2"/>
+              </a:rPr>
+              <a:t>https://blog.xebia.fr/2016/12/28/design-pattern-builder-et-builder-sont-dans-un-bateau/</a:t>
+            </a:r>
+            <a:endParaRPr lang="fr-CH" dirty="0"/>
+          </a:p>
+          <a:p>
+            <a:r>
+              <a:rPr lang="fr-CH" dirty="0">
+                <a:hlinkClick r:id="rId3"/>
+              </a:rPr>
+              <a:t>https://www.tutorialspoint.com/design_pattern/builder_pattern.htm</a:t>
+            </a:r>
+            <a:endParaRPr lang="fr-CH" dirty="0"/>
+          </a:p>
+        </p:txBody>
+      </p:sp>
+      <p:sp>
+        <p:nvSpPr>
+          <p:cNvPr id="4" name="Espace réservé de la date 3">
+            <a:extLst>
+              <a:ext uri="{FF2B5EF4-FFF2-40B4-BE49-F238E27FC236}">
+                <a16:creationId xmlns:a16="http://schemas.microsoft.com/office/drawing/2014/main" id="{F91295C2-0BA4-4C1C-A593-968A6EB41D8B}"/>
+              </a:ext>
+            </a:extLst>
+          </p:cNvPr>
+          <p:cNvSpPr>
+            <a:spLocks noGrp="1"/>
+          </p:cNvSpPr>
+          <p:nvPr>
+            <p:ph type="dt" sz="half" idx="10"/>
+          </p:nvPr>
+        </p:nvSpPr>
+        <p:spPr/>
+        <p:txBody>
+          <a:bodyPr/>
+          <a:lstStyle/>
+          <a:p>
+            <a:r>
+              <a:rPr lang="en-US"/>
+              <a:t>MCR</a:t>
+            </a:r>
+            <a:endParaRPr lang="fr-CH" dirty="0"/>
+          </a:p>
+        </p:txBody>
+      </p:sp>
+      <p:sp>
+        <p:nvSpPr>
+          <p:cNvPr id="5" name="Espace réservé du numéro de diapositive 4">
+            <a:extLst>
+              <a:ext uri="{FF2B5EF4-FFF2-40B4-BE49-F238E27FC236}">
+                <a16:creationId xmlns:a16="http://schemas.microsoft.com/office/drawing/2014/main" id="{B50127C9-D407-4A45-BB87-03D51582A954}"/>
+              </a:ext>
+            </a:extLst>
+          </p:cNvPr>
+          <p:cNvSpPr>
+            <a:spLocks noGrp="1"/>
+          </p:cNvSpPr>
+          <p:nvPr>
+            <p:ph type="sldNum" sz="quarter" idx="12"/>
+          </p:nvPr>
+        </p:nvSpPr>
+        <p:spPr/>
+        <p:txBody>
+          <a:bodyPr/>
+          <a:lstStyle/>
+          <a:p>
+            <a:fld id="{B63C7C81-6BE5-43EB-AC44-9276CCEDB341}" type="slidenum">
+              <a:rPr lang="fr-CH" smtClean="0"/>
+              <a:pPr/>
+              <a:t>13</a:t>
+            </a:fld>
+            <a:endParaRPr lang="fr-CH" dirty="0"/>
+          </a:p>
+        </p:txBody>
+      </p:sp>
+    </p:spTree>
+    <p:extLst>
+      <p:ext uri="{BB962C8B-B14F-4D97-AF65-F5344CB8AC3E}">
+        <p14:creationId xmlns:p14="http://schemas.microsoft.com/office/powerpoint/2010/main" val="1741488990"/>
       </p:ext>
     </p:extLst>
   </p:cSld>
@@ -3912,7 +7350,7 @@
           <p:cNvPr id="2" name="Titre 1">
             <a:extLst>
               <a:ext uri="{FF2B5EF4-FFF2-40B4-BE49-F238E27FC236}">
-                <a16:creationId xmlns:a16="http://schemas.microsoft.com/office/drawing/2014/main" id="{F44E6486-A791-4AD7-9CD6-9D1A106F4ED5}"/>
+                <a16:creationId xmlns:a16="http://schemas.microsoft.com/office/drawing/2014/main" id="{6CF634AD-F0DE-4944-AEE2-6CEEB3DC566B}"/>
               </a:ext>
             </a:extLst>
           </p:cNvPr>
@@ -3928,7 +7366,11 @@
           <a:bodyPr/>
           <a:lstStyle/>
           <a:p>
-            <a:endParaRPr lang="fr-CH" dirty="0"/>
+            <a:r>
+              <a:rPr lang="fr-CH" dirty="0"/>
+              <a:t>Monteur</a:t>
+            </a:r>
+            <a:endParaRPr lang="en-GB" dirty="0"/>
           </a:p>
         </p:txBody>
       </p:sp>
@@ -3937,7 +7379,7 @@
           <p:cNvPr id="3" name="Espace réservé du contenu 2">
             <a:extLst>
               <a:ext uri="{FF2B5EF4-FFF2-40B4-BE49-F238E27FC236}">
-                <a16:creationId xmlns:a16="http://schemas.microsoft.com/office/drawing/2014/main" id="{4AA7CA45-779E-4D35-B52C-235DCECD8E47}"/>
+                <a16:creationId xmlns:a16="http://schemas.microsoft.com/office/drawing/2014/main" id="{866C159E-D4E9-41EA-87DF-14F920576498}"/>
               </a:ext>
             </a:extLst>
           </p:cNvPr>
@@ -3948,10 +7390,15 @@
             <p:ph idx="1"/>
           </p:nvPr>
         </p:nvSpPr>
-        <p:spPr/>
+        <p:spPr>
+          <a:xfrm>
+            <a:off x="365760" y="1323576"/>
+            <a:ext cx="11467652" cy="4851083"/>
+          </a:xfrm>
+        </p:spPr>
         <p:txBody>
           <a:bodyPr>
-            <a:normAutofit fontScale="62500" lnSpcReduction="20000"/>
+            <a:normAutofit/>
           </a:bodyPr>
           <a:lstStyle/>
           <a:p>
@@ -3961,121 +7408,122 @@
             </a:r>
           </a:p>
           <a:p>
+            <a:r>
+              <a:rPr lang="fr-CH" dirty="0"/>
+              <a:t>Intention</a:t>
+            </a:r>
+          </a:p>
+          <a:p>
+            <a:pPr lvl="1"/>
+            <a:r>
+              <a:rPr lang="fr-CH" dirty="0"/>
+              <a:t>Dissocier la construction d’un objet de sa représentation, afin de pouvoir créer des </a:t>
+            </a:r>
+            <a:r>
+              <a:rPr lang="fr-CH" dirty="0">
+                <a:solidFill>
+                  <a:srgbClr val="FC5F10"/>
+                </a:solidFill>
+              </a:rPr>
+              <a:t>représentations différentes </a:t>
+            </a:r>
+            <a:r>
+              <a:rPr lang="fr-CH" dirty="0"/>
+              <a:t>à l’aide d’un seul et même processus de construction.</a:t>
+            </a:r>
+          </a:p>
+          <a:p>
+            <a:r>
+              <a:rPr lang="fr-CH" dirty="0"/>
+              <a:t>Motivation</a:t>
+            </a:r>
+            <a:endParaRPr lang="en-GB" dirty="0"/>
+          </a:p>
+          <a:p>
+            <a:pPr lvl="1"/>
+            <a:r>
+              <a:rPr lang="fr-CH" dirty="0"/>
+              <a:t>Permet à un client de construire un objet complexe en spécifiant uniquement son type sans se soucier des détails de son implémentation.</a:t>
+            </a:r>
+          </a:p>
+          <a:p>
+            <a:pPr lvl="1"/>
+            <a:r>
+              <a:rPr lang="fr-CH" dirty="0"/>
+              <a:t>Permet à un client de construire un objet complexe par étape. Très pratique pour créer par étape des objets qui devront par la suite être immuables (ex: </a:t>
+            </a:r>
+            <a:r>
+              <a:rPr lang="fr-CH" dirty="0" err="1"/>
+              <a:t>StringBuilder</a:t>
+            </a:r>
+            <a:r>
+              <a:rPr lang="fr-CH" dirty="0"/>
+              <a:t>).</a:t>
+            </a:r>
+          </a:p>
+          <a:p>
+            <a:pPr marL="0" indent="0">
+              <a:buNone/>
+            </a:pPr>
             <a:endParaRPr lang="fr-CH" dirty="0"/>
           </a:p>
-          <a:p>
-            <a:r>
-              <a:rPr lang="fr-CH" dirty="0"/>
-              <a:t>Intention:</a:t>
-            </a:r>
-          </a:p>
-          <a:p>
-            <a:pPr lvl="1"/>
-            <a:r>
-              <a:rPr lang="fr-CH" dirty="0"/>
-              <a:t>Définit un instance afin de créer un objet mais «délègue» la décisions d’instanciation de celui-ci à ses sous classes.</a:t>
-            </a:r>
-          </a:p>
-          <a:p>
-            <a:pPr lvl="1"/>
-            <a:r>
-              <a:rPr lang="fr-CH" dirty="0"/>
-              <a:t>Visualisation d’un objet nouvellement créé depuis une interface commune (liaison dynamique). </a:t>
-            </a:r>
-          </a:p>
-          <a:p>
-            <a:pPr lvl="1"/>
-            <a:r>
-              <a:rPr lang="fr-CH" dirty="0"/>
-              <a:t>Sépare la construction d’un objet complexe de sa représentation afin d’obtenir un processus de création commune pour obtenir </a:t>
-            </a:r>
-            <a:r>
-              <a:rPr lang="fr-CH" dirty="0">
-                <a:solidFill>
-                  <a:schemeClr val="accent2"/>
-                </a:solidFill>
-              </a:rPr>
-              <a:t>différentes représentations</a:t>
-            </a:r>
-            <a:r>
-              <a:rPr lang="fr-CH" dirty="0"/>
-              <a:t>. ++</a:t>
-            </a:r>
-          </a:p>
-          <a:p>
-            <a:pPr lvl="1"/>
-            <a:r>
-              <a:rPr lang="fr-CH" dirty="0"/>
-              <a:t>Création d’un objet sous différentes représentations. </a:t>
-            </a:r>
-          </a:p>
-          <a:p>
-            <a:r>
-              <a:rPr lang="fr-CH" dirty="0"/>
-              <a:t>Motivation:</a:t>
-            </a:r>
-          </a:p>
-          <a:p>
-            <a:pPr lvl="1"/>
-            <a:r>
-              <a:rPr lang="fr-CH" dirty="0"/>
-              <a:t>Encapsulation de la création et de l’assemblage d’objets.</a:t>
-            </a:r>
-          </a:p>
-          <a:p>
-            <a:pPr lvl="1"/>
-            <a:r>
-              <a:rPr lang="fr-CH" dirty="0"/>
-              <a:t>Permet à un client de construire un objet complexe en spécifiant uniquement son type(donc son contenu) sans ce soucier des détails de la représentation. (Pas de constructeurs avec un nombre de paramètre infini)</a:t>
-            </a:r>
-          </a:p>
-          <a:p>
-            <a:pPr lvl="1"/>
-            <a:r>
-              <a:rPr lang="fr-CH" dirty="0"/>
-              <a:t>Ajout de nouveaux types d’objets simplifié par la réutilisation de la structure logique du processus de création.</a:t>
-            </a:r>
-          </a:p>
-          <a:p>
-            <a:pPr lvl="1"/>
-            <a:r>
-              <a:rPr lang="fr-CH" dirty="0"/>
-              <a:t>Indépendance de l’algorithme de création de l’objet et de ses parties qui le compose.</a:t>
-            </a:r>
-          </a:p>
-          <a:p>
-            <a:pPr lvl="1"/>
-            <a:r>
-              <a:rPr lang="fr-CH" dirty="0"/>
-              <a:t>Un objet peut avoir diverses représentation pendant son processus de création.</a:t>
-            </a:r>
-          </a:p>
-          <a:p>
-            <a:r>
-              <a:rPr lang="fr-CH" dirty="0"/>
-              <a:t>Cas d’utilisation:</a:t>
-            </a:r>
-          </a:p>
-          <a:p>
-            <a:pPr lvl="1"/>
-            <a:r>
-              <a:rPr lang="fr-CH" dirty="0"/>
-              <a:t>Le processus d’de construction nécessite différentes représentation pour l’objet qui est construit</a:t>
-            </a:r>
-          </a:p>
-          <a:p>
-            <a:pPr lvl="1"/>
-            <a:r>
-              <a:rPr lang="fr-CH" dirty="0"/>
-              <a:t>L’algorithme de création d’un objet complexe sont indépendante du constituant de l’objet et de son assemblage</a:t>
-            </a:r>
-          </a:p>
-          <a:p>
-            <a:pPr lvl="1"/>
+        </p:txBody>
+      </p:sp>
+      <p:sp>
+        <p:nvSpPr>
+          <p:cNvPr id="4" name="Espace réservé de la date 3">
+            <a:extLst>
+              <a:ext uri="{FF2B5EF4-FFF2-40B4-BE49-F238E27FC236}">
+                <a16:creationId xmlns:a16="http://schemas.microsoft.com/office/drawing/2014/main" id="{277BB8B6-CAF4-45FF-82F2-74086B5B26C2}"/>
+              </a:ext>
+            </a:extLst>
+          </p:cNvPr>
+          <p:cNvSpPr>
+            <a:spLocks noGrp="1"/>
+          </p:cNvSpPr>
+          <p:nvPr>
+            <p:ph type="dt" sz="half" idx="10"/>
+          </p:nvPr>
+        </p:nvSpPr>
+        <p:spPr/>
+        <p:txBody>
+          <a:bodyPr/>
+          <a:lstStyle/>
+          <a:p>
+            <a:r>
+              <a:rPr lang="en-US" dirty="0"/>
+              <a:t>MCR</a:t>
+            </a:r>
             <a:endParaRPr lang="fr-CH" dirty="0"/>
           </a:p>
-          <a:p>
-            <a:pPr lvl="1"/>
+        </p:txBody>
+      </p:sp>
+      <p:sp>
+        <p:nvSpPr>
+          <p:cNvPr id="5" name="Espace réservé du numéro de diapositive 4">
+            <a:extLst>
+              <a:ext uri="{FF2B5EF4-FFF2-40B4-BE49-F238E27FC236}">
+                <a16:creationId xmlns:a16="http://schemas.microsoft.com/office/drawing/2014/main" id="{851AD761-1735-4B4F-B750-31E4DF7CB7AF}"/>
+              </a:ext>
+            </a:extLst>
+          </p:cNvPr>
+          <p:cNvSpPr>
+            <a:spLocks noGrp="1"/>
+          </p:cNvSpPr>
+          <p:nvPr>
+            <p:ph type="sldNum" sz="quarter" idx="12"/>
+          </p:nvPr>
+        </p:nvSpPr>
+        <p:spPr/>
+        <p:txBody>
+          <a:bodyPr/>
+          <a:lstStyle/>
+          <a:p>
+            <a:fld id="{B63C7C81-6BE5-43EB-AC44-9276CCEDB341}" type="slidenum">
+              <a:rPr lang="fr-CH" smtClean="0"/>
+              <a:pPr/>
+              <a:t>2</a:t>
+            </a:fld>
             <a:endParaRPr lang="fr-CH" dirty="0"/>
           </a:p>
         </p:txBody>
@@ -4083,7 +7531,7 @@
     </p:spTree>
     <p:extLst>
       <p:ext uri="{BB962C8B-B14F-4D97-AF65-F5344CB8AC3E}">
-        <p14:creationId xmlns:p14="http://schemas.microsoft.com/office/powerpoint/2010/main" val="3957248241"/>
+        <p14:creationId xmlns:p14="http://schemas.microsoft.com/office/powerpoint/2010/main" val="194401797"/>
       </p:ext>
     </p:extLst>
   </p:cSld>
@@ -4115,7 +7563,7 @@
           <p:cNvPr id="2" name="Titre 1">
             <a:extLst>
               <a:ext uri="{FF2B5EF4-FFF2-40B4-BE49-F238E27FC236}">
-                <a16:creationId xmlns:a16="http://schemas.microsoft.com/office/drawing/2014/main" id="{2A8E311B-F6AD-4A34-95C9-7839AC555ADB}"/>
+                <a16:creationId xmlns:a16="http://schemas.microsoft.com/office/drawing/2014/main" id="{F85EFE89-E500-43B1-BCF5-6B89478C2E10}"/>
               </a:ext>
             </a:extLst>
           </p:cNvPr>
@@ -4131,7 +7579,11 @@
           <a:bodyPr/>
           <a:lstStyle/>
           <a:p>
-            <a:endParaRPr lang="fr-CH"/>
+            <a:r>
+              <a:rPr lang="fr-CH" dirty="0"/>
+              <a:t>Monteur (2)</a:t>
+            </a:r>
+            <a:endParaRPr lang="en-GB" dirty="0"/>
           </a:p>
         </p:txBody>
       </p:sp>
@@ -4140,7 +7592,7 @@
           <p:cNvPr id="3" name="Espace réservé du contenu 2">
             <a:extLst>
               <a:ext uri="{FF2B5EF4-FFF2-40B4-BE49-F238E27FC236}">
-                <a16:creationId xmlns:a16="http://schemas.microsoft.com/office/drawing/2014/main" id="{3F4CE33A-B69D-4BA6-9CC2-FB05EFA0EA44}"/>
+                <a16:creationId xmlns:a16="http://schemas.microsoft.com/office/drawing/2014/main" id="{B837A078-F1B6-448F-880D-DC4D65601882}"/>
               </a:ext>
             </a:extLst>
           </p:cNvPr>
@@ -4151,90 +7603,170 @@
             <p:ph idx="1"/>
           </p:nvPr>
         </p:nvSpPr>
-        <p:spPr/>
+        <p:spPr>
+          <a:xfrm>
+            <a:off x="461176" y="1344168"/>
+            <a:ext cx="11269648" cy="4994845"/>
+          </a:xfrm>
+        </p:spPr>
         <p:txBody>
           <a:bodyPr>
-            <a:normAutofit fontScale="85000" lnSpcReduction="20000"/>
+            <a:noAutofit/>
           </a:bodyPr>
           <a:lstStyle/>
           <a:p>
             <a:r>
               <a:rPr lang="fr-CH" dirty="0"/>
-              <a:t>Constituants</a:t>
+              <a:t>Cas d’utilisation:</a:t>
             </a:r>
           </a:p>
           <a:p>
             <a:pPr lvl="1"/>
             <a:r>
               <a:rPr lang="fr-CH" dirty="0"/>
-              <a:t>Directeur: Classe qui construit des objets complexes utilisant un Monteur. (prends un Monteur en paramètre de constructeur). Son constructeur a pour but d’appeler les bonnes méthodes  du Monteur Concret)</a:t>
+              <a:t>Le processus de construction doit autoriser des représentations différentes de l’objet qui est construit.</a:t>
             </a:r>
           </a:p>
           <a:p>
             <a:pPr lvl="1"/>
+            <a:r>
+              <a:rPr lang="fr-CH" dirty="0"/>
+              <a:t>L’algorithme de création d’un objet complexe doit être indépendant des parties constituant l’objet et de leur agencement.</a:t>
+            </a:r>
+          </a:p>
+          <a:p>
+            <a:r>
+              <a:rPr lang="fr-CH" dirty="0"/>
+              <a:t>Constituants:</a:t>
+            </a:r>
+          </a:p>
+          <a:p>
+            <a:pPr lvl="1"/>
+            <a:r>
+              <a:rPr lang="fr-CH" dirty="0"/>
+              <a:t>Monteur:</a:t>
+            </a:r>
+          </a:p>
+          <a:p>
+            <a:pPr lvl="2"/>
+            <a:r>
+              <a:rPr lang="fr-CH" dirty="0"/>
+              <a:t> Interface ou classe abstraite permettant de créer des parties d’un produit.</a:t>
+            </a:r>
+          </a:p>
+          <a:p>
+            <a:pPr lvl="1"/>
+            <a:r>
+              <a:rPr lang="fr-CH" dirty="0"/>
+              <a:t>Monteur Concret: </a:t>
+            </a:r>
+          </a:p>
+          <a:p>
+            <a:pPr lvl="2"/>
+            <a:r>
+              <a:rPr lang="fr-CH" dirty="0"/>
+              <a:t>Construit et assemble des parties du produit en implémentant l’interface </a:t>
+            </a:r>
+            <a:r>
+              <a:rPr lang="fr-CH" dirty="0">
+                <a:solidFill>
+                  <a:schemeClr val="accent1">
+                    <a:lumMod val="75000"/>
+                  </a:schemeClr>
+                </a:solidFill>
+              </a:rPr>
+              <a:t>Monteur</a:t>
+            </a:r>
+            <a:r>
+              <a:rPr lang="fr-CH" dirty="0"/>
+              <a:t>.</a:t>
+            </a:r>
+          </a:p>
+          <a:p>
+            <a:pPr lvl="2"/>
+            <a:r>
+              <a:rPr lang="fr-CH" dirty="0"/>
+              <a:t>Définit et garde une trace de la représentation (le produit) qu’il crée.</a:t>
+            </a:r>
+          </a:p>
+          <a:p>
+            <a:pPr lvl="2"/>
+            <a:r>
+              <a:rPr lang="fr-CH" dirty="0"/>
+              <a:t>Offre une interface pour récupérer le produit final.</a:t>
+            </a:r>
+          </a:p>
+          <a:p>
+            <a:pPr marL="914400" lvl="2" indent="0">
+              <a:buNone/>
+            </a:pPr>
             <a:endParaRPr lang="fr-CH" dirty="0"/>
           </a:p>
-          <a:p>
-            <a:pPr lvl="1"/>
-            <a:r>
-              <a:rPr lang="fr-CH" dirty="0"/>
-              <a:t>Monteur: Interface pour créer des «parts»  d’un produits.</a:t>
-            </a:r>
-          </a:p>
-          <a:p>
-            <a:pPr lvl="1"/>
+        </p:txBody>
+      </p:sp>
+      <p:sp>
+        <p:nvSpPr>
+          <p:cNvPr id="4" name="Espace réservé de la date 3">
+            <a:extLst>
+              <a:ext uri="{FF2B5EF4-FFF2-40B4-BE49-F238E27FC236}">
+                <a16:creationId xmlns:a16="http://schemas.microsoft.com/office/drawing/2014/main" id="{19988F9E-8951-4527-950A-8F5D7C4B0206}"/>
+              </a:ext>
+            </a:extLst>
+          </p:cNvPr>
+          <p:cNvSpPr>
+            <a:spLocks noGrp="1"/>
+          </p:cNvSpPr>
+          <p:nvPr>
+            <p:ph type="dt" sz="half" idx="10"/>
+          </p:nvPr>
+        </p:nvSpPr>
+        <p:spPr/>
+        <p:txBody>
+          <a:bodyPr/>
+          <a:lstStyle/>
+          <a:p>
+            <a:r>
+              <a:rPr lang="en-US" dirty="0"/>
+              <a:t>MCR</a:t>
+            </a:r>
             <a:endParaRPr lang="fr-CH" dirty="0"/>
           </a:p>
-          <a:p>
-            <a:pPr lvl="1"/>
-            <a:r>
-              <a:rPr lang="fr-CH" dirty="0"/>
-              <a:t>Monteur Concret: Fournit l’implémentation du Monteur (héritage). Cet objet à pour but de construire  et d’assembler des «parts» pour construire le produit. </a:t>
-            </a:r>
-            <a:br>
-              <a:rPr lang="fr-CH" dirty="0"/>
-            </a:br>
-            <a:r>
-              <a:rPr lang="fr-CH" dirty="0"/>
-              <a:t>	=&gt; Définit la représentation du produit qu’il crée.</a:t>
-            </a:r>
-            <a:br>
-              <a:rPr lang="fr-CH" dirty="0"/>
-            </a:br>
-            <a:r>
-              <a:rPr lang="fr-CH" dirty="0"/>
-              <a:t>	=&gt; Offre une interface pour retrouver le produit.</a:t>
-            </a:r>
-            <a:endParaRPr lang="fr-CH" u="sng" dirty="0"/>
-          </a:p>
-          <a:p>
-            <a:pPr lvl="1"/>
+        </p:txBody>
+      </p:sp>
+      <p:sp>
+        <p:nvSpPr>
+          <p:cNvPr id="5" name="Espace réservé du numéro de diapositive 4">
+            <a:extLst>
+              <a:ext uri="{FF2B5EF4-FFF2-40B4-BE49-F238E27FC236}">
+                <a16:creationId xmlns:a16="http://schemas.microsoft.com/office/drawing/2014/main" id="{01DCC280-1199-43B9-A2CE-D3A68B6F2952}"/>
+              </a:ext>
+            </a:extLst>
+          </p:cNvPr>
+          <p:cNvSpPr>
+            <a:spLocks noGrp="1"/>
+          </p:cNvSpPr>
+          <p:nvPr>
+            <p:ph type="sldNum" sz="quarter" idx="12"/>
+          </p:nvPr>
+        </p:nvSpPr>
+        <p:spPr/>
+        <p:txBody>
+          <a:bodyPr/>
+          <a:lstStyle/>
+          <a:p>
+            <a:fld id="{B63C7C81-6BE5-43EB-AC44-9276CCEDB341}" type="slidenum">
+              <a:rPr lang="fr-CH" smtClean="0"/>
+              <a:pPr/>
+              <a:t>3</a:t>
+            </a:fld>
             <a:endParaRPr lang="fr-CH" dirty="0"/>
-          </a:p>
-          <a:p>
-            <a:pPr lvl="1"/>
-            <a:r>
-              <a:rPr lang="fr-CH" dirty="0"/>
-              <a:t>Produit: Représente l’objet complexe à construire</a:t>
-            </a:r>
-          </a:p>
-          <a:p>
-            <a:pPr lvl="1"/>
-            <a:endParaRPr lang="fr-CH" dirty="0"/>
-          </a:p>
-          <a:p>
-            <a:pPr lvl="1"/>
-            <a:r>
-              <a:rPr lang="fr-CH" dirty="0"/>
-              <a:t>Client: Utilisateur qui à besoin de construire des objets, initialise le Directeur et le Monteur.</a:t>
-            </a:r>
           </a:p>
         </p:txBody>
       </p:sp>
     </p:spTree>
     <p:extLst>
       <p:ext uri="{BB962C8B-B14F-4D97-AF65-F5344CB8AC3E}">
-        <p14:creationId xmlns:p14="http://schemas.microsoft.com/office/powerpoint/2010/main" val="2408836625"/>
+        <p14:creationId xmlns:p14="http://schemas.microsoft.com/office/powerpoint/2010/main" val="2750778110"/>
       </p:ext>
     </p:extLst>
   </p:cSld>
@@ -4266,7 +7798,7 @@
           <p:cNvPr id="2" name="Titre 1">
             <a:extLst>
               <a:ext uri="{FF2B5EF4-FFF2-40B4-BE49-F238E27FC236}">
-                <a16:creationId xmlns:a16="http://schemas.microsoft.com/office/drawing/2014/main" id="{B5AAF2EA-F207-45A3-B290-DED48F736720}"/>
+                <a16:creationId xmlns:a16="http://schemas.microsoft.com/office/drawing/2014/main" id="{4B49779E-9E10-4CBA-B476-09D087FA4AF0}"/>
               </a:ext>
             </a:extLst>
           </p:cNvPr>
@@ -4282,7 +7814,11 @@
           <a:bodyPr/>
           <a:lstStyle/>
           <a:p>
-            <a:endParaRPr lang="fr-CH"/>
+            <a:r>
+              <a:rPr lang="fr-CH" dirty="0"/>
+              <a:t>Monteur (3)</a:t>
+            </a:r>
+            <a:endParaRPr lang="en-GB" dirty="0"/>
           </a:p>
         </p:txBody>
       </p:sp>
@@ -4291,7 +7827,7 @@
           <p:cNvPr id="3" name="Espace réservé du contenu 2">
             <a:extLst>
               <a:ext uri="{FF2B5EF4-FFF2-40B4-BE49-F238E27FC236}">
-                <a16:creationId xmlns:a16="http://schemas.microsoft.com/office/drawing/2014/main" id="{A6A49FB0-3394-41FA-89D2-D739047A60DF}"/>
+                <a16:creationId xmlns:a16="http://schemas.microsoft.com/office/drawing/2014/main" id="{DD8469E1-D132-451C-8AA1-FCD76BA919C7}"/>
               </a:ext>
             </a:extLst>
           </p:cNvPr>
@@ -4302,74 +7838,2457 @@
             <p:ph idx="1"/>
           </p:nvPr>
         </p:nvSpPr>
-        <p:spPr/>
+        <p:spPr>
+          <a:xfrm>
+            <a:off x="461176" y="1344168"/>
+            <a:ext cx="11269648" cy="4832795"/>
+          </a:xfrm>
+        </p:spPr>
         <p:txBody>
           <a:bodyPr/>
           <a:lstStyle/>
           <a:p>
             <a:r>
               <a:rPr lang="fr-CH" dirty="0"/>
-              <a:t>Avantages</a:t>
+              <a:t>Constituants (suite):</a:t>
             </a:r>
           </a:p>
           <a:p>
             <a:pPr lvl="1"/>
             <a:r>
               <a:rPr lang="fr-CH" dirty="0"/>
-              <a:t>Multiple représentation interne d’un produit.</a:t>
-            </a:r>
+              <a:t>Directeur:</a:t>
+            </a:r>
+          </a:p>
+          <a:p>
+            <a:pPr lvl="2"/>
+            <a:r>
+              <a:rPr lang="fr-CH" dirty="0"/>
+              <a:t>Construit un objet en utilisant l’interface de </a:t>
+            </a:r>
+            <a:r>
+              <a:rPr lang="fr-CH" dirty="0">
+                <a:solidFill>
+                  <a:schemeClr val="accent1">
+                    <a:lumMod val="75000"/>
+                  </a:schemeClr>
+                </a:solidFill>
+              </a:rPr>
+              <a:t>Monteur</a:t>
+            </a:r>
+            <a:endParaRPr lang="fr-CH" dirty="0"/>
           </a:p>
           <a:p>
             <a:pPr lvl="1"/>
             <a:r>
               <a:rPr lang="fr-CH" dirty="0"/>
-              <a:t>Encapsulation de code pour la construction et la représentation des ?objets?.</a:t>
+              <a:t>Produit: </a:t>
+            </a:r>
+          </a:p>
+          <a:p>
+            <a:pPr lvl="2"/>
+            <a:r>
+              <a:rPr lang="fr-CH" dirty="0"/>
+              <a:t>Représente l’objet complexe en construction</a:t>
             </a:r>
           </a:p>
           <a:p>
             <a:pPr lvl="1"/>
             <a:r>
               <a:rPr lang="fr-CH" dirty="0"/>
-              <a:t>Les étapes du processus de construction peuvent être contrôlées</a:t>
-            </a:r>
-          </a:p>
-          <a:p>
-            <a:pPr lvl="1"/>
+              <a:t>Client: </a:t>
+            </a:r>
+          </a:p>
+          <a:p>
+            <a:pPr lvl="2"/>
+            <a:r>
+              <a:rPr lang="fr-CH" dirty="0"/>
+              <a:t>Utilisateur qui a besoin de construire des objets, initialise le </a:t>
+            </a:r>
+            <a:r>
+              <a:rPr lang="fr-CH" dirty="0">
+                <a:solidFill>
+                  <a:schemeClr val="accent1">
+                    <a:lumMod val="75000"/>
+                  </a:schemeClr>
+                </a:solidFill>
+              </a:rPr>
+              <a:t>Directeur</a:t>
+            </a:r>
+            <a:r>
+              <a:rPr lang="fr-CH" dirty="0"/>
+              <a:t> et le </a:t>
+            </a:r>
+            <a:r>
+              <a:rPr lang="fr-CH" dirty="0">
+                <a:solidFill>
+                  <a:schemeClr val="accent1">
+                    <a:lumMod val="75000"/>
+                  </a:schemeClr>
+                </a:solidFill>
+              </a:rPr>
+              <a:t>Monteur</a:t>
+            </a:r>
+            <a:r>
+              <a:rPr lang="fr-CH" dirty="0"/>
+              <a:t>.</a:t>
+            </a:r>
+          </a:p>
+          <a:p>
+            <a:pPr lvl="2"/>
             <a:endParaRPr lang="fr-CH" dirty="0"/>
           </a:p>
           <a:p>
             <a:r>
               <a:rPr lang="fr-CH" dirty="0"/>
-              <a:t>Désavantages</a:t>
-            </a:r>
-          </a:p>
-          <a:p>
-            <a:pPr lvl="1"/>
-            <a:r>
-              <a:rPr lang="fr-CH" dirty="0"/>
-              <a:t>Besoin d’un Monteur Concret pour chaque type de produit.</a:t>
-            </a:r>
-          </a:p>
-          <a:p>
-            <a:pPr lvl="1"/>
-            <a:r>
-              <a:rPr lang="fr-CH" dirty="0"/>
-              <a:t>Les classes Monteur doivent avoir des accesseur et des modificateur (getter, setter).</a:t>
-            </a:r>
-          </a:p>
-          <a:p>
-            <a:pPr lvl="1"/>
-            <a:r>
-              <a:rPr lang="fr-CH" dirty="0"/>
-              <a:t>Dépendance entre les «parts» compliquée à mettre en place.</a:t>
-            </a:r>
-          </a:p>
-        </p:txBody>
-      </p:sp>
+              <a:t>Structure:</a:t>
+            </a:r>
+          </a:p>
+          <a:p>
+            <a:endParaRPr lang="en-GB" dirty="0"/>
+          </a:p>
+        </p:txBody>
+      </p:sp>
+      <p:sp>
+        <p:nvSpPr>
+          <p:cNvPr id="4" name="Espace réservé de la date 3">
+            <a:extLst>
+              <a:ext uri="{FF2B5EF4-FFF2-40B4-BE49-F238E27FC236}">
+                <a16:creationId xmlns:a16="http://schemas.microsoft.com/office/drawing/2014/main" id="{D749BB02-C016-4918-A9E1-946F3E8B0D2D}"/>
+              </a:ext>
+            </a:extLst>
+          </p:cNvPr>
+          <p:cNvSpPr>
+            <a:spLocks noGrp="1"/>
+          </p:cNvSpPr>
+          <p:nvPr>
+            <p:ph type="dt" sz="half" idx="10"/>
+          </p:nvPr>
+        </p:nvSpPr>
+        <p:spPr/>
+        <p:txBody>
+          <a:bodyPr/>
+          <a:lstStyle/>
+          <a:p>
+            <a:r>
+              <a:rPr lang="en-US" dirty="0"/>
+              <a:t>MCR</a:t>
+            </a:r>
+            <a:endParaRPr lang="fr-CH" dirty="0"/>
+          </a:p>
+        </p:txBody>
+      </p:sp>
+      <p:sp>
+        <p:nvSpPr>
+          <p:cNvPr id="5" name="Espace réservé du numéro de diapositive 4">
+            <a:extLst>
+              <a:ext uri="{FF2B5EF4-FFF2-40B4-BE49-F238E27FC236}">
+                <a16:creationId xmlns:a16="http://schemas.microsoft.com/office/drawing/2014/main" id="{F8B7B60D-0598-4104-9090-7295D34925DC}"/>
+              </a:ext>
+            </a:extLst>
+          </p:cNvPr>
+          <p:cNvSpPr>
+            <a:spLocks noGrp="1"/>
+          </p:cNvSpPr>
+          <p:nvPr>
+            <p:ph type="sldNum" sz="quarter" idx="12"/>
+          </p:nvPr>
+        </p:nvSpPr>
+        <p:spPr/>
+        <p:txBody>
+          <a:bodyPr/>
+          <a:lstStyle/>
+          <a:p>
+            <a:fld id="{B63C7C81-6BE5-43EB-AC44-9276CCEDB341}" type="slidenum">
+              <a:rPr lang="fr-CH" smtClean="0"/>
+              <a:pPr/>
+              <a:t>4</a:t>
+            </a:fld>
+            <a:endParaRPr lang="fr-CH" dirty="0"/>
+          </a:p>
+        </p:txBody>
+      </p:sp>
+      <p:pic>
+        <p:nvPicPr>
+          <p:cNvPr id="7" name="Image 6">
+            <a:extLst>
+              <a:ext uri="{FF2B5EF4-FFF2-40B4-BE49-F238E27FC236}">
+                <a16:creationId xmlns:a16="http://schemas.microsoft.com/office/drawing/2014/main" id="{D64AB537-D681-4043-A4FA-B6F491BF69AA}"/>
+              </a:ext>
+            </a:extLst>
+          </p:cNvPr>
+          <p:cNvPicPr>
+            <a:picLocks noChangeAspect="1"/>
+          </p:cNvPicPr>
+          <p:nvPr/>
+        </p:nvPicPr>
+        <p:blipFill>
+          <a:blip r:embed="rId3"/>
+          <a:stretch>
+            <a:fillRect/>
+          </a:stretch>
+        </p:blipFill>
+        <p:spPr>
+          <a:xfrm>
+            <a:off x="2936730" y="4139691"/>
+            <a:ext cx="5789283" cy="2199323"/>
+          </a:xfrm>
+          <a:prstGeom prst="rect">
+            <a:avLst/>
+          </a:prstGeom>
+        </p:spPr>
+      </p:pic>
     </p:spTree>
     <p:extLst>
       <p:ext uri="{BB962C8B-B14F-4D97-AF65-F5344CB8AC3E}">
-        <p14:creationId xmlns:p14="http://schemas.microsoft.com/office/powerpoint/2010/main" val="2966366949"/>
+        <p14:creationId xmlns:p14="http://schemas.microsoft.com/office/powerpoint/2010/main" val="881931806"/>
+      </p:ext>
+    </p:extLst>
+  </p:cSld>
+  <p:clrMapOvr>
+    <a:masterClrMapping/>
+  </p:clrMapOvr>
+</p:sld>
+</file>
+
+<file path=ppt/slides/slide5.xml><?xml version="1.0" encoding="utf-8"?>
+<p:sld xmlns:a="http://schemas.openxmlformats.org/drawingml/2006/main" xmlns:r="http://schemas.openxmlformats.org/officeDocument/2006/relationships" xmlns:p="http://schemas.openxmlformats.org/presentationml/2006/main">
+  <p:cSld>
+    <p:spTree>
+      <p:nvGrpSpPr>
+        <p:cNvPr id="1" name=""/>
+        <p:cNvGrpSpPr/>
+        <p:nvPr/>
+      </p:nvGrpSpPr>
+      <p:grpSpPr>
+        <a:xfrm>
+          <a:off x="0" y="0"/>
+          <a:ext cx="0" cy="0"/>
+          <a:chOff x="0" y="0"/>
+          <a:chExt cx="0" cy="0"/>
+        </a:xfrm>
+      </p:grpSpPr>
+      <p:sp>
+        <p:nvSpPr>
+          <p:cNvPr id="2" name="Titre 1">
+            <a:extLst>
+              <a:ext uri="{FF2B5EF4-FFF2-40B4-BE49-F238E27FC236}">
+                <a16:creationId xmlns:a16="http://schemas.microsoft.com/office/drawing/2014/main" id="{ED3A5622-E4FF-413F-968A-9CA6FF43C805}"/>
+              </a:ext>
+            </a:extLst>
+          </p:cNvPr>
+          <p:cNvSpPr>
+            <a:spLocks noGrp="1"/>
+          </p:cNvSpPr>
+          <p:nvPr>
+            <p:ph type="title"/>
+          </p:nvPr>
+        </p:nvSpPr>
+        <p:spPr/>
+        <p:txBody>
+          <a:bodyPr/>
+          <a:lstStyle/>
+          <a:p>
+            <a:r>
+              <a:rPr lang="fr-CH" dirty="0"/>
+              <a:t>Monteur (4)</a:t>
+            </a:r>
+            <a:endParaRPr lang="en-GB" dirty="0"/>
+          </a:p>
+        </p:txBody>
+      </p:sp>
+      <p:sp>
+        <p:nvSpPr>
+          <p:cNvPr id="3" name="Espace réservé du contenu 2">
+            <a:extLst>
+              <a:ext uri="{FF2B5EF4-FFF2-40B4-BE49-F238E27FC236}">
+                <a16:creationId xmlns:a16="http://schemas.microsoft.com/office/drawing/2014/main" id="{1ACE20E3-A3FD-422D-A8D7-F1D33AD6A161}"/>
+              </a:ext>
+            </a:extLst>
+          </p:cNvPr>
+          <p:cNvSpPr>
+            <a:spLocks noGrp="1"/>
+          </p:cNvSpPr>
+          <p:nvPr>
+            <p:ph idx="1"/>
+          </p:nvPr>
+        </p:nvSpPr>
+        <p:spPr/>
+        <p:txBody>
+          <a:bodyPr/>
+          <a:lstStyle/>
+          <a:p>
+            <a:r>
+              <a:rPr lang="fr-CH" dirty="0"/>
+              <a:t>Collaborations:</a:t>
+            </a:r>
+            <a:endParaRPr lang="en-GB" dirty="0"/>
+          </a:p>
+        </p:txBody>
+      </p:sp>
+      <p:sp>
+        <p:nvSpPr>
+          <p:cNvPr id="4" name="Espace réservé de la date 3">
+            <a:extLst>
+              <a:ext uri="{FF2B5EF4-FFF2-40B4-BE49-F238E27FC236}">
+                <a16:creationId xmlns:a16="http://schemas.microsoft.com/office/drawing/2014/main" id="{05776D53-1AA5-482F-B2E8-294DBA8B692A}"/>
+              </a:ext>
+            </a:extLst>
+          </p:cNvPr>
+          <p:cNvSpPr>
+            <a:spLocks noGrp="1"/>
+          </p:cNvSpPr>
+          <p:nvPr>
+            <p:ph type="dt" sz="half" idx="10"/>
+          </p:nvPr>
+        </p:nvSpPr>
+        <p:spPr/>
+        <p:txBody>
+          <a:bodyPr/>
+          <a:lstStyle/>
+          <a:p>
+            <a:r>
+              <a:rPr lang="en-US" dirty="0"/>
+              <a:t>MCR</a:t>
+            </a:r>
+            <a:endParaRPr lang="fr-CH" dirty="0"/>
+          </a:p>
+        </p:txBody>
+      </p:sp>
+      <p:sp>
+        <p:nvSpPr>
+          <p:cNvPr id="5" name="Espace réservé du numéro de diapositive 4">
+            <a:extLst>
+              <a:ext uri="{FF2B5EF4-FFF2-40B4-BE49-F238E27FC236}">
+                <a16:creationId xmlns:a16="http://schemas.microsoft.com/office/drawing/2014/main" id="{2EC2B570-4FBC-43E3-AC05-4F08587636A2}"/>
+              </a:ext>
+            </a:extLst>
+          </p:cNvPr>
+          <p:cNvSpPr>
+            <a:spLocks noGrp="1"/>
+          </p:cNvSpPr>
+          <p:nvPr>
+            <p:ph type="sldNum" sz="quarter" idx="12"/>
+          </p:nvPr>
+        </p:nvSpPr>
+        <p:spPr/>
+        <p:txBody>
+          <a:bodyPr/>
+          <a:lstStyle/>
+          <a:p>
+            <a:fld id="{B63C7C81-6BE5-43EB-AC44-9276CCEDB341}" type="slidenum">
+              <a:rPr lang="fr-CH" smtClean="0"/>
+              <a:pPr/>
+              <a:t>5</a:t>
+            </a:fld>
+            <a:endParaRPr lang="fr-CH" dirty="0"/>
+          </a:p>
+        </p:txBody>
+      </p:sp>
+      <p:pic>
+        <p:nvPicPr>
+          <p:cNvPr id="12" name="Image 11">
+            <a:extLst>
+              <a:ext uri="{FF2B5EF4-FFF2-40B4-BE49-F238E27FC236}">
+                <a16:creationId xmlns:a16="http://schemas.microsoft.com/office/drawing/2014/main" id="{66CD9853-CB92-4AB7-9AA8-00B68B9DA2FE}"/>
+              </a:ext>
+            </a:extLst>
+          </p:cNvPr>
+          <p:cNvPicPr>
+            <a:picLocks noChangeAspect="1"/>
+          </p:cNvPicPr>
+          <p:nvPr/>
+        </p:nvPicPr>
+        <p:blipFill>
+          <a:blip r:embed="rId3">
+            <a:extLst>
+              <a:ext uri="{28A0092B-C50C-407E-A947-70E740481C1C}">
+                <a14:useLocalDpi xmlns:a14="http://schemas.microsoft.com/office/drawing/2010/main" val="0"/>
+              </a:ext>
+            </a:extLst>
+          </a:blip>
+          <a:stretch>
+            <a:fillRect/>
+          </a:stretch>
+        </p:blipFill>
+        <p:spPr>
+          <a:xfrm>
+            <a:off x="3204376" y="1551580"/>
+            <a:ext cx="6462155" cy="4512994"/>
+          </a:xfrm>
+          <a:prstGeom prst="rect">
+            <a:avLst/>
+          </a:prstGeom>
+        </p:spPr>
+      </p:pic>
+    </p:spTree>
+    <p:extLst>
+      <p:ext uri="{BB962C8B-B14F-4D97-AF65-F5344CB8AC3E}">
+        <p14:creationId xmlns:p14="http://schemas.microsoft.com/office/powerpoint/2010/main" val="290670694"/>
+      </p:ext>
+    </p:extLst>
+  </p:cSld>
+  <p:clrMapOvr>
+    <a:masterClrMapping/>
+  </p:clrMapOvr>
+</p:sld>
+</file>
+
+<file path=ppt/slides/slide6.xml><?xml version="1.0" encoding="utf-8"?>
+<p:sld xmlns:a="http://schemas.openxmlformats.org/drawingml/2006/main" xmlns:r="http://schemas.openxmlformats.org/officeDocument/2006/relationships" xmlns:p="http://schemas.openxmlformats.org/presentationml/2006/main">
+  <p:cSld>
+    <p:spTree>
+      <p:nvGrpSpPr>
+        <p:cNvPr id="1" name=""/>
+        <p:cNvGrpSpPr/>
+        <p:nvPr/>
+      </p:nvGrpSpPr>
+      <p:grpSpPr>
+        <a:xfrm>
+          <a:off x="0" y="0"/>
+          <a:ext cx="0" cy="0"/>
+          <a:chOff x="0" y="0"/>
+          <a:chExt cx="0" cy="0"/>
+        </a:xfrm>
+      </p:grpSpPr>
+      <p:sp>
+        <p:nvSpPr>
+          <p:cNvPr id="2" name="Titre 1">
+            <a:extLst>
+              <a:ext uri="{FF2B5EF4-FFF2-40B4-BE49-F238E27FC236}">
+                <a16:creationId xmlns:a16="http://schemas.microsoft.com/office/drawing/2014/main" id="{34DA245F-3C5D-4065-ABF7-DDCF8ECE4670}"/>
+              </a:ext>
+            </a:extLst>
+          </p:cNvPr>
+          <p:cNvSpPr>
+            <a:spLocks noGrp="1"/>
+          </p:cNvSpPr>
+          <p:nvPr>
+            <p:ph type="title"/>
+          </p:nvPr>
+        </p:nvSpPr>
+        <p:spPr/>
+        <p:txBody>
+          <a:bodyPr/>
+          <a:lstStyle/>
+          <a:p>
+            <a:r>
+              <a:rPr lang="fr-CH" dirty="0"/>
+              <a:t>Monteur (5)</a:t>
+            </a:r>
+            <a:endParaRPr lang="en-GB" dirty="0"/>
+          </a:p>
+        </p:txBody>
+      </p:sp>
+      <p:sp>
+        <p:nvSpPr>
+          <p:cNvPr id="3" name="Espace réservé du contenu 2">
+            <a:extLst>
+              <a:ext uri="{FF2B5EF4-FFF2-40B4-BE49-F238E27FC236}">
+                <a16:creationId xmlns:a16="http://schemas.microsoft.com/office/drawing/2014/main" id="{C032CC92-F9B7-4EAE-834A-46276619D188}"/>
+              </a:ext>
+            </a:extLst>
+          </p:cNvPr>
+          <p:cNvSpPr>
+            <a:spLocks noGrp="1"/>
+          </p:cNvSpPr>
+          <p:nvPr>
+            <p:ph idx="1"/>
+          </p:nvPr>
+        </p:nvSpPr>
+        <p:spPr/>
+        <p:txBody>
+          <a:bodyPr>
+            <a:normAutofit/>
+          </a:bodyPr>
+          <a:lstStyle/>
+          <a:p>
+            <a:r>
+              <a:rPr lang="fr-CH" dirty="0"/>
+              <a:t>Conséquences:</a:t>
+            </a:r>
+          </a:p>
+          <a:p>
+            <a:pPr lvl="1"/>
+            <a:r>
+              <a:rPr lang="fr-CH" dirty="0"/>
+              <a:t>Avantages:</a:t>
+            </a:r>
+          </a:p>
+          <a:p>
+            <a:pPr lvl="2"/>
+            <a:r>
+              <a:rPr lang="fr-CH" dirty="0"/>
+              <a:t>Possibilité de créer plusieurs variantes d’un même produit.</a:t>
+            </a:r>
+          </a:p>
+          <a:p>
+            <a:pPr lvl="2"/>
+            <a:r>
+              <a:rPr lang="fr-CH" dirty="0"/>
+              <a:t>Abstraction du code pour la construction des objets.</a:t>
+            </a:r>
+          </a:p>
+          <a:p>
+            <a:pPr lvl="2"/>
+            <a:r>
+              <a:rPr lang="fr-CH" dirty="0"/>
+              <a:t>Les étapes du processus de construction peuvent être contrôlées.</a:t>
+            </a:r>
+          </a:p>
+          <a:p>
+            <a:pPr lvl="2"/>
+            <a:r>
+              <a:rPr lang="fr-CH" dirty="0"/>
+              <a:t>Permet de construire </a:t>
+            </a:r>
+            <a:r>
+              <a:rPr lang="fr-CH" i="1" dirty="0"/>
+              <a:t>par étape </a:t>
+            </a:r>
+            <a:r>
+              <a:rPr lang="fr-CH" dirty="0"/>
+              <a:t>des objets qui devront par la suite être immuables.</a:t>
+            </a:r>
+          </a:p>
+          <a:p>
+            <a:pPr lvl="2"/>
+            <a:endParaRPr lang="fr-CH" dirty="0"/>
+          </a:p>
+          <a:p>
+            <a:pPr lvl="1"/>
+            <a:r>
+              <a:rPr lang="fr-CH" dirty="0"/>
+              <a:t>Désavantages:</a:t>
+            </a:r>
+          </a:p>
+          <a:p>
+            <a:pPr lvl="2"/>
+            <a:r>
+              <a:rPr lang="fr-CH" dirty="0"/>
+              <a:t>Besoin d’un </a:t>
+            </a:r>
+            <a:r>
+              <a:rPr lang="fr-CH" dirty="0">
+                <a:solidFill>
+                  <a:schemeClr val="accent1">
+                    <a:lumMod val="75000"/>
+                  </a:schemeClr>
+                </a:solidFill>
+              </a:rPr>
+              <a:t>Monteur concret</a:t>
+            </a:r>
+            <a:r>
+              <a:rPr lang="fr-CH" dirty="0"/>
+              <a:t> pour chaque type de produit.</a:t>
+            </a:r>
+          </a:p>
+          <a:p>
+            <a:pPr lvl="2"/>
+            <a:r>
+              <a:rPr lang="fr-CH" dirty="0"/>
+              <a:t>Peut rapidement devenir volumineux et peut ajouter une complexité parfois injustifiée.</a:t>
+            </a:r>
+          </a:p>
+        </p:txBody>
+      </p:sp>
+      <p:sp>
+        <p:nvSpPr>
+          <p:cNvPr id="4" name="Espace réservé de la date 3">
+            <a:extLst>
+              <a:ext uri="{FF2B5EF4-FFF2-40B4-BE49-F238E27FC236}">
+                <a16:creationId xmlns:a16="http://schemas.microsoft.com/office/drawing/2014/main" id="{0788C434-68B6-42C2-8BA2-CC3E5ABD3453}"/>
+              </a:ext>
+            </a:extLst>
+          </p:cNvPr>
+          <p:cNvSpPr>
+            <a:spLocks noGrp="1"/>
+          </p:cNvSpPr>
+          <p:nvPr>
+            <p:ph type="dt" sz="half" idx="10"/>
+          </p:nvPr>
+        </p:nvSpPr>
+        <p:spPr/>
+        <p:txBody>
+          <a:bodyPr/>
+          <a:lstStyle/>
+          <a:p>
+            <a:r>
+              <a:rPr lang="en-US"/>
+              <a:t>MCR</a:t>
+            </a:r>
+            <a:endParaRPr lang="fr-CH" dirty="0"/>
+          </a:p>
+        </p:txBody>
+      </p:sp>
+      <p:sp>
+        <p:nvSpPr>
+          <p:cNvPr id="5" name="Espace réservé du numéro de diapositive 4">
+            <a:extLst>
+              <a:ext uri="{FF2B5EF4-FFF2-40B4-BE49-F238E27FC236}">
+                <a16:creationId xmlns:a16="http://schemas.microsoft.com/office/drawing/2014/main" id="{C664BE26-F2E2-4F65-B3DC-D0522F4DC2AF}"/>
+              </a:ext>
+            </a:extLst>
+          </p:cNvPr>
+          <p:cNvSpPr>
+            <a:spLocks noGrp="1"/>
+          </p:cNvSpPr>
+          <p:nvPr>
+            <p:ph type="sldNum" sz="quarter" idx="12"/>
+          </p:nvPr>
+        </p:nvSpPr>
+        <p:spPr/>
+        <p:txBody>
+          <a:bodyPr/>
+          <a:lstStyle/>
+          <a:p>
+            <a:fld id="{B63C7C81-6BE5-43EB-AC44-9276CCEDB341}" type="slidenum">
+              <a:rPr lang="fr-CH" smtClean="0"/>
+              <a:pPr/>
+              <a:t>6</a:t>
+            </a:fld>
+            <a:endParaRPr lang="fr-CH" dirty="0"/>
+          </a:p>
+        </p:txBody>
+      </p:sp>
+    </p:spTree>
+    <p:extLst>
+      <p:ext uri="{BB962C8B-B14F-4D97-AF65-F5344CB8AC3E}">
+        <p14:creationId xmlns:p14="http://schemas.microsoft.com/office/powerpoint/2010/main" val="845684581"/>
+      </p:ext>
+    </p:extLst>
+  </p:cSld>
+  <p:clrMapOvr>
+    <a:masterClrMapping/>
+  </p:clrMapOvr>
+</p:sld>
+</file>
+
+<file path=ppt/slides/slide7.xml><?xml version="1.0" encoding="utf-8"?>
+<p:sld xmlns:a="http://schemas.openxmlformats.org/drawingml/2006/main" xmlns:r="http://schemas.openxmlformats.org/officeDocument/2006/relationships" xmlns:p="http://schemas.openxmlformats.org/presentationml/2006/main">
+  <p:cSld>
+    <p:spTree>
+      <p:nvGrpSpPr>
+        <p:cNvPr id="1" name=""/>
+        <p:cNvGrpSpPr/>
+        <p:nvPr/>
+      </p:nvGrpSpPr>
+      <p:grpSpPr>
+        <a:xfrm>
+          <a:off x="0" y="0"/>
+          <a:ext cx="0" cy="0"/>
+          <a:chOff x="0" y="0"/>
+          <a:chExt cx="0" cy="0"/>
+        </a:xfrm>
+      </p:grpSpPr>
+      <p:sp>
+        <p:nvSpPr>
+          <p:cNvPr id="2" name="Titre 1">
+            <a:extLst>
+              <a:ext uri="{FF2B5EF4-FFF2-40B4-BE49-F238E27FC236}">
+                <a16:creationId xmlns:a16="http://schemas.microsoft.com/office/drawing/2014/main" id="{D20EB250-C4AF-405F-985C-2F056981FE17}"/>
+              </a:ext>
+            </a:extLst>
+          </p:cNvPr>
+          <p:cNvSpPr>
+            <a:spLocks noGrp="1"/>
+          </p:cNvSpPr>
+          <p:nvPr>
+            <p:ph type="title"/>
+          </p:nvPr>
+        </p:nvSpPr>
+        <p:spPr/>
+        <p:txBody>
+          <a:bodyPr/>
+          <a:lstStyle/>
+          <a:p>
+            <a:r>
+              <a:rPr lang="fr-CH" dirty="0"/>
+              <a:t>Monteur (6)</a:t>
+            </a:r>
+            <a:endParaRPr lang="en-GB" dirty="0"/>
+          </a:p>
+        </p:txBody>
+      </p:sp>
+      <p:sp>
+        <p:nvSpPr>
+          <p:cNvPr id="3" name="Espace réservé du contenu 2">
+            <a:extLst>
+              <a:ext uri="{FF2B5EF4-FFF2-40B4-BE49-F238E27FC236}">
+                <a16:creationId xmlns:a16="http://schemas.microsoft.com/office/drawing/2014/main" id="{4DA3E57A-AD8B-4F7D-819B-085CA8B211C1}"/>
+              </a:ext>
+            </a:extLst>
+          </p:cNvPr>
+          <p:cNvSpPr>
+            <a:spLocks noGrp="1"/>
+          </p:cNvSpPr>
+          <p:nvPr>
+            <p:ph idx="1"/>
+          </p:nvPr>
+        </p:nvSpPr>
+        <p:spPr/>
+        <p:txBody>
+          <a:bodyPr/>
+          <a:lstStyle/>
+          <a:p>
+            <a:r>
+              <a:rPr lang="fr-CH" dirty="0"/>
+              <a:t>Considérations d’implémentation:</a:t>
+            </a:r>
+          </a:p>
+          <a:p>
+            <a:pPr lvl="1"/>
+            <a:r>
+              <a:rPr lang="fr-CH" dirty="0"/>
+              <a:t>Interface d’assemblage et de construction</a:t>
+            </a:r>
+          </a:p>
+          <a:p>
+            <a:pPr lvl="2"/>
+            <a:r>
+              <a:rPr lang="fr-CH" dirty="0"/>
+              <a:t>Les </a:t>
+            </a:r>
+            <a:r>
+              <a:rPr lang="fr-CH" dirty="0">
+                <a:solidFill>
+                  <a:schemeClr val="accent1">
+                    <a:lumMod val="75000"/>
+                  </a:schemeClr>
+                </a:solidFill>
+              </a:rPr>
+              <a:t>Monteurs</a:t>
+            </a:r>
+            <a:r>
+              <a:rPr lang="fr-CH" dirty="0"/>
+              <a:t> construisent leurs produits pas à pas.</a:t>
+            </a:r>
+          </a:p>
+          <a:p>
+            <a:pPr lvl="2"/>
+            <a:r>
+              <a:rPr lang="fr-CH" dirty="0"/>
+              <a:t>L’interface Builder doit être suffisamment générale pour permettre la création de produits pour tous les types de </a:t>
+            </a:r>
+            <a:r>
+              <a:rPr lang="fr-CH" dirty="0">
+                <a:solidFill>
+                  <a:schemeClr val="accent1">
+                    <a:lumMod val="75000"/>
+                  </a:schemeClr>
+                </a:solidFill>
+              </a:rPr>
+              <a:t>Monteurs concrets</a:t>
+            </a:r>
+            <a:r>
+              <a:rPr lang="fr-CH" dirty="0"/>
+              <a:t>.</a:t>
+            </a:r>
+          </a:p>
+          <a:p>
+            <a:pPr lvl="1"/>
+            <a:r>
+              <a:rPr lang="fr-CH" dirty="0"/>
+              <a:t>Classe abstraite pour les </a:t>
+            </a:r>
+            <a:r>
+              <a:rPr lang="fr-CH" dirty="0">
+                <a:solidFill>
+                  <a:schemeClr val="accent1">
+                    <a:lumMod val="75000"/>
+                  </a:schemeClr>
+                </a:solidFill>
+              </a:rPr>
+              <a:t>Produits </a:t>
+            </a:r>
+            <a:r>
+              <a:rPr lang="fr-CH" dirty="0"/>
+              <a:t>?</a:t>
+            </a:r>
+          </a:p>
+          <a:p>
+            <a:pPr lvl="2"/>
+            <a:r>
+              <a:rPr lang="fr-CH" dirty="0"/>
+              <a:t>Possible, mais généralement, les produits créés par les </a:t>
+            </a:r>
+            <a:r>
+              <a:rPr lang="fr-CH" dirty="0">
+                <a:solidFill>
+                  <a:schemeClr val="accent1">
+                    <a:lumMod val="75000"/>
+                  </a:schemeClr>
+                </a:solidFill>
+              </a:rPr>
+              <a:t>Monteurs concrets</a:t>
+            </a:r>
+            <a:r>
+              <a:rPr lang="fr-CH" dirty="0"/>
+              <a:t> diffèrent trop pour qu’il y ait un vrai gain à créer une classe parent.</a:t>
+            </a:r>
+          </a:p>
+          <a:p>
+            <a:pPr lvl="1"/>
+            <a:r>
+              <a:rPr lang="fr-CH" dirty="0"/>
+              <a:t>Méthodes vides par défaut dans </a:t>
+            </a:r>
+            <a:r>
+              <a:rPr lang="fr-CH" dirty="0">
+                <a:solidFill>
+                  <a:schemeClr val="accent1">
+                    <a:lumMod val="75000"/>
+                  </a:schemeClr>
+                </a:solidFill>
+              </a:rPr>
+              <a:t>Monteur</a:t>
+            </a:r>
+          </a:p>
+          <a:p>
+            <a:pPr lvl="2"/>
+            <a:r>
+              <a:rPr lang="fr-CH" dirty="0"/>
+              <a:t>En C++, les méthodes de construction ne sont pas déclarées virtuelles pures,</a:t>
+            </a:r>
+          </a:p>
+          <a:p>
+            <a:pPr lvl="2"/>
+            <a:r>
+              <a:rPr lang="fr-CH" dirty="0"/>
+              <a:t>Définies en tant que méthodes vides, laissant aux </a:t>
+            </a:r>
+            <a:r>
+              <a:rPr lang="fr-CH" dirty="0">
+                <a:solidFill>
+                  <a:schemeClr val="accent1">
+                    <a:lumMod val="75000"/>
+                  </a:schemeClr>
+                </a:solidFill>
+              </a:rPr>
+              <a:t>Monteurs concrets </a:t>
+            </a:r>
+            <a:r>
+              <a:rPr lang="fr-CH" dirty="0"/>
+              <a:t>le soin de redéfinir seulement les opérations qui les intéressent.</a:t>
+            </a:r>
+          </a:p>
+          <a:p>
+            <a:pPr lvl="2"/>
+            <a:endParaRPr lang="fr-CH" dirty="0"/>
+          </a:p>
+        </p:txBody>
+      </p:sp>
+      <p:sp>
+        <p:nvSpPr>
+          <p:cNvPr id="4" name="Espace réservé de la date 3">
+            <a:extLst>
+              <a:ext uri="{FF2B5EF4-FFF2-40B4-BE49-F238E27FC236}">
+                <a16:creationId xmlns:a16="http://schemas.microsoft.com/office/drawing/2014/main" id="{1A0C1E65-0F70-413D-9EF2-0F45ECEFAF20}"/>
+              </a:ext>
+            </a:extLst>
+          </p:cNvPr>
+          <p:cNvSpPr>
+            <a:spLocks noGrp="1"/>
+          </p:cNvSpPr>
+          <p:nvPr>
+            <p:ph type="dt" sz="half" idx="10"/>
+          </p:nvPr>
+        </p:nvSpPr>
+        <p:spPr/>
+        <p:txBody>
+          <a:bodyPr/>
+          <a:lstStyle/>
+          <a:p>
+            <a:r>
+              <a:rPr lang="en-US"/>
+              <a:t>MCR</a:t>
+            </a:r>
+            <a:endParaRPr lang="fr-CH" dirty="0"/>
+          </a:p>
+        </p:txBody>
+      </p:sp>
+      <p:sp>
+        <p:nvSpPr>
+          <p:cNvPr id="5" name="Espace réservé du numéro de diapositive 4">
+            <a:extLst>
+              <a:ext uri="{FF2B5EF4-FFF2-40B4-BE49-F238E27FC236}">
+                <a16:creationId xmlns:a16="http://schemas.microsoft.com/office/drawing/2014/main" id="{0B88EABC-C33B-4296-B6E4-8E3A5FC1CBA1}"/>
+              </a:ext>
+            </a:extLst>
+          </p:cNvPr>
+          <p:cNvSpPr>
+            <a:spLocks noGrp="1"/>
+          </p:cNvSpPr>
+          <p:nvPr>
+            <p:ph type="sldNum" sz="quarter" idx="12"/>
+          </p:nvPr>
+        </p:nvSpPr>
+        <p:spPr/>
+        <p:txBody>
+          <a:bodyPr/>
+          <a:lstStyle/>
+          <a:p>
+            <a:fld id="{B63C7C81-6BE5-43EB-AC44-9276CCEDB341}" type="slidenum">
+              <a:rPr lang="fr-CH" smtClean="0"/>
+              <a:pPr/>
+              <a:t>7</a:t>
+            </a:fld>
+            <a:endParaRPr lang="fr-CH" dirty="0"/>
+          </a:p>
+        </p:txBody>
+      </p:sp>
+    </p:spTree>
+    <p:extLst>
+      <p:ext uri="{BB962C8B-B14F-4D97-AF65-F5344CB8AC3E}">
+        <p14:creationId xmlns:p14="http://schemas.microsoft.com/office/powerpoint/2010/main" val="1955345793"/>
+      </p:ext>
+    </p:extLst>
+  </p:cSld>
+  <p:clrMapOvr>
+    <a:masterClrMapping/>
+  </p:clrMapOvr>
+</p:sld>
+</file>
+
+<file path=ppt/slides/slide8.xml><?xml version="1.0" encoding="utf-8"?>
+<p:sld xmlns:a="http://schemas.openxmlformats.org/drawingml/2006/main" xmlns:r="http://schemas.openxmlformats.org/officeDocument/2006/relationships" xmlns:p="http://schemas.openxmlformats.org/presentationml/2006/main">
+  <p:cSld>
+    <p:spTree>
+      <p:nvGrpSpPr>
+        <p:cNvPr id="1" name=""/>
+        <p:cNvGrpSpPr/>
+        <p:nvPr/>
+      </p:nvGrpSpPr>
+      <p:grpSpPr>
+        <a:xfrm>
+          <a:off x="0" y="0"/>
+          <a:ext cx="0" cy="0"/>
+          <a:chOff x="0" y="0"/>
+          <a:chExt cx="0" cy="0"/>
+        </a:xfrm>
+      </p:grpSpPr>
+      <p:sp>
+        <p:nvSpPr>
+          <p:cNvPr id="2" name="Titre 1">
+            <a:extLst>
+              <a:ext uri="{FF2B5EF4-FFF2-40B4-BE49-F238E27FC236}">
+                <a16:creationId xmlns:a16="http://schemas.microsoft.com/office/drawing/2014/main" id="{87D4123B-63EF-45DD-A953-A314C56217A5}"/>
+              </a:ext>
+            </a:extLst>
+          </p:cNvPr>
+          <p:cNvSpPr>
+            <a:spLocks noGrp="1"/>
+          </p:cNvSpPr>
+          <p:nvPr>
+            <p:ph type="title"/>
+          </p:nvPr>
+        </p:nvSpPr>
+        <p:spPr/>
+        <p:txBody>
+          <a:bodyPr/>
+          <a:lstStyle/>
+          <a:p>
+            <a:r>
+              <a:rPr lang="fr-CH" dirty="0"/>
+              <a:t>Exemple</a:t>
+            </a:r>
+            <a:endParaRPr lang="en-GB" dirty="0"/>
+          </a:p>
+        </p:txBody>
+      </p:sp>
+      <p:sp>
+        <p:nvSpPr>
+          <p:cNvPr id="3" name="Espace réservé du contenu 2">
+            <a:extLst>
+              <a:ext uri="{FF2B5EF4-FFF2-40B4-BE49-F238E27FC236}">
+                <a16:creationId xmlns:a16="http://schemas.microsoft.com/office/drawing/2014/main" id="{C27FFEE9-25A3-4003-803E-B574A5A58ADD}"/>
+              </a:ext>
+            </a:extLst>
+          </p:cNvPr>
+          <p:cNvSpPr>
+            <a:spLocks noGrp="1"/>
+          </p:cNvSpPr>
+          <p:nvPr>
+            <p:ph idx="1"/>
+          </p:nvPr>
+        </p:nvSpPr>
+        <p:spPr>
+          <a:xfrm>
+            <a:off x="461176" y="3575037"/>
+            <a:ext cx="11269648" cy="2716501"/>
+          </a:xfrm>
+        </p:spPr>
+        <p:txBody>
+          <a:bodyPr>
+            <a:noAutofit/>
+          </a:bodyPr>
+          <a:lstStyle/>
+          <a:p>
+            <a:pPr defTabSz="252000">
+              <a:spcBef>
+                <a:spcPts val="0"/>
+              </a:spcBef>
+            </a:pPr>
+            <a:r>
+              <a:rPr lang="en-GB" sz="1800" dirty="0">
+                <a:solidFill>
+                  <a:schemeClr val="accent1">
+                    <a:lumMod val="75000"/>
+                  </a:schemeClr>
+                </a:solidFill>
+                <a:latin typeface="Abadi" panose="020B0604020104020204" pitchFamily="34" charset="0"/>
+              </a:rPr>
+              <a:t>class </a:t>
+            </a:r>
+            <a:r>
+              <a:rPr lang="en-GB" sz="1800" dirty="0" err="1">
+                <a:solidFill>
+                  <a:schemeClr val="accent1">
+                    <a:lumMod val="75000"/>
+                  </a:schemeClr>
+                </a:solidFill>
+                <a:latin typeface="Abadi" panose="020B0604020104020204" pitchFamily="34" charset="0"/>
+              </a:rPr>
+              <a:t>VaisseauSpatialDirector</a:t>
+            </a:r>
+            <a:r>
+              <a:rPr lang="en-GB" sz="1800" dirty="0">
+                <a:solidFill>
+                  <a:schemeClr val="accent1">
+                    <a:lumMod val="75000"/>
+                  </a:schemeClr>
+                </a:solidFill>
+                <a:latin typeface="Abadi" panose="020B0604020104020204" pitchFamily="34" charset="0"/>
+              </a:rPr>
+              <a:t> </a:t>
+            </a:r>
+          </a:p>
+          <a:p>
+            <a:pPr marL="0" indent="0" defTabSz="252000">
+              <a:spcBef>
+                <a:spcPts val="0"/>
+              </a:spcBef>
+              <a:buNone/>
+            </a:pPr>
+            <a:r>
+              <a:rPr lang="en-GB" sz="1800" dirty="0">
+                <a:solidFill>
+                  <a:schemeClr val="accent1">
+                    <a:lumMod val="75000"/>
+                  </a:schemeClr>
+                </a:solidFill>
+                <a:latin typeface="Abadi" panose="020B0604020104020204" pitchFamily="34" charset="0"/>
+              </a:rPr>
+              <a:t>	{</a:t>
+            </a:r>
+          </a:p>
+          <a:p>
+            <a:pPr marL="0" indent="0" defTabSz="252000">
+              <a:spcBef>
+                <a:spcPts val="0"/>
+              </a:spcBef>
+              <a:buNone/>
+            </a:pPr>
+            <a:r>
+              <a:rPr lang="en-GB" sz="1800" dirty="0">
+                <a:solidFill>
+                  <a:schemeClr val="accent1">
+                    <a:lumMod val="75000"/>
+                  </a:schemeClr>
+                </a:solidFill>
+                <a:latin typeface="Abadi" panose="020B0604020104020204" pitchFamily="34" charset="0"/>
+              </a:rPr>
+              <a:t>		private </a:t>
+            </a:r>
+            <a:r>
+              <a:rPr lang="en-GB" sz="1800" dirty="0" err="1">
+                <a:solidFill>
+                  <a:schemeClr val="accent1">
+                    <a:lumMod val="75000"/>
+                  </a:schemeClr>
+                </a:solidFill>
+                <a:latin typeface="Abadi" panose="020B0604020104020204" pitchFamily="34" charset="0"/>
+              </a:rPr>
+              <a:t>VaisseauBuilder</a:t>
+            </a:r>
+            <a:r>
+              <a:rPr lang="en-GB" sz="1800" dirty="0">
+                <a:solidFill>
+                  <a:schemeClr val="accent1">
+                    <a:lumMod val="75000"/>
+                  </a:schemeClr>
+                </a:solidFill>
+                <a:latin typeface="Abadi" panose="020B0604020104020204" pitchFamily="34" charset="0"/>
+              </a:rPr>
+              <a:t> </a:t>
+            </a:r>
+            <a:r>
+              <a:rPr lang="en-GB" sz="1800" dirty="0" err="1">
+                <a:solidFill>
+                  <a:schemeClr val="accent1">
+                    <a:lumMod val="75000"/>
+                  </a:schemeClr>
+                </a:solidFill>
+                <a:latin typeface="Abadi" panose="020B0604020104020204" pitchFamily="34" charset="0"/>
+              </a:rPr>
+              <a:t>vaisseauBuilder</a:t>
+            </a:r>
+            <a:r>
+              <a:rPr lang="en-GB" sz="1800" dirty="0">
+                <a:solidFill>
+                  <a:schemeClr val="accent1">
+                    <a:lumMod val="75000"/>
+                  </a:schemeClr>
+                </a:solidFill>
+                <a:latin typeface="Abadi" panose="020B0604020104020204" pitchFamily="34" charset="0"/>
+              </a:rPr>
+              <a:t>;</a:t>
+            </a:r>
+          </a:p>
+          <a:p>
+            <a:pPr marL="0" indent="0" defTabSz="252000">
+              <a:spcBef>
+                <a:spcPts val="0"/>
+              </a:spcBef>
+              <a:buNone/>
+            </a:pPr>
+            <a:r>
+              <a:rPr lang="en-GB" sz="1800" dirty="0">
+                <a:solidFill>
+                  <a:schemeClr val="accent1">
+                    <a:lumMod val="75000"/>
+                  </a:schemeClr>
+                </a:solidFill>
+                <a:latin typeface="Abadi" panose="020B0604020104020204" pitchFamily="34" charset="0"/>
+              </a:rPr>
+              <a:t>		public void </a:t>
+            </a:r>
+            <a:r>
+              <a:rPr lang="en-GB" sz="1800" dirty="0" err="1">
+                <a:solidFill>
+                  <a:schemeClr val="accent1">
+                    <a:lumMod val="75000"/>
+                  </a:schemeClr>
+                </a:solidFill>
+                <a:latin typeface="Abadi" panose="020B0604020104020204" pitchFamily="34" charset="0"/>
+              </a:rPr>
+              <a:t>setVaisseauBuilder</a:t>
+            </a:r>
+            <a:r>
+              <a:rPr lang="en-GB" sz="1800" dirty="0">
+                <a:solidFill>
+                  <a:schemeClr val="accent1">
+                    <a:lumMod val="75000"/>
+                  </a:schemeClr>
+                </a:solidFill>
+                <a:latin typeface="Abadi" panose="020B0604020104020204" pitchFamily="34" charset="0"/>
+              </a:rPr>
+              <a:t>(</a:t>
+            </a:r>
+            <a:r>
+              <a:rPr lang="en-GB" sz="1800" dirty="0" err="1">
+                <a:solidFill>
+                  <a:schemeClr val="accent1">
+                    <a:lumMod val="75000"/>
+                  </a:schemeClr>
+                </a:solidFill>
+                <a:latin typeface="Abadi" panose="020B0604020104020204" pitchFamily="34" charset="0"/>
+              </a:rPr>
+              <a:t>VaisseauBuilder</a:t>
+            </a:r>
+            <a:r>
+              <a:rPr lang="en-GB" sz="1800" dirty="0">
+                <a:solidFill>
+                  <a:schemeClr val="accent1">
+                    <a:lumMod val="75000"/>
+                  </a:schemeClr>
+                </a:solidFill>
+                <a:latin typeface="Abadi" panose="020B0604020104020204" pitchFamily="34" charset="0"/>
+              </a:rPr>
+              <a:t> </a:t>
+            </a:r>
+            <a:r>
+              <a:rPr lang="en-GB" sz="1800" dirty="0" err="1">
+                <a:solidFill>
+                  <a:schemeClr val="accent1">
+                    <a:lumMod val="75000"/>
+                  </a:schemeClr>
+                </a:solidFill>
+                <a:latin typeface="Abadi" panose="020B0604020104020204" pitchFamily="34" charset="0"/>
+              </a:rPr>
+              <a:t>vaisseauBuilder</a:t>
+            </a:r>
+            <a:r>
+              <a:rPr lang="en-GB" sz="1800" dirty="0">
+                <a:solidFill>
+                  <a:schemeClr val="accent1">
+                    <a:lumMod val="75000"/>
+                  </a:schemeClr>
+                </a:solidFill>
+                <a:latin typeface="Abadi" panose="020B0604020104020204" pitchFamily="34" charset="0"/>
+              </a:rPr>
+              <a:t>) {</a:t>
+            </a:r>
+          </a:p>
+          <a:p>
+            <a:pPr marL="0" indent="0" defTabSz="252000">
+              <a:spcBef>
+                <a:spcPts val="0"/>
+              </a:spcBef>
+              <a:buNone/>
+            </a:pPr>
+            <a:r>
+              <a:rPr lang="en-GB" sz="1800" dirty="0">
+                <a:solidFill>
+                  <a:schemeClr val="accent1">
+                    <a:lumMod val="75000"/>
+                  </a:schemeClr>
+                </a:solidFill>
+                <a:latin typeface="Abadi" panose="020B0604020104020204" pitchFamily="34" charset="0"/>
+              </a:rPr>
+              <a:t>			</a:t>
+            </a:r>
+            <a:r>
+              <a:rPr lang="en-GB" sz="1800" dirty="0" err="1">
+                <a:solidFill>
+                  <a:schemeClr val="accent1">
+                    <a:lumMod val="75000"/>
+                  </a:schemeClr>
+                </a:solidFill>
+                <a:latin typeface="Abadi" panose="020B0604020104020204" pitchFamily="34" charset="0"/>
+              </a:rPr>
+              <a:t>this.vaisseauBuilder</a:t>
+            </a:r>
+            <a:r>
+              <a:rPr lang="en-GB" sz="1800" dirty="0">
+                <a:solidFill>
+                  <a:schemeClr val="accent1">
+                    <a:lumMod val="75000"/>
+                  </a:schemeClr>
+                </a:solidFill>
+                <a:latin typeface="Abadi" panose="020B0604020104020204" pitchFamily="34" charset="0"/>
+              </a:rPr>
+              <a:t> = </a:t>
+            </a:r>
+            <a:r>
+              <a:rPr lang="en-GB" sz="1800" dirty="0" err="1">
+                <a:solidFill>
+                  <a:schemeClr val="accent1">
+                    <a:lumMod val="75000"/>
+                  </a:schemeClr>
+                </a:solidFill>
+                <a:latin typeface="Abadi" panose="020B0604020104020204" pitchFamily="34" charset="0"/>
+              </a:rPr>
+              <a:t>vaisseauBuilder</a:t>
+            </a:r>
+            <a:r>
+              <a:rPr lang="en-GB" sz="1800" dirty="0">
+                <a:solidFill>
+                  <a:schemeClr val="accent1">
+                    <a:lumMod val="75000"/>
+                  </a:schemeClr>
+                </a:solidFill>
+                <a:latin typeface="Abadi" panose="020B0604020104020204" pitchFamily="34" charset="0"/>
+              </a:rPr>
+              <a:t>;</a:t>
+            </a:r>
+          </a:p>
+          <a:p>
+            <a:pPr marL="0" indent="0" defTabSz="252000">
+              <a:spcBef>
+                <a:spcPts val="0"/>
+              </a:spcBef>
+              <a:buNone/>
+            </a:pPr>
+            <a:r>
+              <a:rPr lang="en-GB" sz="1800" dirty="0">
+                <a:solidFill>
+                  <a:schemeClr val="accent1">
+                    <a:lumMod val="75000"/>
+                  </a:schemeClr>
+                </a:solidFill>
+                <a:latin typeface="Abadi" panose="020B0604020104020204" pitchFamily="34" charset="0"/>
+              </a:rPr>
+              <a:t>		}</a:t>
+            </a:r>
+          </a:p>
+          <a:p>
+            <a:pPr marL="0" indent="0" defTabSz="252000">
+              <a:spcBef>
+                <a:spcPts val="0"/>
+              </a:spcBef>
+              <a:buNone/>
+            </a:pPr>
+            <a:r>
+              <a:rPr lang="en-GB" sz="1800" dirty="0">
+                <a:solidFill>
+                  <a:schemeClr val="accent1">
+                    <a:lumMod val="75000"/>
+                  </a:schemeClr>
+                </a:solidFill>
+                <a:latin typeface="Abadi" panose="020B0604020104020204" pitchFamily="34" charset="0"/>
+              </a:rPr>
+              <a:t>		public void </a:t>
+            </a:r>
+            <a:r>
+              <a:rPr lang="en-GB" sz="1800" dirty="0" err="1">
+                <a:solidFill>
+                  <a:schemeClr val="accent1">
+                    <a:lumMod val="75000"/>
+                  </a:schemeClr>
+                </a:solidFill>
+                <a:latin typeface="Abadi" panose="020B0604020104020204" pitchFamily="34" charset="0"/>
+              </a:rPr>
+              <a:t>constructVaisseau</a:t>
+            </a:r>
+            <a:r>
+              <a:rPr lang="en-GB" sz="1800" dirty="0">
+                <a:solidFill>
+                  <a:schemeClr val="accent1">
+                    <a:lumMod val="75000"/>
+                  </a:schemeClr>
+                </a:solidFill>
+                <a:latin typeface="Abadi" panose="020B0604020104020204" pitchFamily="34" charset="0"/>
+              </a:rPr>
+              <a:t>() {</a:t>
+            </a:r>
+          </a:p>
+          <a:p>
+            <a:pPr marL="0" indent="0" defTabSz="252000">
+              <a:spcBef>
+                <a:spcPts val="0"/>
+              </a:spcBef>
+              <a:buNone/>
+            </a:pPr>
+            <a:r>
+              <a:rPr lang="en-GB" sz="1800" dirty="0">
+                <a:solidFill>
+                  <a:schemeClr val="accent1">
+                    <a:lumMod val="75000"/>
+                  </a:schemeClr>
+                </a:solidFill>
+                <a:latin typeface="Abadi" panose="020B0604020104020204" pitchFamily="34" charset="0"/>
+              </a:rPr>
+              <a:t>			</a:t>
+            </a:r>
+            <a:r>
+              <a:rPr lang="en-GB" sz="1800" dirty="0" err="1">
+                <a:solidFill>
+                  <a:schemeClr val="accent1">
+                    <a:lumMod val="75000"/>
+                  </a:schemeClr>
+                </a:solidFill>
+                <a:latin typeface="Abadi" panose="020B0604020104020204" pitchFamily="34" charset="0"/>
+              </a:rPr>
+              <a:t>vaisseauBuilder.buildPropulseurs</a:t>
+            </a:r>
+            <a:r>
+              <a:rPr lang="en-GB" sz="1800" dirty="0">
+                <a:solidFill>
+                  <a:schemeClr val="accent1">
+                    <a:lumMod val="75000"/>
+                  </a:schemeClr>
+                </a:solidFill>
+                <a:latin typeface="Abadi" panose="020B0604020104020204" pitchFamily="34" charset="0"/>
+              </a:rPr>
+              <a:t>();</a:t>
+            </a:r>
+          </a:p>
+          <a:p>
+            <a:pPr marL="0" indent="0" defTabSz="252000">
+              <a:spcBef>
+                <a:spcPts val="0"/>
+              </a:spcBef>
+              <a:buNone/>
+            </a:pPr>
+            <a:r>
+              <a:rPr lang="en-GB" sz="1800" dirty="0">
+                <a:solidFill>
+                  <a:schemeClr val="accent1">
+                    <a:lumMod val="75000"/>
+                  </a:schemeClr>
+                </a:solidFill>
+                <a:latin typeface="Abadi" panose="020B0604020104020204" pitchFamily="34" charset="0"/>
+              </a:rPr>
+              <a:t>			</a:t>
+            </a:r>
+            <a:r>
+              <a:rPr lang="en-GB" sz="1800" dirty="0" err="1">
+                <a:solidFill>
+                  <a:schemeClr val="accent1">
+                    <a:lumMod val="75000"/>
+                  </a:schemeClr>
+                </a:solidFill>
+                <a:latin typeface="Abadi" panose="020B0604020104020204" pitchFamily="34" charset="0"/>
+              </a:rPr>
+              <a:t>vaisseauBuilder.buildCanons</a:t>
+            </a:r>
+            <a:r>
+              <a:rPr lang="en-GB" sz="1800" dirty="0">
+                <a:solidFill>
+                  <a:schemeClr val="accent1">
+                    <a:lumMod val="75000"/>
+                  </a:schemeClr>
+                </a:solidFill>
+                <a:latin typeface="Abadi" panose="020B0604020104020204" pitchFamily="34" charset="0"/>
+              </a:rPr>
+              <a:t>();</a:t>
+            </a:r>
+          </a:p>
+          <a:p>
+            <a:pPr marL="0" indent="0" defTabSz="252000">
+              <a:spcBef>
+                <a:spcPts val="0"/>
+              </a:spcBef>
+              <a:buNone/>
+            </a:pPr>
+            <a:r>
+              <a:rPr lang="en-GB" sz="1800" dirty="0">
+                <a:solidFill>
+                  <a:schemeClr val="accent1">
+                    <a:lumMod val="75000"/>
+                  </a:schemeClr>
+                </a:solidFill>
+                <a:latin typeface="Abadi" panose="020B0604020104020204" pitchFamily="34" charset="0"/>
+              </a:rPr>
+              <a:t>		}</a:t>
+            </a:r>
+          </a:p>
+          <a:p>
+            <a:pPr marL="0" indent="0" defTabSz="252000">
+              <a:spcBef>
+                <a:spcPts val="0"/>
+              </a:spcBef>
+              <a:buNone/>
+            </a:pPr>
+            <a:r>
+              <a:rPr lang="en-GB" sz="1800" dirty="0">
+                <a:solidFill>
+                  <a:schemeClr val="accent1">
+                    <a:lumMod val="75000"/>
+                  </a:schemeClr>
+                </a:solidFill>
+                <a:latin typeface="Abadi" panose="020B0604020104020204" pitchFamily="34" charset="0"/>
+              </a:rPr>
+              <a:t>	}</a:t>
+            </a:r>
+          </a:p>
+        </p:txBody>
+      </p:sp>
+      <p:sp>
+        <p:nvSpPr>
+          <p:cNvPr id="4" name="Espace réservé de la date 3">
+            <a:extLst>
+              <a:ext uri="{FF2B5EF4-FFF2-40B4-BE49-F238E27FC236}">
+                <a16:creationId xmlns:a16="http://schemas.microsoft.com/office/drawing/2014/main" id="{94D060B0-26BD-40BD-9998-6FF59B48D96B}"/>
+              </a:ext>
+            </a:extLst>
+          </p:cNvPr>
+          <p:cNvSpPr>
+            <a:spLocks noGrp="1"/>
+          </p:cNvSpPr>
+          <p:nvPr>
+            <p:ph type="dt" sz="half" idx="10"/>
+          </p:nvPr>
+        </p:nvSpPr>
+        <p:spPr/>
+        <p:txBody>
+          <a:bodyPr/>
+          <a:lstStyle/>
+          <a:p>
+            <a:r>
+              <a:rPr lang="en-US" dirty="0"/>
+              <a:t>MCR</a:t>
+            </a:r>
+            <a:endParaRPr lang="fr-CH" dirty="0"/>
+          </a:p>
+        </p:txBody>
+      </p:sp>
+      <p:sp>
+        <p:nvSpPr>
+          <p:cNvPr id="5" name="Espace réservé du numéro de diapositive 4">
+            <a:extLst>
+              <a:ext uri="{FF2B5EF4-FFF2-40B4-BE49-F238E27FC236}">
+                <a16:creationId xmlns:a16="http://schemas.microsoft.com/office/drawing/2014/main" id="{B4A94C8A-8851-4AF8-B74D-980FAA465A34}"/>
+              </a:ext>
+            </a:extLst>
+          </p:cNvPr>
+          <p:cNvSpPr>
+            <a:spLocks noGrp="1"/>
+          </p:cNvSpPr>
+          <p:nvPr>
+            <p:ph type="sldNum" sz="quarter" idx="12"/>
+          </p:nvPr>
+        </p:nvSpPr>
+        <p:spPr/>
+        <p:txBody>
+          <a:bodyPr/>
+          <a:lstStyle/>
+          <a:p>
+            <a:fld id="{B63C7C81-6BE5-43EB-AC44-9276CCEDB341}" type="slidenum">
+              <a:rPr lang="fr-CH" smtClean="0"/>
+              <a:pPr/>
+              <a:t>8</a:t>
+            </a:fld>
+            <a:endParaRPr lang="fr-CH" dirty="0"/>
+          </a:p>
+        </p:txBody>
+      </p:sp>
+      <p:pic>
+        <p:nvPicPr>
+          <p:cNvPr id="9" name="Image 8">
+            <a:extLst>
+              <a:ext uri="{FF2B5EF4-FFF2-40B4-BE49-F238E27FC236}">
+                <a16:creationId xmlns:a16="http://schemas.microsoft.com/office/drawing/2014/main" id="{8F2BD6A3-396F-41ED-BA3A-59C276ECFB34}"/>
+              </a:ext>
+            </a:extLst>
+          </p:cNvPr>
+          <p:cNvPicPr>
+            <a:picLocks noChangeAspect="1"/>
+          </p:cNvPicPr>
+          <p:nvPr/>
+        </p:nvPicPr>
+        <p:blipFill>
+          <a:blip r:embed="rId2">
+            <a:extLst>
+              <a:ext uri="{28A0092B-C50C-407E-A947-70E740481C1C}">
+                <a14:useLocalDpi xmlns:a14="http://schemas.microsoft.com/office/drawing/2010/main" val="0"/>
+              </a:ext>
+            </a:extLst>
+          </a:blip>
+          <a:stretch>
+            <a:fillRect/>
+          </a:stretch>
+        </p:blipFill>
+        <p:spPr>
+          <a:xfrm>
+            <a:off x="1271905" y="1068270"/>
+            <a:ext cx="9335135" cy="2421635"/>
+          </a:xfrm>
+          <a:prstGeom prst="rect">
+            <a:avLst/>
+          </a:prstGeom>
+        </p:spPr>
+      </p:pic>
+    </p:spTree>
+    <p:extLst>
+      <p:ext uri="{BB962C8B-B14F-4D97-AF65-F5344CB8AC3E}">
+        <p14:creationId xmlns:p14="http://schemas.microsoft.com/office/powerpoint/2010/main" val="2856710920"/>
+      </p:ext>
+    </p:extLst>
+  </p:cSld>
+  <p:clrMapOvr>
+    <a:masterClrMapping/>
+  </p:clrMapOvr>
+</p:sld>
+</file>
+
+<file path=ppt/slides/slide9.xml><?xml version="1.0" encoding="utf-8"?>
+<p:sld xmlns:a="http://schemas.openxmlformats.org/drawingml/2006/main" xmlns:r="http://schemas.openxmlformats.org/officeDocument/2006/relationships" xmlns:p="http://schemas.openxmlformats.org/presentationml/2006/main">
+  <p:cSld>
+    <p:spTree>
+      <p:nvGrpSpPr>
+        <p:cNvPr id="1" name=""/>
+        <p:cNvGrpSpPr/>
+        <p:nvPr/>
+      </p:nvGrpSpPr>
+      <p:grpSpPr>
+        <a:xfrm>
+          <a:off x="0" y="0"/>
+          <a:ext cx="0" cy="0"/>
+          <a:chOff x="0" y="0"/>
+          <a:chExt cx="0" cy="0"/>
+        </a:xfrm>
+      </p:grpSpPr>
+      <p:sp>
+        <p:nvSpPr>
+          <p:cNvPr id="2" name="Titre 1">
+            <a:extLst>
+              <a:ext uri="{FF2B5EF4-FFF2-40B4-BE49-F238E27FC236}">
+                <a16:creationId xmlns:a16="http://schemas.microsoft.com/office/drawing/2014/main" id="{06ABE296-5846-4E88-956F-7036E9BC4828}"/>
+              </a:ext>
+            </a:extLst>
+          </p:cNvPr>
+          <p:cNvSpPr>
+            <a:spLocks noGrp="1"/>
+          </p:cNvSpPr>
+          <p:nvPr>
+            <p:ph type="title"/>
+          </p:nvPr>
+        </p:nvSpPr>
+        <p:spPr/>
+        <p:txBody>
+          <a:bodyPr/>
+          <a:lstStyle/>
+          <a:p>
+            <a:r>
+              <a:rPr lang="fr-CH" dirty="0"/>
+              <a:t>Exemple (2)</a:t>
+            </a:r>
+            <a:endParaRPr lang="en-GB" dirty="0"/>
+          </a:p>
+        </p:txBody>
+      </p:sp>
+      <p:sp>
+        <p:nvSpPr>
+          <p:cNvPr id="4" name="Espace réservé de la date 3">
+            <a:extLst>
+              <a:ext uri="{FF2B5EF4-FFF2-40B4-BE49-F238E27FC236}">
+                <a16:creationId xmlns:a16="http://schemas.microsoft.com/office/drawing/2014/main" id="{5F1A0783-7053-41B5-B800-CB2DC55738D1}"/>
+              </a:ext>
+            </a:extLst>
+          </p:cNvPr>
+          <p:cNvSpPr>
+            <a:spLocks noGrp="1"/>
+          </p:cNvSpPr>
+          <p:nvPr>
+            <p:ph type="dt" sz="half" idx="10"/>
+          </p:nvPr>
+        </p:nvSpPr>
+        <p:spPr/>
+        <p:txBody>
+          <a:bodyPr/>
+          <a:lstStyle/>
+          <a:p>
+            <a:r>
+              <a:rPr lang="en-US"/>
+              <a:t>MCR</a:t>
+            </a:r>
+            <a:endParaRPr lang="fr-CH" dirty="0"/>
+          </a:p>
+        </p:txBody>
+      </p:sp>
+      <p:sp>
+        <p:nvSpPr>
+          <p:cNvPr id="5" name="Espace réservé du numéro de diapositive 4">
+            <a:extLst>
+              <a:ext uri="{FF2B5EF4-FFF2-40B4-BE49-F238E27FC236}">
+                <a16:creationId xmlns:a16="http://schemas.microsoft.com/office/drawing/2014/main" id="{8053985A-3EE8-4248-A8FD-502C0EB4238C}"/>
+              </a:ext>
+            </a:extLst>
+          </p:cNvPr>
+          <p:cNvSpPr>
+            <a:spLocks noGrp="1"/>
+          </p:cNvSpPr>
+          <p:nvPr>
+            <p:ph type="sldNum" sz="quarter" idx="12"/>
+          </p:nvPr>
+        </p:nvSpPr>
+        <p:spPr/>
+        <p:txBody>
+          <a:bodyPr/>
+          <a:lstStyle/>
+          <a:p>
+            <a:fld id="{B63C7C81-6BE5-43EB-AC44-9276CCEDB341}" type="slidenum">
+              <a:rPr lang="fr-CH" smtClean="0"/>
+              <a:pPr/>
+              <a:t>9</a:t>
+            </a:fld>
+            <a:endParaRPr lang="fr-CH" dirty="0"/>
+          </a:p>
+        </p:txBody>
+      </p:sp>
+      <p:sp>
+        <p:nvSpPr>
+          <p:cNvPr id="8" name="Espace réservé du contenu 7">
+            <a:extLst>
+              <a:ext uri="{FF2B5EF4-FFF2-40B4-BE49-F238E27FC236}">
+                <a16:creationId xmlns:a16="http://schemas.microsoft.com/office/drawing/2014/main" id="{C8BC0966-36CC-4CA4-AE1F-F714B2AB0597}"/>
+              </a:ext>
+            </a:extLst>
+          </p:cNvPr>
+          <p:cNvSpPr>
+            <a:spLocks noGrp="1"/>
+          </p:cNvSpPr>
+          <p:nvPr>
+            <p:ph idx="1"/>
+          </p:nvPr>
+        </p:nvSpPr>
+        <p:spPr>
+          <a:xfrm>
+            <a:off x="461176" y="1210733"/>
+            <a:ext cx="11269648" cy="5046134"/>
+          </a:xfrm>
+        </p:spPr>
+        <p:txBody>
+          <a:bodyPr>
+            <a:noAutofit/>
+          </a:bodyPr>
+          <a:lstStyle/>
+          <a:p>
+            <a:pPr defTabSz="252000">
+              <a:spcBef>
+                <a:spcPts val="0"/>
+              </a:spcBef>
+            </a:pPr>
+            <a:r>
+              <a:rPr lang="en-GB" sz="1800" dirty="0">
+                <a:solidFill>
+                  <a:schemeClr val="accent1">
+                    <a:lumMod val="75000"/>
+                  </a:schemeClr>
+                </a:solidFill>
+                <a:latin typeface="Abadi" panose="020B0604020104020204" pitchFamily="34" charset="0"/>
+              </a:rPr>
+              <a:t>abstract class </a:t>
+            </a:r>
+            <a:r>
+              <a:rPr lang="en-GB" sz="1800" dirty="0" err="1">
+                <a:solidFill>
+                  <a:schemeClr val="accent1">
+                    <a:lumMod val="75000"/>
+                  </a:schemeClr>
+                </a:solidFill>
+                <a:latin typeface="Abadi" panose="020B0604020104020204" pitchFamily="34" charset="0"/>
+              </a:rPr>
+              <a:t>VaisseauBuilder</a:t>
+            </a:r>
+            <a:r>
+              <a:rPr lang="en-GB" sz="1800" dirty="0">
+                <a:solidFill>
+                  <a:schemeClr val="accent1">
+                    <a:lumMod val="75000"/>
+                  </a:schemeClr>
+                </a:solidFill>
+                <a:latin typeface="Abadi" panose="020B0604020104020204" pitchFamily="34" charset="0"/>
+              </a:rPr>
+              <a:t> </a:t>
+            </a:r>
+          </a:p>
+          <a:p>
+            <a:pPr marL="0" indent="0" defTabSz="252000">
+              <a:spcBef>
+                <a:spcPts val="0"/>
+              </a:spcBef>
+              <a:buNone/>
+            </a:pPr>
+            <a:r>
+              <a:rPr lang="en-GB" sz="1800" dirty="0">
+                <a:solidFill>
+                  <a:schemeClr val="accent1">
+                    <a:lumMod val="75000"/>
+                  </a:schemeClr>
+                </a:solidFill>
+                <a:latin typeface="Abadi" panose="020B0604020104020204" pitchFamily="34" charset="0"/>
+              </a:rPr>
+              <a:t>	{</a:t>
+            </a:r>
+          </a:p>
+          <a:p>
+            <a:pPr marL="0" indent="0" defTabSz="252000">
+              <a:spcBef>
+                <a:spcPts val="0"/>
+              </a:spcBef>
+              <a:buNone/>
+            </a:pPr>
+            <a:r>
+              <a:rPr lang="en-GB" sz="1800" dirty="0">
+                <a:solidFill>
+                  <a:schemeClr val="accent1">
+                    <a:lumMod val="75000"/>
+                  </a:schemeClr>
+                </a:solidFill>
+                <a:latin typeface="Abadi" panose="020B0604020104020204" pitchFamily="34" charset="0"/>
+              </a:rPr>
+              <a:t>		protected </a:t>
+            </a:r>
+            <a:r>
+              <a:rPr lang="en-GB" sz="1800" dirty="0" err="1">
+                <a:solidFill>
+                  <a:schemeClr val="accent1">
+                    <a:lumMod val="75000"/>
+                  </a:schemeClr>
+                </a:solidFill>
+                <a:latin typeface="Abadi" panose="020B0604020104020204" pitchFamily="34" charset="0"/>
+              </a:rPr>
+              <a:t>VaisseauSpatial</a:t>
+            </a:r>
+            <a:r>
+              <a:rPr lang="en-GB" sz="1800" dirty="0">
+                <a:solidFill>
+                  <a:schemeClr val="accent1">
+                    <a:lumMod val="75000"/>
+                  </a:schemeClr>
+                </a:solidFill>
+                <a:latin typeface="Abadi" panose="020B0604020104020204" pitchFamily="34" charset="0"/>
+              </a:rPr>
+              <a:t> </a:t>
+            </a:r>
+            <a:r>
+              <a:rPr lang="en-GB" sz="1800" dirty="0" err="1">
+                <a:solidFill>
+                  <a:schemeClr val="accent1">
+                    <a:lumMod val="75000"/>
+                  </a:schemeClr>
+                </a:solidFill>
+                <a:latin typeface="Abadi" panose="020B0604020104020204" pitchFamily="34" charset="0"/>
+              </a:rPr>
+              <a:t>vaisseauSpatial</a:t>
+            </a:r>
+            <a:r>
+              <a:rPr lang="en-GB" sz="1800" dirty="0">
+                <a:solidFill>
+                  <a:schemeClr val="accent1">
+                    <a:lumMod val="75000"/>
+                  </a:schemeClr>
+                </a:solidFill>
+                <a:latin typeface="Abadi" panose="020B0604020104020204" pitchFamily="34" charset="0"/>
+              </a:rPr>
+              <a:t> = new </a:t>
+            </a:r>
+            <a:r>
+              <a:rPr lang="en-GB" sz="1800" dirty="0" err="1">
+                <a:solidFill>
+                  <a:schemeClr val="accent1">
+                    <a:lumMod val="75000"/>
+                  </a:schemeClr>
+                </a:solidFill>
+                <a:latin typeface="Abadi" panose="020B0604020104020204" pitchFamily="34" charset="0"/>
+              </a:rPr>
+              <a:t>VaisseauSpatial</a:t>
+            </a:r>
+            <a:r>
+              <a:rPr lang="en-GB" sz="1800" dirty="0">
+                <a:solidFill>
+                  <a:schemeClr val="accent1">
+                    <a:lumMod val="75000"/>
+                  </a:schemeClr>
+                </a:solidFill>
+                <a:latin typeface="Abadi" panose="020B0604020104020204" pitchFamily="34" charset="0"/>
+              </a:rPr>
+              <a:t>();</a:t>
+            </a:r>
+          </a:p>
+          <a:p>
+            <a:pPr marL="0" indent="0" defTabSz="252000">
+              <a:spcBef>
+                <a:spcPts val="0"/>
+              </a:spcBef>
+              <a:buNone/>
+            </a:pPr>
+            <a:r>
+              <a:rPr lang="en-GB" sz="1800" dirty="0">
+                <a:solidFill>
+                  <a:schemeClr val="accent1">
+                    <a:lumMod val="75000"/>
+                  </a:schemeClr>
+                </a:solidFill>
+                <a:latin typeface="Abadi" panose="020B0604020104020204" pitchFamily="34" charset="0"/>
+              </a:rPr>
+              <a:t>		abstract public void </a:t>
+            </a:r>
+            <a:r>
+              <a:rPr lang="en-GB" sz="1800" dirty="0" err="1">
+                <a:solidFill>
+                  <a:schemeClr val="accent1">
+                    <a:lumMod val="75000"/>
+                  </a:schemeClr>
+                </a:solidFill>
+                <a:latin typeface="Abadi" panose="020B0604020104020204" pitchFamily="34" charset="0"/>
+              </a:rPr>
+              <a:t>buildPropulseurs</a:t>
+            </a:r>
+            <a:r>
+              <a:rPr lang="en-GB" sz="1800" dirty="0">
+                <a:solidFill>
+                  <a:schemeClr val="accent1">
+                    <a:lumMod val="75000"/>
+                  </a:schemeClr>
+                </a:solidFill>
+                <a:latin typeface="Abadi" panose="020B0604020104020204" pitchFamily="34" charset="0"/>
+              </a:rPr>
+              <a:t>() ;</a:t>
+            </a:r>
+          </a:p>
+          <a:p>
+            <a:pPr marL="0" indent="0" defTabSz="252000">
+              <a:spcBef>
+                <a:spcPts val="0"/>
+              </a:spcBef>
+              <a:buNone/>
+            </a:pPr>
+            <a:r>
+              <a:rPr lang="en-GB" sz="1800" dirty="0">
+                <a:solidFill>
+                  <a:schemeClr val="accent1">
+                    <a:lumMod val="75000"/>
+                  </a:schemeClr>
+                </a:solidFill>
+                <a:latin typeface="Abadi" panose="020B0604020104020204" pitchFamily="34" charset="0"/>
+              </a:rPr>
+              <a:t>		public void </a:t>
+            </a:r>
+            <a:r>
+              <a:rPr lang="en-GB" sz="1800" dirty="0" err="1">
+                <a:solidFill>
+                  <a:schemeClr val="accent1">
+                    <a:lumMod val="75000"/>
+                  </a:schemeClr>
+                </a:solidFill>
+                <a:latin typeface="Abadi" panose="020B0604020104020204" pitchFamily="34" charset="0"/>
+              </a:rPr>
+              <a:t>buildCanons</a:t>
+            </a:r>
+            <a:r>
+              <a:rPr lang="en-GB" sz="1800" dirty="0">
+                <a:solidFill>
+                  <a:schemeClr val="accent1">
+                    <a:lumMod val="75000"/>
+                  </a:schemeClr>
+                </a:solidFill>
+                <a:latin typeface="Abadi" panose="020B0604020104020204" pitchFamily="34" charset="0"/>
+              </a:rPr>
+              <a:t>() { }</a:t>
+            </a:r>
+          </a:p>
+          <a:p>
+            <a:pPr marL="0" indent="0" defTabSz="252000">
+              <a:spcBef>
+                <a:spcPts val="0"/>
+              </a:spcBef>
+              <a:buNone/>
+            </a:pPr>
+            <a:r>
+              <a:rPr lang="en-GB" sz="1800" dirty="0">
+                <a:solidFill>
+                  <a:schemeClr val="accent1">
+                    <a:lumMod val="75000"/>
+                  </a:schemeClr>
+                </a:solidFill>
+                <a:latin typeface="Abadi" panose="020B0604020104020204" pitchFamily="34" charset="0"/>
+              </a:rPr>
+              <a:t>		public </a:t>
+            </a:r>
+            <a:r>
+              <a:rPr lang="en-GB" sz="1800" dirty="0" err="1">
+                <a:solidFill>
+                  <a:schemeClr val="accent1">
+                    <a:lumMod val="75000"/>
+                  </a:schemeClr>
+                </a:solidFill>
+                <a:latin typeface="Abadi" panose="020B0604020104020204" pitchFamily="34" charset="0"/>
+              </a:rPr>
+              <a:t>VaisseauSpatial</a:t>
+            </a:r>
+            <a:r>
+              <a:rPr lang="en-GB" sz="1800" dirty="0">
+                <a:solidFill>
+                  <a:schemeClr val="accent1">
+                    <a:lumMod val="75000"/>
+                  </a:schemeClr>
+                </a:solidFill>
+                <a:latin typeface="Abadi" panose="020B0604020104020204" pitchFamily="34" charset="0"/>
+              </a:rPr>
+              <a:t> </a:t>
+            </a:r>
+            <a:r>
+              <a:rPr lang="en-GB" sz="1800" dirty="0" err="1">
+                <a:solidFill>
+                  <a:schemeClr val="accent1">
+                    <a:lumMod val="75000"/>
+                  </a:schemeClr>
+                </a:solidFill>
+                <a:latin typeface="Abadi" panose="020B0604020104020204" pitchFamily="34" charset="0"/>
+              </a:rPr>
+              <a:t>getVaisseauSpatial</a:t>
+            </a:r>
+            <a:r>
+              <a:rPr lang="en-GB" sz="1800" dirty="0">
+                <a:solidFill>
+                  <a:schemeClr val="accent1">
+                    <a:lumMod val="75000"/>
+                  </a:schemeClr>
+                </a:solidFill>
+                <a:latin typeface="Abadi" panose="020B0604020104020204" pitchFamily="34" charset="0"/>
+              </a:rPr>
+              <a:t>() {</a:t>
+            </a:r>
+          </a:p>
+          <a:p>
+            <a:pPr marL="0" indent="0" defTabSz="252000">
+              <a:spcBef>
+                <a:spcPts val="0"/>
+              </a:spcBef>
+              <a:buNone/>
+            </a:pPr>
+            <a:r>
+              <a:rPr lang="en-GB" sz="1800" dirty="0">
+                <a:solidFill>
+                  <a:schemeClr val="accent1">
+                    <a:lumMod val="75000"/>
+                  </a:schemeClr>
+                </a:solidFill>
+                <a:latin typeface="Abadi" panose="020B0604020104020204" pitchFamily="34" charset="0"/>
+              </a:rPr>
+              <a:t>			return </a:t>
+            </a:r>
+            <a:r>
+              <a:rPr lang="en-GB" sz="1800" dirty="0" err="1">
+                <a:solidFill>
+                  <a:schemeClr val="accent1">
+                    <a:lumMod val="75000"/>
+                  </a:schemeClr>
+                </a:solidFill>
+                <a:latin typeface="Abadi" panose="020B0604020104020204" pitchFamily="34" charset="0"/>
+              </a:rPr>
+              <a:t>vaisseauSpatial</a:t>
+            </a:r>
+            <a:r>
+              <a:rPr lang="en-GB" sz="1800" dirty="0">
+                <a:solidFill>
+                  <a:schemeClr val="accent1">
+                    <a:lumMod val="75000"/>
+                  </a:schemeClr>
+                </a:solidFill>
+                <a:latin typeface="Abadi" panose="020B0604020104020204" pitchFamily="34" charset="0"/>
+              </a:rPr>
+              <a:t>;</a:t>
+            </a:r>
+          </a:p>
+          <a:p>
+            <a:pPr marL="0" indent="0" defTabSz="252000">
+              <a:spcBef>
+                <a:spcPts val="0"/>
+              </a:spcBef>
+              <a:buNone/>
+            </a:pPr>
+            <a:r>
+              <a:rPr lang="en-GB" sz="1800" dirty="0">
+                <a:solidFill>
+                  <a:schemeClr val="accent1">
+                    <a:lumMod val="75000"/>
+                  </a:schemeClr>
+                </a:solidFill>
+                <a:latin typeface="Abadi" panose="020B0604020104020204" pitchFamily="34" charset="0"/>
+              </a:rPr>
+              <a:t>		}</a:t>
+            </a:r>
+          </a:p>
+          <a:p>
+            <a:pPr marL="0" indent="0" defTabSz="252000">
+              <a:spcBef>
+                <a:spcPts val="0"/>
+              </a:spcBef>
+              <a:buNone/>
+            </a:pPr>
+            <a:r>
+              <a:rPr lang="en-GB" sz="1800" dirty="0">
+                <a:solidFill>
+                  <a:schemeClr val="accent1">
+                    <a:lumMod val="75000"/>
+                  </a:schemeClr>
+                </a:solidFill>
+                <a:latin typeface="Abadi" panose="020B0604020104020204" pitchFamily="34" charset="0"/>
+              </a:rPr>
+              <a:t>	}</a:t>
+            </a:r>
+          </a:p>
+          <a:p>
+            <a:pPr marL="0" indent="0" defTabSz="252000">
+              <a:spcBef>
+                <a:spcPts val="0"/>
+              </a:spcBef>
+              <a:buNone/>
+            </a:pPr>
+            <a:endParaRPr lang="en-GB" sz="1800" dirty="0">
+              <a:solidFill>
+                <a:schemeClr val="accent1">
+                  <a:lumMod val="75000"/>
+                </a:schemeClr>
+              </a:solidFill>
+              <a:latin typeface="Abadi" panose="020B0604020104020204" pitchFamily="34" charset="0"/>
+            </a:endParaRPr>
+          </a:p>
+          <a:p>
+            <a:pPr defTabSz="252000">
+              <a:spcBef>
+                <a:spcPts val="0"/>
+              </a:spcBef>
+            </a:pPr>
+            <a:r>
+              <a:rPr lang="en-GB" sz="1800" dirty="0">
+                <a:solidFill>
+                  <a:schemeClr val="accent1">
+                    <a:lumMod val="75000"/>
+                  </a:schemeClr>
+                </a:solidFill>
+                <a:latin typeface="Abadi" panose="020B0604020104020204" pitchFamily="34" charset="0"/>
+              </a:rPr>
+              <a:t>class </a:t>
+            </a:r>
+            <a:r>
+              <a:rPr lang="en-GB" sz="1800" dirty="0" err="1">
+                <a:solidFill>
+                  <a:schemeClr val="accent1">
+                    <a:lumMod val="75000"/>
+                  </a:schemeClr>
+                </a:solidFill>
+                <a:latin typeface="Abadi" panose="020B0604020104020204" pitchFamily="34" charset="0"/>
+              </a:rPr>
+              <a:t>VaisseauDeCombatBuilder</a:t>
+            </a:r>
+            <a:r>
+              <a:rPr lang="en-GB" sz="1800" dirty="0">
+                <a:solidFill>
+                  <a:schemeClr val="accent1">
+                    <a:lumMod val="75000"/>
+                  </a:schemeClr>
+                </a:solidFill>
+                <a:latin typeface="Abadi" panose="020B0604020104020204" pitchFamily="34" charset="0"/>
+              </a:rPr>
+              <a:t> extends </a:t>
+            </a:r>
+            <a:r>
+              <a:rPr lang="en-GB" sz="1800" dirty="0" err="1">
+                <a:solidFill>
+                  <a:schemeClr val="accent1">
+                    <a:lumMod val="75000"/>
+                  </a:schemeClr>
+                </a:solidFill>
+                <a:latin typeface="Abadi" panose="020B0604020104020204" pitchFamily="34" charset="0"/>
+              </a:rPr>
+              <a:t>VaisseauBuilder</a:t>
+            </a:r>
+            <a:r>
+              <a:rPr lang="en-GB" sz="1800" dirty="0">
+                <a:solidFill>
+                  <a:schemeClr val="accent1">
+                    <a:lumMod val="75000"/>
+                  </a:schemeClr>
+                </a:solidFill>
+                <a:latin typeface="Abadi" panose="020B0604020104020204" pitchFamily="34" charset="0"/>
+              </a:rPr>
+              <a:t> </a:t>
+            </a:r>
+          </a:p>
+          <a:p>
+            <a:pPr marL="0" indent="0" defTabSz="252000">
+              <a:spcBef>
+                <a:spcPts val="0"/>
+              </a:spcBef>
+              <a:buNone/>
+            </a:pPr>
+            <a:r>
+              <a:rPr lang="en-GB" sz="1800" dirty="0">
+                <a:solidFill>
+                  <a:schemeClr val="accent1">
+                    <a:lumMod val="75000"/>
+                  </a:schemeClr>
+                </a:solidFill>
+                <a:latin typeface="Abadi" panose="020B0604020104020204" pitchFamily="34" charset="0"/>
+              </a:rPr>
+              <a:t>	{</a:t>
+            </a:r>
+          </a:p>
+          <a:p>
+            <a:pPr marL="0" indent="0" defTabSz="252000">
+              <a:spcBef>
+                <a:spcPts val="0"/>
+              </a:spcBef>
+              <a:buNone/>
+            </a:pPr>
+            <a:r>
+              <a:rPr lang="en-GB" sz="1800" dirty="0">
+                <a:solidFill>
+                  <a:schemeClr val="accent1">
+                    <a:lumMod val="75000"/>
+                  </a:schemeClr>
+                </a:solidFill>
+                <a:latin typeface="Abadi" panose="020B0604020104020204" pitchFamily="34" charset="0"/>
+              </a:rPr>
+              <a:t>		public void </a:t>
+            </a:r>
+            <a:r>
+              <a:rPr lang="en-GB" sz="1800" dirty="0" err="1">
+                <a:solidFill>
+                  <a:schemeClr val="accent1">
+                    <a:lumMod val="75000"/>
+                  </a:schemeClr>
+                </a:solidFill>
+                <a:latin typeface="Abadi" panose="020B0604020104020204" pitchFamily="34" charset="0"/>
+              </a:rPr>
+              <a:t>buildPropulseurs</a:t>
+            </a:r>
+            <a:r>
+              <a:rPr lang="en-GB" sz="1800" dirty="0">
+                <a:solidFill>
+                  <a:schemeClr val="accent1">
+                    <a:lumMod val="75000"/>
+                  </a:schemeClr>
+                </a:solidFill>
+                <a:latin typeface="Abadi" panose="020B0604020104020204" pitchFamily="34" charset="0"/>
+              </a:rPr>
+              <a:t>() {</a:t>
+            </a:r>
+          </a:p>
+          <a:p>
+            <a:pPr marL="0" indent="0" defTabSz="252000">
+              <a:spcBef>
+                <a:spcPts val="0"/>
+              </a:spcBef>
+              <a:buNone/>
+            </a:pPr>
+            <a:r>
+              <a:rPr lang="en-GB" sz="1800" dirty="0">
+                <a:solidFill>
+                  <a:schemeClr val="accent1">
+                    <a:lumMod val="75000"/>
+                  </a:schemeClr>
+                </a:solidFill>
+                <a:latin typeface="Abadi" panose="020B0604020104020204" pitchFamily="34" charset="0"/>
+              </a:rPr>
+              <a:t>			</a:t>
+            </a:r>
+            <a:r>
+              <a:rPr lang="en-GB" sz="1800" dirty="0" err="1">
+                <a:solidFill>
+                  <a:schemeClr val="accent1">
+                    <a:lumMod val="75000"/>
+                  </a:schemeClr>
+                </a:solidFill>
+                <a:latin typeface="Abadi" panose="020B0604020104020204" pitchFamily="34" charset="0"/>
+              </a:rPr>
+              <a:t>vaisseauSpatial.addPropulseurs</a:t>
+            </a:r>
+            <a:r>
+              <a:rPr lang="en-GB" sz="1800" dirty="0">
+                <a:solidFill>
+                  <a:schemeClr val="accent1">
+                    <a:lumMod val="75000"/>
+                  </a:schemeClr>
+                </a:solidFill>
+                <a:latin typeface="Abadi" panose="020B0604020104020204" pitchFamily="34" charset="0"/>
+              </a:rPr>
+              <a:t>("Petit </a:t>
+            </a:r>
+            <a:r>
+              <a:rPr lang="en-GB" sz="1800" dirty="0" err="1">
+                <a:solidFill>
+                  <a:schemeClr val="accent1">
+                    <a:lumMod val="75000"/>
+                  </a:schemeClr>
+                </a:solidFill>
+                <a:latin typeface="Abadi" panose="020B0604020104020204" pitchFamily="34" charset="0"/>
+              </a:rPr>
+              <a:t>propulseur</a:t>
+            </a:r>
+            <a:r>
+              <a:rPr lang="en-GB" sz="1800" dirty="0">
+                <a:solidFill>
+                  <a:schemeClr val="accent1">
+                    <a:lumMod val="75000"/>
+                  </a:schemeClr>
+                </a:solidFill>
+                <a:latin typeface="Abadi" panose="020B0604020104020204" pitchFamily="34" charset="0"/>
+              </a:rPr>
+              <a:t>", "Petit </a:t>
+            </a:r>
+            <a:r>
+              <a:rPr lang="en-GB" sz="1800" dirty="0" err="1">
+                <a:solidFill>
+                  <a:schemeClr val="accent1">
+                    <a:lumMod val="75000"/>
+                  </a:schemeClr>
+                </a:solidFill>
+                <a:latin typeface="Abadi" panose="020B0604020104020204" pitchFamily="34" charset="0"/>
+              </a:rPr>
+              <a:t>propulseur</a:t>
+            </a:r>
+            <a:r>
+              <a:rPr lang="en-GB" sz="1800" dirty="0">
+                <a:solidFill>
+                  <a:schemeClr val="accent1">
+                    <a:lumMod val="75000"/>
+                  </a:schemeClr>
+                </a:solidFill>
+                <a:latin typeface="Abadi" panose="020B0604020104020204" pitchFamily="34" charset="0"/>
+              </a:rPr>
+              <a:t>");</a:t>
+            </a:r>
+          </a:p>
+          <a:p>
+            <a:pPr marL="0" indent="0" defTabSz="252000">
+              <a:spcBef>
+                <a:spcPts val="0"/>
+              </a:spcBef>
+              <a:buNone/>
+            </a:pPr>
+            <a:r>
+              <a:rPr lang="en-GB" sz="1800" dirty="0">
+                <a:solidFill>
+                  <a:schemeClr val="accent1">
+                    <a:lumMod val="75000"/>
+                  </a:schemeClr>
+                </a:solidFill>
+                <a:latin typeface="Abadi" panose="020B0604020104020204" pitchFamily="34" charset="0"/>
+              </a:rPr>
+              <a:t>		}</a:t>
+            </a:r>
+          </a:p>
+          <a:p>
+            <a:pPr marL="0" indent="0" defTabSz="252000">
+              <a:spcBef>
+                <a:spcPts val="0"/>
+              </a:spcBef>
+              <a:buNone/>
+            </a:pPr>
+            <a:r>
+              <a:rPr lang="en-GB" sz="1800" dirty="0">
+                <a:solidFill>
+                  <a:schemeClr val="accent1">
+                    <a:lumMod val="75000"/>
+                  </a:schemeClr>
+                </a:solidFill>
+                <a:latin typeface="Abadi" panose="020B0604020104020204" pitchFamily="34" charset="0"/>
+              </a:rPr>
+              <a:t>		public void </a:t>
+            </a:r>
+            <a:r>
+              <a:rPr lang="en-GB" sz="1800" dirty="0" err="1">
+                <a:solidFill>
+                  <a:schemeClr val="accent1">
+                    <a:lumMod val="75000"/>
+                  </a:schemeClr>
+                </a:solidFill>
+                <a:latin typeface="Abadi" panose="020B0604020104020204" pitchFamily="34" charset="0"/>
+              </a:rPr>
+              <a:t>buildCanons</a:t>
+            </a:r>
+            <a:r>
+              <a:rPr lang="en-GB" sz="1800" dirty="0">
+                <a:solidFill>
+                  <a:schemeClr val="accent1">
+                    <a:lumMod val="75000"/>
+                  </a:schemeClr>
+                </a:solidFill>
+                <a:latin typeface="Abadi" panose="020B0604020104020204" pitchFamily="34" charset="0"/>
+              </a:rPr>
+              <a:t>() {</a:t>
+            </a:r>
+          </a:p>
+          <a:p>
+            <a:pPr marL="0" indent="0" defTabSz="252000">
+              <a:spcBef>
+                <a:spcPts val="0"/>
+              </a:spcBef>
+              <a:buNone/>
+            </a:pPr>
+            <a:r>
+              <a:rPr lang="en-GB" sz="1800" dirty="0">
+                <a:solidFill>
+                  <a:schemeClr val="accent1">
+                    <a:lumMod val="75000"/>
+                  </a:schemeClr>
+                </a:solidFill>
+                <a:latin typeface="Abadi" panose="020B0604020104020204" pitchFamily="34" charset="0"/>
+              </a:rPr>
+              <a:t>			</a:t>
+            </a:r>
+            <a:r>
+              <a:rPr lang="en-GB" sz="1800" dirty="0" err="1">
+                <a:solidFill>
+                  <a:schemeClr val="accent1">
+                    <a:lumMod val="75000"/>
+                  </a:schemeClr>
+                </a:solidFill>
+                <a:latin typeface="Abadi" panose="020B0604020104020204" pitchFamily="34" charset="0"/>
+              </a:rPr>
+              <a:t>vaisseauSpatial.addCanons</a:t>
+            </a:r>
+            <a:r>
+              <a:rPr lang="en-GB" sz="1800" dirty="0">
+                <a:solidFill>
+                  <a:schemeClr val="accent1">
+                    <a:lumMod val="75000"/>
+                  </a:schemeClr>
+                </a:solidFill>
+                <a:latin typeface="Abadi" panose="020B0604020104020204" pitchFamily="34" charset="0"/>
+              </a:rPr>
+              <a:t>("Canon laser", "Canon laser", "Lance-</a:t>
+            </a:r>
+            <a:r>
+              <a:rPr lang="en-GB" sz="1800" dirty="0" err="1">
+                <a:solidFill>
+                  <a:schemeClr val="accent1">
+                    <a:lumMod val="75000"/>
+                  </a:schemeClr>
+                </a:solidFill>
+                <a:latin typeface="Abadi" panose="020B0604020104020204" pitchFamily="34" charset="0"/>
+              </a:rPr>
+              <a:t>torpilles</a:t>
+            </a:r>
+            <a:r>
+              <a:rPr lang="en-GB" sz="1800" dirty="0">
+                <a:solidFill>
+                  <a:schemeClr val="accent1">
+                    <a:lumMod val="75000"/>
+                  </a:schemeClr>
+                </a:solidFill>
+                <a:latin typeface="Abadi" panose="020B0604020104020204" pitchFamily="34" charset="0"/>
+              </a:rPr>
+              <a:t> à protons");</a:t>
+            </a:r>
+          </a:p>
+          <a:p>
+            <a:pPr marL="0" indent="0" defTabSz="252000">
+              <a:spcBef>
+                <a:spcPts val="0"/>
+              </a:spcBef>
+              <a:buNone/>
+            </a:pPr>
+            <a:r>
+              <a:rPr lang="en-GB" sz="1800" dirty="0">
+                <a:solidFill>
+                  <a:schemeClr val="accent1">
+                    <a:lumMod val="75000"/>
+                  </a:schemeClr>
+                </a:solidFill>
+                <a:latin typeface="Abadi" panose="020B0604020104020204" pitchFamily="34" charset="0"/>
+              </a:rPr>
+              <a:t>		}</a:t>
+            </a:r>
+          </a:p>
+          <a:p>
+            <a:pPr marL="0" indent="0" defTabSz="252000">
+              <a:spcBef>
+                <a:spcPts val="0"/>
+              </a:spcBef>
+              <a:buNone/>
+            </a:pPr>
+            <a:r>
+              <a:rPr lang="en-GB" sz="1800" dirty="0">
+                <a:solidFill>
+                  <a:schemeClr val="accent1">
+                    <a:lumMod val="75000"/>
+                  </a:schemeClr>
+                </a:solidFill>
+                <a:latin typeface="Abadi" panose="020B0604020104020204" pitchFamily="34" charset="0"/>
+              </a:rPr>
+              <a:t>	}</a:t>
+            </a:r>
+          </a:p>
+          <a:p>
+            <a:pPr marL="0" indent="0" defTabSz="252000">
+              <a:spcBef>
+                <a:spcPts val="0"/>
+              </a:spcBef>
+              <a:buNone/>
+            </a:pPr>
+            <a:endParaRPr lang="en-GB" sz="1800" dirty="0">
+              <a:solidFill>
+                <a:schemeClr val="accent1">
+                  <a:lumMod val="75000"/>
+                </a:schemeClr>
+              </a:solidFill>
+              <a:latin typeface="Abadi" panose="020B0604020104020204" pitchFamily="34" charset="0"/>
+            </a:endParaRPr>
+          </a:p>
+        </p:txBody>
+      </p:sp>
+    </p:spTree>
+    <p:extLst>
+      <p:ext uri="{BB962C8B-B14F-4D97-AF65-F5344CB8AC3E}">
+        <p14:creationId xmlns:p14="http://schemas.microsoft.com/office/powerpoint/2010/main" val="2592615184"/>
       </p:ext>
     </p:extLst>
   </p:cSld>
@@ -4382,7 +10301,7 @@
 <file path=ppt/theme/theme1.xml><?xml version="1.0" encoding="utf-8"?>
 <a:theme xmlns:a="http://schemas.openxmlformats.org/drawingml/2006/main" name="Thème Office">
   <a:themeElements>
-    <a:clrScheme name="Office">
+    <a:clrScheme name="Personnalisé 1">
       <a:dk1>
         <a:sysClr val="windowText" lastClr="000000"/>
       </a:dk1>
@@ -4414,10 +10333,10 @@
         <a:srgbClr val="70AD47"/>
       </a:accent6>
       <a:hlink>
-        <a:srgbClr val="0563C1"/>
+        <a:srgbClr val="FC5F10"/>
       </a:hlink>
       <a:folHlink>
-        <a:srgbClr val="954F72"/>
+        <a:srgbClr val="FC5F10"/>
       </a:folHlink>
     </a:clrScheme>
     <a:fontScheme name="Office">
